--- a/Why Data Visualization is critical Your Organization.pptx
+++ b/Why Data Visualization is critical Your Organization.pptx
@@ -2,14 +2,17 @@
 <file path=ppt/presentation.xml><?xml version="1.0" encoding="utf-8"?>
 <p:presentation xmlns:a="http://schemas.openxmlformats.org/drawingml/2006/main" xmlns:r="http://schemas.openxmlformats.org/officeDocument/2006/relationships" xmlns:p="http://schemas.openxmlformats.org/presentationml/2006/main" saveSubsetFonts="1">
   <p:sldMasterIdLst>
-    <p:sldMasterId id="2147483648" r:id="rId1"/>
+    <p:sldMasterId id="2147483660" r:id="rId1"/>
   </p:sldMasterIdLst>
   <p:sldIdLst>
     <p:sldId id="256" r:id="rId2"/>
     <p:sldId id="257" r:id="rId3"/>
     <p:sldId id="258" r:id="rId4"/>
+    <p:sldId id="260" r:id="rId5"/>
+    <p:sldId id="262" r:id="rId6"/>
+    <p:sldId id="261" r:id="rId7"/>
   </p:sldIdLst>
-  <p:sldSz cx="9144000" cy="6858000" type="screen4x3"/>
+  <p:sldSz cx="12192000" cy="6858000"/>
   <p:notesSz cx="6858000" cy="9144000"/>
   <p:defaultTextStyle>
     <a:defPPr>
@@ -106,7 +109,22 @@
       </a:defRPr>
     </a:lvl9pPr>
   </p:defaultTextStyle>
+  <p:extLst>
+    <p:ext uri="{EFAFB233-063F-42B5-8137-9DF3F51BA10A}">
+      <p15:sldGuideLst xmlns:p15="http://schemas.microsoft.com/office/powerpoint/2012/main" xmlns=""/>
+    </p:ext>
+  </p:extLst>
 </p:presentation>
+</file>
+
+<file path=ppt/revisionInfo.xml><?xml version="1.0" encoding="utf-8"?>
+<p1510:revInfo xmlns:a="http://schemas.openxmlformats.org/drawingml/2006/main" xmlns:r="http://schemas.openxmlformats.org/officeDocument/2006/relationships" xmlns:p1510="http://schemas.microsoft.com/office/powerpoint/2015/10/main">
+  <p1510:revLst>
+    <p1510:client id="{308AA064-739A-4782-BA99-79C8F1ED0B53}" v="2092" dt="2020-08-05T08:15:39.250"/>
+    <p1510:client id="{608F31F7-44F6-37AC-494B-53C91C474D6C}" v="566" dt="2020-07-20T11:08:09.052"/>
+    <p1510:client id="{CB45D58A-6973-58BF-0DD6-8FD368EB33A0}" v="130" dt="2020-07-20T10:30:32.693"/>
+  </p1510:revLst>
+</p1510:revInfo>
 </file>
 
 <file path=ppt/slideLayouts/slideLayout1.xml><?xml version="1.0" encoding="utf-8"?>
@@ -138,19 +156,22 @@
         </p:nvSpPr>
         <p:spPr>
           <a:xfrm>
-            <a:off x="685800" y="2130425"/>
-            <a:ext cx="7772400" cy="1470025"/>
+            <a:off x="1524000" y="1122363"/>
+            <a:ext cx="9144000" cy="2387600"/>
           </a:xfrm>
         </p:spPr>
         <p:txBody>
-          <a:bodyPr/>
-          <a:lstStyle/>
-          <a:p>
-            <a:r>
-              <a:rPr lang="en-US" smtClean="0"/>
+          <a:bodyPr anchor="b"/>
+          <a:lstStyle>
+            <a:lvl1pPr algn="ctr">
+              <a:defRPr sz="6000"/>
+            </a:lvl1pPr>
+          </a:lstStyle>
+          <a:p>
+            <a:r>
+              <a:rPr lang="en-US"/>
               <a:t>Click to edit Master title style</a:t>
             </a:r>
-            <a:endParaRPr lang="en-US"/>
           </a:p>
         </p:txBody>
       </p:sp>
@@ -166,8 +187,8 @@
         </p:nvSpPr>
         <p:spPr>
           <a:xfrm>
-            <a:off x="1371600" y="3886200"/>
-            <a:ext cx="6400800" cy="1752600"/>
+            <a:off x="1524000" y="3602038"/>
+            <a:ext cx="9144000" cy="1655762"/>
           </a:xfrm>
         </p:spPr>
         <p:txBody>
@@ -175,122 +196,67 @@
           <a:lstStyle>
             <a:lvl1pPr marL="0" indent="0" algn="ctr">
               <a:buNone/>
-              <a:defRPr>
-                <a:solidFill>
-                  <a:schemeClr val="tx1">
-                    <a:tint val="75000"/>
-                  </a:schemeClr>
-                </a:solidFill>
-              </a:defRPr>
+              <a:defRPr sz="2400"/>
             </a:lvl1pPr>
             <a:lvl2pPr marL="457200" indent="0" algn="ctr">
               <a:buNone/>
-              <a:defRPr>
-                <a:solidFill>
-                  <a:schemeClr val="tx1">
-                    <a:tint val="75000"/>
-                  </a:schemeClr>
-                </a:solidFill>
-              </a:defRPr>
+              <a:defRPr sz="2000"/>
             </a:lvl2pPr>
             <a:lvl3pPr marL="914400" indent="0" algn="ctr">
               <a:buNone/>
-              <a:defRPr>
-                <a:solidFill>
-                  <a:schemeClr val="tx1">
-                    <a:tint val="75000"/>
-                  </a:schemeClr>
-                </a:solidFill>
-              </a:defRPr>
+              <a:defRPr sz="1800"/>
             </a:lvl3pPr>
             <a:lvl4pPr marL="1371600" indent="0" algn="ctr">
               <a:buNone/>
-              <a:defRPr>
-                <a:solidFill>
-                  <a:schemeClr val="tx1">
-                    <a:tint val="75000"/>
-                  </a:schemeClr>
-                </a:solidFill>
-              </a:defRPr>
+              <a:defRPr sz="1600"/>
             </a:lvl4pPr>
             <a:lvl5pPr marL="1828800" indent="0" algn="ctr">
               <a:buNone/>
-              <a:defRPr>
-                <a:solidFill>
-                  <a:schemeClr val="tx1">
-                    <a:tint val="75000"/>
-                  </a:schemeClr>
-                </a:solidFill>
-              </a:defRPr>
+              <a:defRPr sz="1600"/>
             </a:lvl5pPr>
             <a:lvl6pPr marL="2286000" indent="0" algn="ctr">
               <a:buNone/>
-              <a:defRPr>
-                <a:solidFill>
-                  <a:schemeClr val="tx1">
-                    <a:tint val="75000"/>
-                  </a:schemeClr>
-                </a:solidFill>
-              </a:defRPr>
+              <a:defRPr sz="1600"/>
             </a:lvl6pPr>
             <a:lvl7pPr marL="2743200" indent="0" algn="ctr">
               <a:buNone/>
-              <a:defRPr>
-                <a:solidFill>
-                  <a:schemeClr val="tx1">
-                    <a:tint val="75000"/>
-                  </a:schemeClr>
-                </a:solidFill>
-              </a:defRPr>
+              <a:defRPr sz="1600"/>
             </a:lvl7pPr>
             <a:lvl8pPr marL="3200400" indent="0" algn="ctr">
               <a:buNone/>
-              <a:defRPr>
-                <a:solidFill>
-                  <a:schemeClr val="tx1">
-                    <a:tint val="75000"/>
-                  </a:schemeClr>
-                </a:solidFill>
-              </a:defRPr>
+              <a:defRPr sz="1600"/>
             </a:lvl8pPr>
             <a:lvl9pPr marL="3657600" indent="0" algn="ctr">
               <a:buNone/>
-              <a:defRPr>
-                <a:solidFill>
-                  <a:schemeClr val="tx1">
-                    <a:tint val="75000"/>
-                  </a:schemeClr>
-                </a:solidFill>
-              </a:defRPr>
+              <a:defRPr sz="1600"/>
             </a:lvl9pPr>
           </a:lstStyle>
           <a:p>
             <a:r>
+              <a:rPr lang="en-US"/>
+              <a:t>Click to edit Master subtitle style</a:t>
+            </a:r>
+          </a:p>
+        </p:txBody>
+      </p:sp>
+      <p:sp>
+        <p:nvSpPr>
+          <p:cNvPr id="4" name="Date Placeholder 3"/>
+          <p:cNvSpPr>
+            <a:spLocks noGrp="1"/>
+          </p:cNvSpPr>
+          <p:nvPr>
+            <p:ph type="dt" sz="half" idx="10"/>
+          </p:nvPr>
+        </p:nvSpPr>
+        <p:spPr/>
+        <p:txBody>
+          <a:bodyPr/>
+          <a:lstStyle/>
+          <a:p>
+            <a:fld id="{846CE7D5-CF57-46EF-B807-FDD0502418D4}" type="datetimeFigureOut">
               <a:rPr lang="en-US" smtClean="0"/>
-              <a:t>Click to edit Master subtitle style</a:t>
-            </a:r>
-            <a:endParaRPr lang="en-US"/>
-          </a:p>
-        </p:txBody>
-      </p:sp>
-      <p:sp>
-        <p:nvSpPr>
-          <p:cNvPr id="4" name="Date Placeholder 3"/>
-          <p:cNvSpPr>
-            <a:spLocks noGrp="1"/>
-          </p:cNvSpPr>
-          <p:nvPr>
-            <p:ph type="dt" sz="half" idx="10"/>
-          </p:nvPr>
-        </p:nvSpPr>
-        <p:spPr/>
-        <p:txBody>
-          <a:bodyPr/>
-          <a:lstStyle/>
-          <a:p>
-            <a:fld id="{FDF26CF8-56C1-47C1-9672-55667C8CB022}" type="datetimeFigureOut">
-              <a:rPr lang="en-US" smtClean="0"/>
-              <a:t>7/3/2020</a:t>
+              <a:t>8/5/2020</a:t>
             </a:fld>
             <a:endParaRPr lang="en-US"/>
           </a:p>
@@ -330,7 +296,7 @@
           <a:bodyPr/>
           <a:lstStyle/>
           <a:p>
-            <a:fld id="{5B9A5E2F-EC28-402E-BB1F-16FB211E4BA1}" type="slidenum">
+            <a:fld id="{330EA680-D336-4FF7-8B7A-9848BB0A1C32}" type="slidenum">
               <a:rPr lang="en-US" smtClean="0"/>
               <a:t>‹#›</a:t>
             </a:fld>
@@ -341,7 +307,7 @@
     </p:spTree>
     <p:extLst>
       <p:ext uri="{BB962C8B-B14F-4D97-AF65-F5344CB8AC3E}">
-        <p14:creationId xmlns:p14="http://schemas.microsoft.com/office/powerpoint/2010/main" val="3121610856"/>
+        <p14:creationId xmlns:p14="http://schemas.microsoft.com/office/powerpoint/2010/main" val="2385387890"/>
       </p:ext>
     </p:extLst>
   </p:cSld>
@@ -384,83 +350,81 @@
           <a:lstStyle/>
           <a:p>
             <a:r>
+              <a:rPr lang="en-US"/>
+              <a:t>Click to edit Master title style</a:t>
+            </a:r>
+          </a:p>
+        </p:txBody>
+      </p:sp>
+      <p:sp>
+        <p:nvSpPr>
+          <p:cNvPr id="3" name="Vertical Text Placeholder 2"/>
+          <p:cNvSpPr>
+            <a:spLocks noGrp="1"/>
+          </p:cNvSpPr>
+          <p:nvPr>
+            <p:ph type="body" orient="vert" idx="1"/>
+          </p:nvPr>
+        </p:nvSpPr>
+        <p:spPr/>
+        <p:txBody>
+          <a:bodyPr vert="eaVert"/>
+          <a:lstStyle/>
+          <a:p>
+            <a:pPr lvl="0"/>
+            <a:r>
+              <a:rPr lang="en-US"/>
+              <a:t>Click to edit Master text styles</a:t>
+            </a:r>
+          </a:p>
+          <a:p>
+            <a:pPr lvl="1"/>
+            <a:r>
+              <a:rPr lang="en-US"/>
+              <a:t>Second level</a:t>
+            </a:r>
+          </a:p>
+          <a:p>
+            <a:pPr lvl="2"/>
+            <a:r>
+              <a:rPr lang="en-US"/>
+              <a:t>Third level</a:t>
+            </a:r>
+          </a:p>
+          <a:p>
+            <a:pPr lvl="3"/>
+            <a:r>
+              <a:rPr lang="en-US"/>
+              <a:t>Fourth level</a:t>
+            </a:r>
+          </a:p>
+          <a:p>
+            <a:pPr lvl="4"/>
+            <a:r>
+              <a:rPr lang="en-US"/>
+              <a:t>Fifth level</a:t>
+            </a:r>
+          </a:p>
+        </p:txBody>
+      </p:sp>
+      <p:sp>
+        <p:nvSpPr>
+          <p:cNvPr id="4" name="Date Placeholder 3"/>
+          <p:cNvSpPr>
+            <a:spLocks noGrp="1"/>
+          </p:cNvSpPr>
+          <p:nvPr>
+            <p:ph type="dt" sz="half" idx="10"/>
+          </p:nvPr>
+        </p:nvSpPr>
+        <p:spPr/>
+        <p:txBody>
+          <a:bodyPr/>
+          <a:lstStyle/>
+          <a:p>
+            <a:fld id="{846CE7D5-CF57-46EF-B807-FDD0502418D4}" type="datetimeFigureOut">
               <a:rPr lang="en-US" smtClean="0"/>
-              <a:t>Click to edit Master title style</a:t>
-            </a:r>
-            <a:endParaRPr lang="en-US"/>
-          </a:p>
-        </p:txBody>
-      </p:sp>
-      <p:sp>
-        <p:nvSpPr>
-          <p:cNvPr id="3" name="Vertical Text Placeholder 2"/>
-          <p:cNvSpPr>
-            <a:spLocks noGrp="1"/>
-          </p:cNvSpPr>
-          <p:nvPr>
-            <p:ph type="body" orient="vert" idx="1"/>
-          </p:nvPr>
-        </p:nvSpPr>
-        <p:spPr/>
-        <p:txBody>
-          <a:bodyPr vert="eaVert"/>
-          <a:lstStyle/>
-          <a:p>
-            <a:pPr lvl="0"/>
-            <a:r>
-              <a:rPr lang="en-US" smtClean="0"/>
-              <a:t>Click to edit Master text styles</a:t>
-            </a:r>
-          </a:p>
-          <a:p>
-            <a:pPr lvl="1"/>
-            <a:r>
-              <a:rPr lang="en-US" smtClean="0"/>
-              <a:t>Second level</a:t>
-            </a:r>
-          </a:p>
-          <a:p>
-            <a:pPr lvl="2"/>
-            <a:r>
-              <a:rPr lang="en-US" smtClean="0"/>
-              <a:t>Third level</a:t>
-            </a:r>
-          </a:p>
-          <a:p>
-            <a:pPr lvl="3"/>
-            <a:r>
-              <a:rPr lang="en-US" smtClean="0"/>
-              <a:t>Fourth level</a:t>
-            </a:r>
-          </a:p>
-          <a:p>
-            <a:pPr lvl="4"/>
-            <a:r>
-              <a:rPr lang="en-US" smtClean="0"/>
-              <a:t>Fifth level</a:t>
-            </a:r>
-            <a:endParaRPr lang="en-US"/>
-          </a:p>
-        </p:txBody>
-      </p:sp>
-      <p:sp>
-        <p:nvSpPr>
-          <p:cNvPr id="4" name="Date Placeholder 3"/>
-          <p:cNvSpPr>
-            <a:spLocks noGrp="1"/>
-          </p:cNvSpPr>
-          <p:nvPr>
-            <p:ph type="dt" sz="half" idx="10"/>
-          </p:nvPr>
-        </p:nvSpPr>
-        <p:spPr/>
-        <p:txBody>
-          <a:bodyPr/>
-          <a:lstStyle/>
-          <a:p>
-            <a:fld id="{FDF26CF8-56C1-47C1-9672-55667C8CB022}" type="datetimeFigureOut">
-              <a:rPr lang="en-US" smtClean="0"/>
-              <a:t>7/3/2020</a:t>
+              <a:t>8/5/2020</a:t>
             </a:fld>
             <a:endParaRPr lang="en-US"/>
           </a:p>
@@ -500,7 +464,7 @@
           <a:bodyPr/>
           <a:lstStyle/>
           <a:p>
-            <a:fld id="{5B9A5E2F-EC28-402E-BB1F-16FB211E4BA1}" type="slidenum">
+            <a:fld id="{330EA680-D336-4FF7-8B7A-9848BB0A1C32}" type="slidenum">
               <a:rPr lang="en-US" smtClean="0"/>
               <a:t>‹#›</a:t>
             </a:fld>
@@ -511,7 +475,7 @@
     </p:spTree>
     <p:extLst>
       <p:ext uri="{BB962C8B-B14F-4D97-AF65-F5344CB8AC3E}">
-        <p14:creationId xmlns:p14="http://schemas.microsoft.com/office/powerpoint/2010/main" val="717041453"/>
+        <p14:creationId xmlns:p14="http://schemas.microsoft.com/office/powerpoint/2010/main" val="2202905451"/>
       </p:ext>
     </p:extLst>
   </p:cSld>
@@ -550,8 +514,8 @@
         </p:nvSpPr>
         <p:spPr>
           <a:xfrm>
-            <a:off x="6629400" y="274638"/>
-            <a:ext cx="2057400" cy="5851525"/>
+            <a:off x="8724900" y="365125"/>
+            <a:ext cx="2628900" cy="5811838"/>
           </a:xfrm>
         </p:spPr>
         <p:txBody>
@@ -559,10 +523,9 @@
           <a:lstStyle/>
           <a:p>
             <a:r>
-              <a:rPr lang="en-US" smtClean="0"/>
+              <a:rPr lang="en-US"/>
               <a:t>Click to edit Master title style</a:t>
             </a:r>
-            <a:endParaRPr lang="en-US"/>
           </a:p>
         </p:txBody>
       </p:sp>
@@ -578,8 +541,8 @@
         </p:nvSpPr>
         <p:spPr>
           <a:xfrm>
-            <a:off x="457200" y="274638"/>
-            <a:ext cx="6019800" cy="5851525"/>
+            <a:off x="838200" y="365125"/>
+            <a:ext cx="7734300" cy="5811838"/>
           </a:xfrm>
         </p:spPr>
         <p:txBody>
@@ -588,59 +551,58 @@
           <a:p>
             <a:pPr lvl="0"/>
             <a:r>
+              <a:rPr lang="en-US"/>
+              <a:t>Click to edit Master text styles</a:t>
+            </a:r>
+          </a:p>
+          <a:p>
+            <a:pPr lvl="1"/>
+            <a:r>
+              <a:rPr lang="en-US"/>
+              <a:t>Second level</a:t>
+            </a:r>
+          </a:p>
+          <a:p>
+            <a:pPr lvl="2"/>
+            <a:r>
+              <a:rPr lang="en-US"/>
+              <a:t>Third level</a:t>
+            </a:r>
+          </a:p>
+          <a:p>
+            <a:pPr lvl="3"/>
+            <a:r>
+              <a:rPr lang="en-US"/>
+              <a:t>Fourth level</a:t>
+            </a:r>
+          </a:p>
+          <a:p>
+            <a:pPr lvl="4"/>
+            <a:r>
+              <a:rPr lang="en-US"/>
+              <a:t>Fifth level</a:t>
+            </a:r>
+          </a:p>
+        </p:txBody>
+      </p:sp>
+      <p:sp>
+        <p:nvSpPr>
+          <p:cNvPr id="4" name="Date Placeholder 3"/>
+          <p:cNvSpPr>
+            <a:spLocks noGrp="1"/>
+          </p:cNvSpPr>
+          <p:nvPr>
+            <p:ph type="dt" sz="half" idx="10"/>
+          </p:nvPr>
+        </p:nvSpPr>
+        <p:spPr/>
+        <p:txBody>
+          <a:bodyPr/>
+          <a:lstStyle/>
+          <a:p>
+            <a:fld id="{846CE7D5-CF57-46EF-B807-FDD0502418D4}" type="datetimeFigureOut">
               <a:rPr lang="en-US" smtClean="0"/>
-              <a:t>Click to edit Master text styles</a:t>
-            </a:r>
-          </a:p>
-          <a:p>
-            <a:pPr lvl="1"/>
-            <a:r>
-              <a:rPr lang="en-US" smtClean="0"/>
-              <a:t>Second level</a:t>
-            </a:r>
-          </a:p>
-          <a:p>
-            <a:pPr lvl="2"/>
-            <a:r>
-              <a:rPr lang="en-US" smtClean="0"/>
-              <a:t>Third level</a:t>
-            </a:r>
-          </a:p>
-          <a:p>
-            <a:pPr lvl="3"/>
-            <a:r>
-              <a:rPr lang="en-US" smtClean="0"/>
-              <a:t>Fourth level</a:t>
-            </a:r>
-          </a:p>
-          <a:p>
-            <a:pPr lvl="4"/>
-            <a:r>
-              <a:rPr lang="en-US" smtClean="0"/>
-              <a:t>Fifth level</a:t>
-            </a:r>
-            <a:endParaRPr lang="en-US"/>
-          </a:p>
-        </p:txBody>
-      </p:sp>
-      <p:sp>
-        <p:nvSpPr>
-          <p:cNvPr id="4" name="Date Placeholder 3"/>
-          <p:cNvSpPr>
-            <a:spLocks noGrp="1"/>
-          </p:cNvSpPr>
-          <p:nvPr>
-            <p:ph type="dt" sz="half" idx="10"/>
-          </p:nvPr>
-        </p:nvSpPr>
-        <p:spPr/>
-        <p:txBody>
-          <a:bodyPr/>
-          <a:lstStyle/>
-          <a:p>
-            <a:fld id="{FDF26CF8-56C1-47C1-9672-55667C8CB022}" type="datetimeFigureOut">
-              <a:rPr lang="en-US" smtClean="0"/>
-              <a:t>7/3/2020</a:t>
+              <a:t>8/5/2020</a:t>
             </a:fld>
             <a:endParaRPr lang="en-US"/>
           </a:p>
@@ -680,7 +642,7 @@
           <a:bodyPr/>
           <a:lstStyle/>
           <a:p>
-            <a:fld id="{5B9A5E2F-EC28-402E-BB1F-16FB211E4BA1}" type="slidenum">
+            <a:fld id="{330EA680-D336-4FF7-8B7A-9848BB0A1C32}" type="slidenum">
               <a:rPr lang="en-US" smtClean="0"/>
               <a:t>‹#›</a:t>
             </a:fld>
@@ -691,7 +653,7 @@
     </p:spTree>
     <p:extLst>
       <p:ext uri="{BB962C8B-B14F-4D97-AF65-F5344CB8AC3E}">
-        <p14:creationId xmlns:p14="http://schemas.microsoft.com/office/powerpoint/2010/main" val="447742440"/>
+        <p14:creationId xmlns:p14="http://schemas.microsoft.com/office/powerpoint/2010/main" val="3479445657"/>
       </p:ext>
     </p:extLst>
   </p:cSld>
@@ -734,83 +696,81 @@
           <a:lstStyle/>
           <a:p>
             <a:r>
+              <a:rPr lang="en-US"/>
+              <a:t>Click to edit Master title style</a:t>
+            </a:r>
+          </a:p>
+        </p:txBody>
+      </p:sp>
+      <p:sp>
+        <p:nvSpPr>
+          <p:cNvPr id="3" name="Content Placeholder 2"/>
+          <p:cNvSpPr>
+            <a:spLocks noGrp="1"/>
+          </p:cNvSpPr>
+          <p:nvPr>
+            <p:ph idx="1"/>
+          </p:nvPr>
+        </p:nvSpPr>
+        <p:spPr/>
+        <p:txBody>
+          <a:bodyPr/>
+          <a:lstStyle/>
+          <a:p>
+            <a:pPr lvl="0"/>
+            <a:r>
+              <a:rPr lang="en-US"/>
+              <a:t>Click to edit Master text styles</a:t>
+            </a:r>
+          </a:p>
+          <a:p>
+            <a:pPr lvl="1"/>
+            <a:r>
+              <a:rPr lang="en-US"/>
+              <a:t>Second level</a:t>
+            </a:r>
+          </a:p>
+          <a:p>
+            <a:pPr lvl="2"/>
+            <a:r>
+              <a:rPr lang="en-US"/>
+              <a:t>Third level</a:t>
+            </a:r>
+          </a:p>
+          <a:p>
+            <a:pPr lvl="3"/>
+            <a:r>
+              <a:rPr lang="en-US"/>
+              <a:t>Fourth level</a:t>
+            </a:r>
+          </a:p>
+          <a:p>
+            <a:pPr lvl="4"/>
+            <a:r>
+              <a:rPr lang="en-US"/>
+              <a:t>Fifth level</a:t>
+            </a:r>
+          </a:p>
+        </p:txBody>
+      </p:sp>
+      <p:sp>
+        <p:nvSpPr>
+          <p:cNvPr id="4" name="Date Placeholder 3"/>
+          <p:cNvSpPr>
+            <a:spLocks noGrp="1"/>
+          </p:cNvSpPr>
+          <p:nvPr>
+            <p:ph type="dt" sz="half" idx="10"/>
+          </p:nvPr>
+        </p:nvSpPr>
+        <p:spPr/>
+        <p:txBody>
+          <a:bodyPr/>
+          <a:lstStyle/>
+          <a:p>
+            <a:fld id="{846CE7D5-CF57-46EF-B807-FDD0502418D4}" type="datetimeFigureOut">
               <a:rPr lang="en-US" smtClean="0"/>
-              <a:t>Click to edit Master title style</a:t>
-            </a:r>
-            <a:endParaRPr lang="en-US"/>
-          </a:p>
-        </p:txBody>
-      </p:sp>
-      <p:sp>
-        <p:nvSpPr>
-          <p:cNvPr id="3" name="Content Placeholder 2"/>
-          <p:cNvSpPr>
-            <a:spLocks noGrp="1"/>
-          </p:cNvSpPr>
-          <p:nvPr>
-            <p:ph idx="1"/>
-          </p:nvPr>
-        </p:nvSpPr>
-        <p:spPr/>
-        <p:txBody>
-          <a:bodyPr/>
-          <a:lstStyle/>
-          <a:p>
-            <a:pPr lvl="0"/>
-            <a:r>
-              <a:rPr lang="en-US" smtClean="0"/>
-              <a:t>Click to edit Master text styles</a:t>
-            </a:r>
-          </a:p>
-          <a:p>
-            <a:pPr lvl="1"/>
-            <a:r>
-              <a:rPr lang="en-US" smtClean="0"/>
-              <a:t>Second level</a:t>
-            </a:r>
-          </a:p>
-          <a:p>
-            <a:pPr lvl="2"/>
-            <a:r>
-              <a:rPr lang="en-US" smtClean="0"/>
-              <a:t>Third level</a:t>
-            </a:r>
-          </a:p>
-          <a:p>
-            <a:pPr lvl="3"/>
-            <a:r>
-              <a:rPr lang="en-US" smtClean="0"/>
-              <a:t>Fourth level</a:t>
-            </a:r>
-          </a:p>
-          <a:p>
-            <a:pPr lvl="4"/>
-            <a:r>
-              <a:rPr lang="en-US" smtClean="0"/>
-              <a:t>Fifth level</a:t>
-            </a:r>
-            <a:endParaRPr lang="en-US"/>
-          </a:p>
-        </p:txBody>
-      </p:sp>
-      <p:sp>
-        <p:nvSpPr>
-          <p:cNvPr id="4" name="Date Placeholder 3"/>
-          <p:cNvSpPr>
-            <a:spLocks noGrp="1"/>
-          </p:cNvSpPr>
-          <p:nvPr>
-            <p:ph type="dt" sz="half" idx="10"/>
-          </p:nvPr>
-        </p:nvSpPr>
-        <p:spPr/>
-        <p:txBody>
-          <a:bodyPr/>
-          <a:lstStyle/>
-          <a:p>
-            <a:fld id="{FDF26CF8-56C1-47C1-9672-55667C8CB022}" type="datetimeFigureOut">
-              <a:rPr lang="en-US" smtClean="0"/>
-              <a:t>7/3/2020</a:t>
+              <a:t>8/5/2020</a:t>
             </a:fld>
             <a:endParaRPr lang="en-US"/>
           </a:p>
@@ -850,7 +810,7 @@
           <a:bodyPr/>
           <a:lstStyle/>
           <a:p>
-            <a:fld id="{5B9A5E2F-EC28-402E-BB1F-16FB211E4BA1}" type="slidenum">
+            <a:fld id="{330EA680-D336-4FF7-8B7A-9848BB0A1C32}" type="slidenum">
               <a:rPr lang="en-US" smtClean="0"/>
               <a:t>‹#›</a:t>
             </a:fld>
@@ -861,7 +821,7 @@
     </p:spTree>
     <p:extLst>
       <p:ext uri="{BB962C8B-B14F-4D97-AF65-F5344CB8AC3E}">
-        <p14:creationId xmlns:p14="http://schemas.microsoft.com/office/powerpoint/2010/main" val="918081289"/>
+        <p14:creationId xmlns:p14="http://schemas.microsoft.com/office/powerpoint/2010/main" val="949138452"/>
       </p:ext>
     </p:extLst>
   </p:cSld>
@@ -900,23 +860,22 @@
         </p:nvSpPr>
         <p:spPr>
           <a:xfrm>
-            <a:off x="722313" y="4406900"/>
-            <a:ext cx="7772400" cy="1362075"/>
+            <a:off x="831850" y="1709738"/>
+            <a:ext cx="10515600" cy="2852737"/>
           </a:xfrm>
         </p:spPr>
         <p:txBody>
-          <a:bodyPr anchor="t"/>
+          <a:bodyPr anchor="b"/>
           <a:lstStyle>
-            <a:lvl1pPr algn="l">
-              <a:defRPr sz="4000" b="1" cap="all"/>
+            <a:lvl1pPr>
+              <a:defRPr sz="6000"/>
             </a:lvl1pPr>
           </a:lstStyle>
           <a:p>
             <a:r>
-              <a:rPr lang="en-US" smtClean="0"/>
+              <a:rPr lang="en-US"/>
               <a:t>Click to edit Master title style</a:t>
             </a:r>
-            <a:endParaRPr lang="en-US"/>
           </a:p>
         </p:txBody>
       </p:sp>
@@ -932,16 +891,16 @@
         </p:nvSpPr>
         <p:spPr>
           <a:xfrm>
-            <a:off x="722313" y="2906713"/>
-            <a:ext cx="7772400" cy="1500187"/>
+            <a:off x="831850" y="4589463"/>
+            <a:ext cx="10515600" cy="1500187"/>
           </a:xfrm>
         </p:spPr>
         <p:txBody>
-          <a:bodyPr anchor="b"/>
+          <a:bodyPr/>
           <a:lstStyle>
             <a:lvl1pPr marL="0" indent="0">
               <a:buNone/>
-              <a:defRPr sz="2000">
+              <a:defRPr sz="2400">
                 <a:solidFill>
                   <a:schemeClr val="tx1">
                     <a:tint val="75000"/>
@@ -951,7 +910,7 @@
             </a:lvl1pPr>
             <a:lvl2pPr marL="457200" indent="0">
               <a:buNone/>
-              <a:defRPr sz="1800">
+              <a:defRPr sz="2000">
                 <a:solidFill>
                   <a:schemeClr val="tx1">
                     <a:tint val="75000"/>
@@ -961,7 +920,7 @@
             </a:lvl2pPr>
             <a:lvl3pPr marL="914400" indent="0">
               <a:buNone/>
-              <a:defRPr sz="1600">
+              <a:defRPr sz="1800">
                 <a:solidFill>
                   <a:schemeClr val="tx1">
                     <a:tint val="75000"/>
@@ -971,7 +930,7 @@
             </a:lvl3pPr>
             <a:lvl4pPr marL="1371600" indent="0">
               <a:buNone/>
-              <a:defRPr sz="1400">
+              <a:defRPr sz="1600">
                 <a:solidFill>
                   <a:schemeClr val="tx1">
                     <a:tint val="75000"/>
@@ -981,7 +940,7 @@
             </a:lvl4pPr>
             <a:lvl5pPr marL="1828800" indent="0">
               <a:buNone/>
-              <a:defRPr sz="1400">
+              <a:defRPr sz="1600">
                 <a:solidFill>
                   <a:schemeClr val="tx1">
                     <a:tint val="75000"/>
@@ -991,7 +950,7 @@
             </a:lvl5pPr>
             <a:lvl6pPr marL="2286000" indent="0">
               <a:buNone/>
-              <a:defRPr sz="1400">
+              <a:defRPr sz="1600">
                 <a:solidFill>
                   <a:schemeClr val="tx1">
                     <a:tint val="75000"/>
@@ -1001,7 +960,7 @@
             </a:lvl6pPr>
             <a:lvl7pPr marL="2743200" indent="0">
               <a:buNone/>
-              <a:defRPr sz="1400">
+              <a:defRPr sz="1600">
                 <a:solidFill>
                   <a:schemeClr val="tx1">
                     <a:tint val="75000"/>
@@ -1011,7 +970,7 @@
             </a:lvl7pPr>
             <a:lvl8pPr marL="3200400" indent="0">
               <a:buNone/>
-              <a:defRPr sz="1400">
+              <a:defRPr sz="1600">
                 <a:solidFill>
                   <a:schemeClr val="tx1">
                     <a:tint val="75000"/>
@@ -1021,7 +980,7 @@
             </a:lvl8pPr>
             <a:lvl9pPr marL="3657600" indent="0">
               <a:buNone/>
-              <a:defRPr sz="1400">
+              <a:defRPr sz="1600">
                 <a:solidFill>
                   <a:schemeClr val="tx1">
                     <a:tint val="75000"/>
@@ -1033,30 +992,30 @@
           <a:p>
             <a:pPr lvl="0"/>
             <a:r>
+              <a:rPr lang="en-US"/>
+              <a:t>Click to edit Master text styles</a:t>
+            </a:r>
+          </a:p>
+        </p:txBody>
+      </p:sp>
+      <p:sp>
+        <p:nvSpPr>
+          <p:cNvPr id="4" name="Date Placeholder 3"/>
+          <p:cNvSpPr>
+            <a:spLocks noGrp="1"/>
+          </p:cNvSpPr>
+          <p:nvPr>
+            <p:ph type="dt" sz="half" idx="10"/>
+          </p:nvPr>
+        </p:nvSpPr>
+        <p:spPr/>
+        <p:txBody>
+          <a:bodyPr/>
+          <a:lstStyle/>
+          <a:p>
+            <a:fld id="{846CE7D5-CF57-46EF-B807-FDD0502418D4}" type="datetimeFigureOut">
               <a:rPr lang="en-US" smtClean="0"/>
-              <a:t>Click to edit Master text styles</a:t>
-            </a:r>
-          </a:p>
-        </p:txBody>
-      </p:sp>
-      <p:sp>
-        <p:nvSpPr>
-          <p:cNvPr id="4" name="Date Placeholder 3"/>
-          <p:cNvSpPr>
-            <a:spLocks noGrp="1"/>
-          </p:cNvSpPr>
-          <p:nvPr>
-            <p:ph type="dt" sz="half" idx="10"/>
-          </p:nvPr>
-        </p:nvSpPr>
-        <p:spPr/>
-        <p:txBody>
-          <a:bodyPr/>
-          <a:lstStyle/>
-          <a:p>
-            <a:fld id="{FDF26CF8-56C1-47C1-9672-55667C8CB022}" type="datetimeFigureOut">
-              <a:rPr lang="en-US" smtClean="0"/>
-              <a:t>7/3/2020</a:t>
+              <a:t>8/5/2020</a:t>
             </a:fld>
             <a:endParaRPr lang="en-US"/>
           </a:p>
@@ -1096,7 +1055,7 @@
           <a:bodyPr/>
           <a:lstStyle/>
           <a:p>
-            <a:fld id="{5B9A5E2F-EC28-402E-BB1F-16FB211E4BA1}" type="slidenum">
+            <a:fld id="{330EA680-D336-4FF7-8B7A-9848BB0A1C32}" type="slidenum">
               <a:rPr lang="en-US" smtClean="0"/>
               <a:t>‹#›</a:t>
             </a:fld>
@@ -1107,7 +1066,7 @@
     </p:spTree>
     <p:extLst>
       <p:ext uri="{BB962C8B-B14F-4D97-AF65-F5344CB8AC3E}">
-        <p14:creationId xmlns:p14="http://schemas.microsoft.com/office/powerpoint/2010/main" val="3362952585"/>
+        <p14:creationId xmlns:p14="http://schemas.microsoft.com/office/powerpoint/2010/main" val="2591524520"/>
       </p:ext>
     </p:extLst>
   </p:cSld>
@@ -1150,10 +1109,9 @@
           <a:lstStyle/>
           <a:p>
             <a:r>
-              <a:rPr lang="en-US" smtClean="0"/>
+              <a:rPr lang="en-US"/>
               <a:t>Click to edit Master title style</a:t>
             </a:r>
-            <a:endParaRPr lang="en-US"/>
           </a:p>
         </p:txBody>
       </p:sp>
@@ -1169,76 +1127,47 @@
         </p:nvSpPr>
         <p:spPr>
           <a:xfrm>
-            <a:off x="457200" y="1600200"/>
-            <a:ext cx="4038600" cy="4525963"/>
+            <a:off x="838200" y="1825625"/>
+            <a:ext cx="5181600" cy="4351338"/>
           </a:xfrm>
         </p:spPr>
         <p:txBody>
           <a:bodyPr/>
-          <a:lstStyle>
-            <a:lvl1pPr>
-              <a:defRPr sz="2800"/>
-            </a:lvl1pPr>
-            <a:lvl2pPr>
-              <a:defRPr sz="2400"/>
-            </a:lvl2pPr>
-            <a:lvl3pPr>
-              <a:defRPr sz="2000"/>
-            </a:lvl3pPr>
-            <a:lvl4pPr>
-              <a:defRPr sz="1800"/>
-            </a:lvl4pPr>
-            <a:lvl5pPr>
-              <a:defRPr sz="1800"/>
-            </a:lvl5pPr>
-            <a:lvl6pPr>
-              <a:defRPr sz="1800"/>
-            </a:lvl6pPr>
-            <a:lvl7pPr>
-              <a:defRPr sz="1800"/>
-            </a:lvl7pPr>
-            <a:lvl8pPr>
-              <a:defRPr sz="1800"/>
-            </a:lvl8pPr>
-            <a:lvl9pPr>
-              <a:defRPr sz="1800"/>
-            </a:lvl9pPr>
-          </a:lstStyle>
+          <a:lstStyle/>
           <a:p>
             <a:pPr lvl="0"/>
             <a:r>
-              <a:rPr lang="en-US" smtClean="0"/>
+              <a:rPr lang="en-US"/>
               <a:t>Click to edit Master text styles</a:t>
             </a:r>
           </a:p>
           <a:p>
             <a:pPr lvl="1"/>
             <a:r>
-              <a:rPr lang="en-US" smtClean="0"/>
+              <a:rPr lang="en-US"/>
               <a:t>Second level</a:t>
             </a:r>
           </a:p>
           <a:p>
             <a:pPr lvl="2"/>
             <a:r>
-              <a:rPr lang="en-US" smtClean="0"/>
+              <a:rPr lang="en-US"/>
               <a:t>Third level</a:t>
             </a:r>
           </a:p>
           <a:p>
             <a:pPr lvl="3"/>
             <a:r>
-              <a:rPr lang="en-US" smtClean="0"/>
+              <a:rPr lang="en-US"/>
               <a:t>Fourth level</a:t>
             </a:r>
           </a:p>
           <a:p>
             <a:pPr lvl="4"/>
             <a:r>
-              <a:rPr lang="en-US" smtClean="0"/>
+              <a:rPr lang="en-US"/>
               <a:t>Fifth level</a:t>
             </a:r>
-            <a:endParaRPr lang="en-US"/>
           </a:p>
         </p:txBody>
       </p:sp>
@@ -1254,97 +1183,68 @@
         </p:nvSpPr>
         <p:spPr>
           <a:xfrm>
-            <a:off x="4648200" y="1600200"/>
-            <a:ext cx="4038600" cy="4525963"/>
+            <a:off x="6172200" y="1825625"/>
+            <a:ext cx="5181600" cy="4351338"/>
           </a:xfrm>
         </p:spPr>
         <p:txBody>
           <a:bodyPr/>
-          <a:lstStyle>
-            <a:lvl1pPr>
-              <a:defRPr sz="2800"/>
-            </a:lvl1pPr>
-            <a:lvl2pPr>
-              <a:defRPr sz="2400"/>
-            </a:lvl2pPr>
-            <a:lvl3pPr>
-              <a:defRPr sz="2000"/>
-            </a:lvl3pPr>
-            <a:lvl4pPr>
-              <a:defRPr sz="1800"/>
-            </a:lvl4pPr>
-            <a:lvl5pPr>
-              <a:defRPr sz="1800"/>
-            </a:lvl5pPr>
-            <a:lvl6pPr>
-              <a:defRPr sz="1800"/>
-            </a:lvl6pPr>
-            <a:lvl7pPr>
-              <a:defRPr sz="1800"/>
-            </a:lvl7pPr>
-            <a:lvl8pPr>
-              <a:defRPr sz="1800"/>
-            </a:lvl8pPr>
-            <a:lvl9pPr>
-              <a:defRPr sz="1800"/>
-            </a:lvl9pPr>
-          </a:lstStyle>
+          <a:lstStyle/>
           <a:p>
             <a:pPr lvl="0"/>
             <a:r>
+              <a:rPr lang="en-US"/>
+              <a:t>Click to edit Master text styles</a:t>
+            </a:r>
+          </a:p>
+          <a:p>
+            <a:pPr lvl="1"/>
+            <a:r>
+              <a:rPr lang="en-US"/>
+              <a:t>Second level</a:t>
+            </a:r>
+          </a:p>
+          <a:p>
+            <a:pPr lvl="2"/>
+            <a:r>
+              <a:rPr lang="en-US"/>
+              <a:t>Third level</a:t>
+            </a:r>
+          </a:p>
+          <a:p>
+            <a:pPr lvl="3"/>
+            <a:r>
+              <a:rPr lang="en-US"/>
+              <a:t>Fourth level</a:t>
+            </a:r>
+          </a:p>
+          <a:p>
+            <a:pPr lvl="4"/>
+            <a:r>
+              <a:rPr lang="en-US"/>
+              <a:t>Fifth level</a:t>
+            </a:r>
+          </a:p>
+        </p:txBody>
+      </p:sp>
+      <p:sp>
+        <p:nvSpPr>
+          <p:cNvPr id="5" name="Date Placeholder 4"/>
+          <p:cNvSpPr>
+            <a:spLocks noGrp="1"/>
+          </p:cNvSpPr>
+          <p:nvPr>
+            <p:ph type="dt" sz="half" idx="10"/>
+          </p:nvPr>
+        </p:nvSpPr>
+        <p:spPr/>
+        <p:txBody>
+          <a:bodyPr/>
+          <a:lstStyle/>
+          <a:p>
+            <a:fld id="{846CE7D5-CF57-46EF-B807-FDD0502418D4}" type="datetimeFigureOut">
               <a:rPr lang="en-US" smtClean="0"/>
-              <a:t>Click to edit Master text styles</a:t>
-            </a:r>
-          </a:p>
-          <a:p>
-            <a:pPr lvl="1"/>
-            <a:r>
-              <a:rPr lang="en-US" smtClean="0"/>
-              <a:t>Second level</a:t>
-            </a:r>
-          </a:p>
-          <a:p>
-            <a:pPr lvl="2"/>
-            <a:r>
-              <a:rPr lang="en-US" smtClean="0"/>
-              <a:t>Third level</a:t>
-            </a:r>
-          </a:p>
-          <a:p>
-            <a:pPr lvl="3"/>
-            <a:r>
-              <a:rPr lang="en-US" smtClean="0"/>
-              <a:t>Fourth level</a:t>
-            </a:r>
-          </a:p>
-          <a:p>
-            <a:pPr lvl="4"/>
-            <a:r>
-              <a:rPr lang="en-US" smtClean="0"/>
-              <a:t>Fifth level</a:t>
-            </a:r>
-            <a:endParaRPr lang="en-US"/>
-          </a:p>
-        </p:txBody>
-      </p:sp>
-      <p:sp>
-        <p:nvSpPr>
-          <p:cNvPr id="5" name="Date Placeholder 4"/>
-          <p:cNvSpPr>
-            <a:spLocks noGrp="1"/>
-          </p:cNvSpPr>
-          <p:nvPr>
-            <p:ph type="dt" sz="half" idx="10"/>
-          </p:nvPr>
-        </p:nvSpPr>
-        <p:spPr/>
-        <p:txBody>
-          <a:bodyPr/>
-          <a:lstStyle/>
-          <a:p>
-            <a:fld id="{FDF26CF8-56C1-47C1-9672-55667C8CB022}" type="datetimeFigureOut">
-              <a:rPr lang="en-US" smtClean="0"/>
-              <a:t>7/3/2020</a:t>
+              <a:t>8/5/2020</a:t>
             </a:fld>
             <a:endParaRPr lang="en-US"/>
           </a:p>
@@ -1384,7 +1284,7 @@
           <a:bodyPr/>
           <a:lstStyle/>
           <a:p>
-            <a:fld id="{5B9A5E2F-EC28-402E-BB1F-16FB211E4BA1}" type="slidenum">
+            <a:fld id="{330EA680-D336-4FF7-8B7A-9848BB0A1C32}" type="slidenum">
               <a:rPr lang="en-US" smtClean="0"/>
               <a:t>‹#›</a:t>
             </a:fld>
@@ -1395,7 +1295,7 @@
     </p:spTree>
     <p:extLst>
       <p:ext uri="{BB962C8B-B14F-4D97-AF65-F5344CB8AC3E}">
-        <p14:creationId xmlns:p14="http://schemas.microsoft.com/office/powerpoint/2010/main" val="4049740080"/>
+        <p14:creationId xmlns:p14="http://schemas.microsoft.com/office/powerpoint/2010/main" val="1203092039"/>
       </p:ext>
     </p:extLst>
   </p:cSld>
@@ -1432,37 +1332,37 @@
             <p:ph type="title"/>
           </p:nvPr>
         </p:nvSpPr>
-        <p:spPr/>
-        <p:txBody>
-          <a:bodyPr/>
-          <a:lstStyle>
-            <a:lvl1pPr>
-              <a:defRPr/>
-            </a:lvl1pPr>
-          </a:lstStyle>
-          <a:p>
-            <a:r>
-              <a:rPr lang="en-US" smtClean="0"/>
-              <a:t>Click to edit Master title style</a:t>
-            </a:r>
-            <a:endParaRPr lang="en-US"/>
-          </a:p>
-        </p:txBody>
-      </p:sp>
-      <p:sp>
-        <p:nvSpPr>
-          <p:cNvPr id="3" name="Text Placeholder 2"/>
-          <p:cNvSpPr>
-            <a:spLocks noGrp="1"/>
-          </p:cNvSpPr>
-          <p:nvPr>
-            <p:ph type="body" idx="1"/>
-          </p:nvPr>
-        </p:nvSpPr>
         <p:spPr>
           <a:xfrm>
-            <a:off x="457200" y="1535113"/>
-            <a:ext cx="4040188" cy="639762"/>
+            <a:off x="839788" y="365125"/>
+            <a:ext cx="10515600" cy="1325563"/>
+          </a:xfrm>
+        </p:spPr>
+        <p:txBody>
+          <a:bodyPr/>
+          <a:lstStyle/>
+          <a:p>
+            <a:r>
+              <a:rPr lang="en-US"/>
+              <a:t>Click to edit Master title style</a:t>
+            </a:r>
+          </a:p>
+        </p:txBody>
+      </p:sp>
+      <p:sp>
+        <p:nvSpPr>
+          <p:cNvPr id="3" name="Text Placeholder 2"/>
+          <p:cNvSpPr>
+            <a:spLocks noGrp="1"/>
+          </p:cNvSpPr>
+          <p:nvPr>
+            <p:ph type="body" idx="1"/>
+          </p:nvPr>
+        </p:nvSpPr>
+        <p:spPr>
+          <a:xfrm>
+            <a:off x="839788" y="1681163"/>
+            <a:ext cx="5157787" cy="823912"/>
           </a:xfrm>
         </p:spPr>
         <p:txBody>
@@ -1508,7 +1408,7 @@
           <a:p>
             <a:pPr lvl="0"/>
             <a:r>
-              <a:rPr lang="en-US" smtClean="0"/>
+              <a:rPr lang="en-US"/>
               <a:t>Click to edit Master text styles</a:t>
             </a:r>
           </a:p>
@@ -1526,76 +1426,47 @@
         </p:nvSpPr>
         <p:spPr>
           <a:xfrm>
-            <a:off x="457200" y="2174875"/>
-            <a:ext cx="4040188" cy="3951288"/>
+            <a:off x="839788" y="2505075"/>
+            <a:ext cx="5157787" cy="3684588"/>
           </a:xfrm>
         </p:spPr>
         <p:txBody>
           <a:bodyPr/>
-          <a:lstStyle>
-            <a:lvl1pPr>
-              <a:defRPr sz="2400"/>
-            </a:lvl1pPr>
-            <a:lvl2pPr>
-              <a:defRPr sz="2000"/>
-            </a:lvl2pPr>
-            <a:lvl3pPr>
-              <a:defRPr sz="1800"/>
-            </a:lvl3pPr>
-            <a:lvl4pPr>
-              <a:defRPr sz="1600"/>
-            </a:lvl4pPr>
-            <a:lvl5pPr>
-              <a:defRPr sz="1600"/>
-            </a:lvl5pPr>
-            <a:lvl6pPr>
-              <a:defRPr sz="1600"/>
-            </a:lvl6pPr>
-            <a:lvl7pPr>
-              <a:defRPr sz="1600"/>
-            </a:lvl7pPr>
-            <a:lvl8pPr>
-              <a:defRPr sz="1600"/>
-            </a:lvl8pPr>
-            <a:lvl9pPr>
-              <a:defRPr sz="1600"/>
-            </a:lvl9pPr>
-          </a:lstStyle>
+          <a:lstStyle/>
           <a:p>
             <a:pPr lvl="0"/>
             <a:r>
-              <a:rPr lang="en-US" smtClean="0"/>
+              <a:rPr lang="en-US"/>
               <a:t>Click to edit Master text styles</a:t>
             </a:r>
           </a:p>
           <a:p>
             <a:pPr lvl="1"/>
             <a:r>
-              <a:rPr lang="en-US" smtClean="0"/>
+              <a:rPr lang="en-US"/>
               <a:t>Second level</a:t>
             </a:r>
           </a:p>
           <a:p>
             <a:pPr lvl="2"/>
             <a:r>
-              <a:rPr lang="en-US" smtClean="0"/>
+              <a:rPr lang="en-US"/>
               <a:t>Third level</a:t>
             </a:r>
           </a:p>
           <a:p>
             <a:pPr lvl="3"/>
             <a:r>
-              <a:rPr lang="en-US" smtClean="0"/>
+              <a:rPr lang="en-US"/>
               <a:t>Fourth level</a:t>
             </a:r>
           </a:p>
           <a:p>
             <a:pPr lvl="4"/>
             <a:r>
-              <a:rPr lang="en-US" smtClean="0"/>
+              <a:rPr lang="en-US"/>
               <a:t>Fifth level</a:t>
             </a:r>
-            <a:endParaRPr lang="en-US"/>
           </a:p>
         </p:txBody>
       </p:sp>
@@ -1611,8 +1482,8 @@
         </p:nvSpPr>
         <p:spPr>
           <a:xfrm>
-            <a:off x="4645025" y="1535113"/>
-            <a:ext cx="4041775" cy="639762"/>
+            <a:off x="6172200" y="1681163"/>
+            <a:ext cx="5183188" cy="823912"/>
           </a:xfrm>
         </p:spPr>
         <p:txBody>
@@ -1658,7 +1529,7 @@
           <a:p>
             <a:pPr lvl="0"/>
             <a:r>
-              <a:rPr lang="en-US" smtClean="0"/>
+              <a:rPr lang="en-US"/>
               <a:t>Click to edit Master text styles</a:t>
             </a:r>
           </a:p>
@@ -1676,97 +1547,68 @@
         </p:nvSpPr>
         <p:spPr>
           <a:xfrm>
-            <a:off x="4645025" y="2174875"/>
-            <a:ext cx="4041775" cy="3951288"/>
+            <a:off x="6172200" y="2505075"/>
+            <a:ext cx="5183188" cy="3684588"/>
           </a:xfrm>
         </p:spPr>
         <p:txBody>
           <a:bodyPr/>
-          <a:lstStyle>
-            <a:lvl1pPr>
-              <a:defRPr sz="2400"/>
-            </a:lvl1pPr>
-            <a:lvl2pPr>
-              <a:defRPr sz="2000"/>
-            </a:lvl2pPr>
-            <a:lvl3pPr>
-              <a:defRPr sz="1800"/>
-            </a:lvl3pPr>
-            <a:lvl4pPr>
-              <a:defRPr sz="1600"/>
-            </a:lvl4pPr>
-            <a:lvl5pPr>
-              <a:defRPr sz="1600"/>
-            </a:lvl5pPr>
-            <a:lvl6pPr>
-              <a:defRPr sz="1600"/>
-            </a:lvl6pPr>
-            <a:lvl7pPr>
-              <a:defRPr sz="1600"/>
-            </a:lvl7pPr>
-            <a:lvl8pPr>
-              <a:defRPr sz="1600"/>
-            </a:lvl8pPr>
-            <a:lvl9pPr>
-              <a:defRPr sz="1600"/>
-            </a:lvl9pPr>
-          </a:lstStyle>
+          <a:lstStyle/>
           <a:p>
             <a:pPr lvl="0"/>
             <a:r>
+              <a:rPr lang="en-US"/>
+              <a:t>Click to edit Master text styles</a:t>
+            </a:r>
+          </a:p>
+          <a:p>
+            <a:pPr lvl="1"/>
+            <a:r>
+              <a:rPr lang="en-US"/>
+              <a:t>Second level</a:t>
+            </a:r>
+          </a:p>
+          <a:p>
+            <a:pPr lvl="2"/>
+            <a:r>
+              <a:rPr lang="en-US"/>
+              <a:t>Third level</a:t>
+            </a:r>
+          </a:p>
+          <a:p>
+            <a:pPr lvl="3"/>
+            <a:r>
+              <a:rPr lang="en-US"/>
+              <a:t>Fourth level</a:t>
+            </a:r>
+          </a:p>
+          <a:p>
+            <a:pPr lvl="4"/>
+            <a:r>
+              <a:rPr lang="en-US"/>
+              <a:t>Fifth level</a:t>
+            </a:r>
+          </a:p>
+        </p:txBody>
+      </p:sp>
+      <p:sp>
+        <p:nvSpPr>
+          <p:cNvPr id="7" name="Date Placeholder 6"/>
+          <p:cNvSpPr>
+            <a:spLocks noGrp="1"/>
+          </p:cNvSpPr>
+          <p:nvPr>
+            <p:ph type="dt" sz="half" idx="10"/>
+          </p:nvPr>
+        </p:nvSpPr>
+        <p:spPr/>
+        <p:txBody>
+          <a:bodyPr/>
+          <a:lstStyle/>
+          <a:p>
+            <a:fld id="{846CE7D5-CF57-46EF-B807-FDD0502418D4}" type="datetimeFigureOut">
               <a:rPr lang="en-US" smtClean="0"/>
-              <a:t>Click to edit Master text styles</a:t>
-            </a:r>
-          </a:p>
-          <a:p>
-            <a:pPr lvl="1"/>
-            <a:r>
-              <a:rPr lang="en-US" smtClean="0"/>
-              <a:t>Second level</a:t>
-            </a:r>
-          </a:p>
-          <a:p>
-            <a:pPr lvl="2"/>
-            <a:r>
-              <a:rPr lang="en-US" smtClean="0"/>
-              <a:t>Third level</a:t>
-            </a:r>
-          </a:p>
-          <a:p>
-            <a:pPr lvl="3"/>
-            <a:r>
-              <a:rPr lang="en-US" smtClean="0"/>
-              <a:t>Fourth level</a:t>
-            </a:r>
-          </a:p>
-          <a:p>
-            <a:pPr lvl="4"/>
-            <a:r>
-              <a:rPr lang="en-US" smtClean="0"/>
-              <a:t>Fifth level</a:t>
-            </a:r>
-            <a:endParaRPr lang="en-US"/>
-          </a:p>
-        </p:txBody>
-      </p:sp>
-      <p:sp>
-        <p:nvSpPr>
-          <p:cNvPr id="7" name="Date Placeholder 6"/>
-          <p:cNvSpPr>
-            <a:spLocks noGrp="1"/>
-          </p:cNvSpPr>
-          <p:nvPr>
-            <p:ph type="dt" sz="half" idx="10"/>
-          </p:nvPr>
-        </p:nvSpPr>
-        <p:spPr/>
-        <p:txBody>
-          <a:bodyPr/>
-          <a:lstStyle/>
-          <a:p>
-            <a:fld id="{FDF26CF8-56C1-47C1-9672-55667C8CB022}" type="datetimeFigureOut">
-              <a:rPr lang="en-US" smtClean="0"/>
-              <a:t>7/3/2020</a:t>
+              <a:t>8/5/2020</a:t>
             </a:fld>
             <a:endParaRPr lang="en-US"/>
           </a:p>
@@ -1806,7 +1648,7 @@
           <a:bodyPr/>
           <a:lstStyle/>
           <a:p>
-            <a:fld id="{5B9A5E2F-EC28-402E-BB1F-16FB211E4BA1}" type="slidenum">
+            <a:fld id="{330EA680-D336-4FF7-8B7A-9848BB0A1C32}" type="slidenum">
               <a:rPr lang="en-US" smtClean="0"/>
               <a:t>‹#›</a:t>
             </a:fld>
@@ -1817,7 +1659,7 @@
     </p:spTree>
     <p:extLst>
       <p:ext uri="{BB962C8B-B14F-4D97-AF65-F5344CB8AC3E}">
-        <p14:creationId xmlns:p14="http://schemas.microsoft.com/office/powerpoint/2010/main" val="3849179892"/>
+        <p14:creationId xmlns:p14="http://schemas.microsoft.com/office/powerpoint/2010/main" val="3733172339"/>
       </p:ext>
     </p:extLst>
   </p:cSld>
@@ -1860,31 +1702,30 @@
           <a:lstStyle/>
           <a:p>
             <a:r>
+              <a:rPr lang="en-US"/>
+              <a:t>Click to edit Master title style</a:t>
+            </a:r>
+          </a:p>
+        </p:txBody>
+      </p:sp>
+      <p:sp>
+        <p:nvSpPr>
+          <p:cNvPr id="3" name="Date Placeholder 2"/>
+          <p:cNvSpPr>
+            <a:spLocks noGrp="1"/>
+          </p:cNvSpPr>
+          <p:nvPr>
+            <p:ph type="dt" sz="half" idx="10"/>
+          </p:nvPr>
+        </p:nvSpPr>
+        <p:spPr/>
+        <p:txBody>
+          <a:bodyPr/>
+          <a:lstStyle/>
+          <a:p>
+            <a:fld id="{846CE7D5-CF57-46EF-B807-FDD0502418D4}" type="datetimeFigureOut">
               <a:rPr lang="en-US" smtClean="0"/>
-              <a:t>Click to edit Master title style</a:t>
-            </a:r>
-            <a:endParaRPr lang="en-US"/>
-          </a:p>
-        </p:txBody>
-      </p:sp>
-      <p:sp>
-        <p:nvSpPr>
-          <p:cNvPr id="3" name="Date Placeholder 2"/>
-          <p:cNvSpPr>
-            <a:spLocks noGrp="1"/>
-          </p:cNvSpPr>
-          <p:nvPr>
-            <p:ph type="dt" sz="half" idx="10"/>
-          </p:nvPr>
-        </p:nvSpPr>
-        <p:spPr/>
-        <p:txBody>
-          <a:bodyPr/>
-          <a:lstStyle/>
-          <a:p>
-            <a:fld id="{FDF26CF8-56C1-47C1-9672-55667C8CB022}" type="datetimeFigureOut">
-              <a:rPr lang="en-US" smtClean="0"/>
-              <a:t>7/3/2020</a:t>
+              <a:t>8/5/2020</a:t>
             </a:fld>
             <a:endParaRPr lang="en-US"/>
           </a:p>
@@ -1924,7 +1765,7 @@
           <a:bodyPr/>
           <a:lstStyle/>
           <a:p>
-            <a:fld id="{5B9A5E2F-EC28-402E-BB1F-16FB211E4BA1}" type="slidenum">
+            <a:fld id="{330EA680-D336-4FF7-8B7A-9848BB0A1C32}" type="slidenum">
               <a:rPr lang="en-US" smtClean="0"/>
               <a:t>‹#›</a:t>
             </a:fld>
@@ -1935,7 +1776,7 @@
     </p:spTree>
     <p:extLst>
       <p:ext uri="{BB962C8B-B14F-4D97-AF65-F5344CB8AC3E}">
-        <p14:creationId xmlns:p14="http://schemas.microsoft.com/office/powerpoint/2010/main" val="1118569705"/>
+        <p14:creationId xmlns:p14="http://schemas.microsoft.com/office/powerpoint/2010/main" val="3210312558"/>
       </p:ext>
     </p:extLst>
   </p:cSld>
@@ -1977,9 +1818,9 @@
           <a:bodyPr/>
           <a:lstStyle/>
           <a:p>
-            <a:fld id="{FDF26CF8-56C1-47C1-9672-55667C8CB022}" type="datetimeFigureOut">
+            <a:fld id="{846CE7D5-CF57-46EF-B807-FDD0502418D4}" type="datetimeFigureOut">
               <a:rPr lang="en-US" smtClean="0"/>
-              <a:t>7/3/2020</a:t>
+              <a:t>8/5/2020</a:t>
             </a:fld>
             <a:endParaRPr lang="en-US"/>
           </a:p>
@@ -2019,7 +1860,7 @@
           <a:bodyPr/>
           <a:lstStyle/>
           <a:p>
-            <a:fld id="{5B9A5E2F-EC28-402E-BB1F-16FB211E4BA1}" type="slidenum">
+            <a:fld id="{330EA680-D336-4FF7-8B7A-9848BB0A1C32}" type="slidenum">
               <a:rPr lang="en-US" smtClean="0"/>
               <a:t>‹#›</a:t>
             </a:fld>
@@ -2030,7 +1871,7 @@
     </p:spTree>
     <p:extLst>
       <p:ext uri="{BB962C8B-B14F-4D97-AF65-F5344CB8AC3E}">
-        <p14:creationId xmlns:p14="http://schemas.microsoft.com/office/powerpoint/2010/main" val="2814603829"/>
+        <p14:creationId xmlns:p14="http://schemas.microsoft.com/office/powerpoint/2010/main" val="3146388984"/>
       </p:ext>
     </p:extLst>
   </p:cSld>
@@ -2069,23 +1910,22 @@
         </p:nvSpPr>
         <p:spPr>
           <a:xfrm>
-            <a:off x="457200" y="273050"/>
-            <a:ext cx="3008313" cy="1162050"/>
+            <a:off x="839788" y="457200"/>
+            <a:ext cx="3932237" cy="1600200"/>
           </a:xfrm>
         </p:spPr>
         <p:txBody>
           <a:bodyPr anchor="b"/>
           <a:lstStyle>
-            <a:lvl1pPr algn="l">
-              <a:defRPr sz="2000" b="1"/>
+            <a:lvl1pPr>
+              <a:defRPr sz="3200"/>
             </a:lvl1pPr>
           </a:lstStyle>
           <a:p>
             <a:r>
-              <a:rPr lang="en-US" smtClean="0"/>
+              <a:rPr lang="en-US"/>
               <a:t>Click to edit Master title style</a:t>
             </a:r>
-            <a:endParaRPr lang="en-US"/>
           </a:p>
         </p:txBody>
       </p:sp>
@@ -2101,8 +1941,8 @@
         </p:nvSpPr>
         <p:spPr>
           <a:xfrm>
-            <a:off x="3575050" y="273050"/>
-            <a:ext cx="5111750" cy="5853113"/>
+            <a:off x="5183188" y="987425"/>
+            <a:ext cx="6172200" cy="4873625"/>
           </a:xfrm>
         </p:spPr>
         <p:txBody>
@@ -2139,38 +1979,37 @@
           <a:p>
             <a:pPr lvl="0"/>
             <a:r>
-              <a:rPr lang="en-US" smtClean="0"/>
+              <a:rPr lang="en-US"/>
               <a:t>Click to edit Master text styles</a:t>
             </a:r>
           </a:p>
           <a:p>
             <a:pPr lvl="1"/>
             <a:r>
-              <a:rPr lang="en-US" smtClean="0"/>
+              <a:rPr lang="en-US"/>
               <a:t>Second level</a:t>
             </a:r>
           </a:p>
           <a:p>
             <a:pPr lvl="2"/>
             <a:r>
-              <a:rPr lang="en-US" smtClean="0"/>
+              <a:rPr lang="en-US"/>
               <a:t>Third level</a:t>
             </a:r>
           </a:p>
           <a:p>
             <a:pPr lvl="3"/>
             <a:r>
-              <a:rPr lang="en-US" smtClean="0"/>
+              <a:rPr lang="en-US"/>
               <a:t>Fourth level</a:t>
             </a:r>
           </a:p>
           <a:p>
             <a:pPr lvl="4"/>
             <a:r>
-              <a:rPr lang="en-US" smtClean="0"/>
+              <a:rPr lang="en-US"/>
               <a:t>Fifth level</a:t>
             </a:r>
-            <a:endParaRPr lang="en-US"/>
           </a:p>
         </p:txBody>
       </p:sp>
@@ -2186,8 +2025,8 @@
         </p:nvSpPr>
         <p:spPr>
           <a:xfrm>
-            <a:off x="457200" y="1435100"/>
-            <a:ext cx="3008313" cy="4691063"/>
+            <a:off x="839788" y="2057400"/>
+            <a:ext cx="3932237" cy="3811588"/>
           </a:xfrm>
         </p:spPr>
         <p:txBody>
@@ -2195,68 +2034,68 @@
           <a:lstStyle>
             <a:lvl1pPr marL="0" indent="0">
               <a:buNone/>
-              <a:defRPr sz="1400"/>
+              <a:defRPr sz="1600"/>
             </a:lvl1pPr>
             <a:lvl2pPr marL="457200" indent="0">
               <a:buNone/>
-              <a:defRPr sz="1200"/>
+              <a:defRPr sz="1400"/>
             </a:lvl2pPr>
             <a:lvl3pPr marL="914400" indent="0">
               <a:buNone/>
-              <a:defRPr sz="1000"/>
+              <a:defRPr sz="1200"/>
             </a:lvl3pPr>
             <a:lvl4pPr marL="1371600" indent="0">
               <a:buNone/>
-              <a:defRPr sz="900"/>
+              <a:defRPr sz="1000"/>
             </a:lvl4pPr>
             <a:lvl5pPr marL="1828800" indent="0">
               <a:buNone/>
-              <a:defRPr sz="900"/>
+              <a:defRPr sz="1000"/>
             </a:lvl5pPr>
             <a:lvl6pPr marL="2286000" indent="0">
               <a:buNone/>
-              <a:defRPr sz="900"/>
+              <a:defRPr sz="1000"/>
             </a:lvl6pPr>
             <a:lvl7pPr marL="2743200" indent="0">
               <a:buNone/>
-              <a:defRPr sz="900"/>
+              <a:defRPr sz="1000"/>
             </a:lvl7pPr>
             <a:lvl8pPr marL="3200400" indent="0">
               <a:buNone/>
-              <a:defRPr sz="900"/>
+              <a:defRPr sz="1000"/>
             </a:lvl8pPr>
             <a:lvl9pPr marL="3657600" indent="0">
               <a:buNone/>
-              <a:defRPr sz="900"/>
+              <a:defRPr sz="1000"/>
             </a:lvl9pPr>
           </a:lstStyle>
           <a:p>
             <a:pPr lvl="0"/>
             <a:r>
+              <a:rPr lang="en-US"/>
+              <a:t>Click to edit Master text styles</a:t>
+            </a:r>
+          </a:p>
+        </p:txBody>
+      </p:sp>
+      <p:sp>
+        <p:nvSpPr>
+          <p:cNvPr id="5" name="Date Placeholder 4"/>
+          <p:cNvSpPr>
+            <a:spLocks noGrp="1"/>
+          </p:cNvSpPr>
+          <p:nvPr>
+            <p:ph type="dt" sz="half" idx="10"/>
+          </p:nvPr>
+        </p:nvSpPr>
+        <p:spPr/>
+        <p:txBody>
+          <a:bodyPr/>
+          <a:lstStyle/>
+          <a:p>
+            <a:fld id="{846CE7D5-CF57-46EF-B807-FDD0502418D4}" type="datetimeFigureOut">
               <a:rPr lang="en-US" smtClean="0"/>
-              <a:t>Click to edit Master text styles</a:t>
-            </a:r>
-          </a:p>
-        </p:txBody>
-      </p:sp>
-      <p:sp>
-        <p:nvSpPr>
-          <p:cNvPr id="5" name="Date Placeholder 4"/>
-          <p:cNvSpPr>
-            <a:spLocks noGrp="1"/>
-          </p:cNvSpPr>
-          <p:nvPr>
-            <p:ph type="dt" sz="half" idx="10"/>
-          </p:nvPr>
-        </p:nvSpPr>
-        <p:spPr/>
-        <p:txBody>
-          <a:bodyPr/>
-          <a:lstStyle/>
-          <a:p>
-            <a:fld id="{FDF26CF8-56C1-47C1-9672-55667C8CB022}" type="datetimeFigureOut">
-              <a:rPr lang="en-US" smtClean="0"/>
-              <a:t>7/3/2020</a:t>
+              <a:t>8/5/2020</a:t>
             </a:fld>
             <a:endParaRPr lang="en-US"/>
           </a:p>
@@ -2296,7 +2135,7 @@
           <a:bodyPr/>
           <a:lstStyle/>
           <a:p>
-            <a:fld id="{5B9A5E2F-EC28-402E-BB1F-16FB211E4BA1}" type="slidenum">
+            <a:fld id="{330EA680-D336-4FF7-8B7A-9848BB0A1C32}" type="slidenum">
               <a:rPr lang="en-US" smtClean="0"/>
               <a:t>‹#›</a:t>
             </a:fld>
@@ -2307,7 +2146,7 @@
     </p:spTree>
     <p:extLst>
       <p:ext uri="{BB962C8B-B14F-4D97-AF65-F5344CB8AC3E}">
-        <p14:creationId xmlns:p14="http://schemas.microsoft.com/office/powerpoint/2010/main" val="3739034667"/>
+        <p14:creationId xmlns:p14="http://schemas.microsoft.com/office/powerpoint/2010/main" val="3171841454"/>
       </p:ext>
     </p:extLst>
   </p:cSld>
@@ -2346,23 +2185,22 @@
         </p:nvSpPr>
         <p:spPr>
           <a:xfrm>
-            <a:off x="1792288" y="4800600"/>
-            <a:ext cx="5486400" cy="566738"/>
+            <a:off x="839788" y="457200"/>
+            <a:ext cx="3932237" cy="1600200"/>
           </a:xfrm>
         </p:spPr>
         <p:txBody>
           <a:bodyPr anchor="b"/>
           <a:lstStyle>
-            <a:lvl1pPr algn="l">
-              <a:defRPr sz="2000" b="1"/>
+            <a:lvl1pPr>
+              <a:defRPr sz="3200"/>
             </a:lvl1pPr>
           </a:lstStyle>
           <a:p>
             <a:r>
-              <a:rPr lang="en-US" smtClean="0"/>
+              <a:rPr lang="en-US"/>
               <a:t>Click to edit Master title style</a:t>
             </a:r>
-            <a:endParaRPr lang="en-US"/>
           </a:p>
         </p:txBody>
       </p:sp>
@@ -2370,7 +2208,7 @@
         <p:nvSpPr>
           <p:cNvPr id="3" name="Picture Placeholder 2"/>
           <p:cNvSpPr>
-            <a:spLocks noGrp="1"/>
+            <a:spLocks noGrp="1" noChangeAspect="1"/>
           </p:cNvSpPr>
           <p:nvPr>
             <p:ph type="pic" idx="1"/>
@@ -2378,8 +2216,72 @@
         </p:nvSpPr>
         <p:spPr>
           <a:xfrm>
-            <a:off x="1792288" y="612775"/>
-            <a:ext cx="5486400" cy="4114800"/>
+            <a:off x="5183188" y="987425"/>
+            <a:ext cx="6172200" cy="4873625"/>
+          </a:xfrm>
+        </p:spPr>
+        <p:txBody>
+          <a:bodyPr anchor="t"/>
+          <a:lstStyle>
+            <a:lvl1pPr marL="0" indent="0">
+              <a:buNone/>
+              <a:defRPr sz="3200"/>
+            </a:lvl1pPr>
+            <a:lvl2pPr marL="457200" indent="0">
+              <a:buNone/>
+              <a:defRPr sz="2800"/>
+            </a:lvl2pPr>
+            <a:lvl3pPr marL="914400" indent="0">
+              <a:buNone/>
+              <a:defRPr sz="2400"/>
+            </a:lvl3pPr>
+            <a:lvl4pPr marL="1371600" indent="0">
+              <a:buNone/>
+              <a:defRPr sz="2000"/>
+            </a:lvl4pPr>
+            <a:lvl5pPr marL="1828800" indent="0">
+              <a:buNone/>
+              <a:defRPr sz="2000"/>
+            </a:lvl5pPr>
+            <a:lvl6pPr marL="2286000" indent="0">
+              <a:buNone/>
+              <a:defRPr sz="2000"/>
+            </a:lvl6pPr>
+            <a:lvl7pPr marL="2743200" indent="0">
+              <a:buNone/>
+              <a:defRPr sz="2000"/>
+            </a:lvl7pPr>
+            <a:lvl8pPr marL="3200400" indent="0">
+              <a:buNone/>
+              <a:defRPr sz="2000"/>
+            </a:lvl8pPr>
+            <a:lvl9pPr marL="3657600" indent="0">
+              <a:buNone/>
+              <a:defRPr sz="2000"/>
+            </a:lvl9pPr>
+          </a:lstStyle>
+          <a:p>
+            <a:r>
+              <a:rPr lang="en-US"/>
+              <a:t>Click icon to add picture</a:t>
+            </a:r>
+          </a:p>
+        </p:txBody>
+      </p:sp>
+      <p:sp>
+        <p:nvSpPr>
+          <p:cNvPr id="4" name="Text Placeholder 3"/>
+          <p:cNvSpPr>
+            <a:spLocks noGrp="1"/>
+          </p:cNvSpPr>
+          <p:nvPr>
+            <p:ph type="body" sz="half" idx="2"/>
+          </p:nvPr>
+        </p:nvSpPr>
+        <p:spPr>
+          <a:xfrm>
+            <a:off x="839788" y="2057400"/>
+            <a:ext cx="3932237" cy="3811588"/>
           </a:xfrm>
         </p:spPr>
         <p:txBody>
@@ -2387,129 +2289,68 @@
           <a:lstStyle>
             <a:lvl1pPr marL="0" indent="0">
               <a:buNone/>
-              <a:defRPr sz="3200"/>
+              <a:defRPr sz="1600"/>
             </a:lvl1pPr>
             <a:lvl2pPr marL="457200" indent="0">
               <a:buNone/>
-              <a:defRPr sz="2800"/>
+              <a:defRPr sz="1400"/>
             </a:lvl2pPr>
             <a:lvl3pPr marL="914400" indent="0">
               <a:buNone/>
-              <a:defRPr sz="2400"/>
+              <a:defRPr sz="1200"/>
             </a:lvl3pPr>
             <a:lvl4pPr marL="1371600" indent="0">
               <a:buNone/>
-              <a:defRPr sz="2000"/>
+              <a:defRPr sz="1000"/>
             </a:lvl4pPr>
             <a:lvl5pPr marL="1828800" indent="0">
               <a:buNone/>
-              <a:defRPr sz="2000"/>
+              <a:defRPr sz="1000"/>
             </a:lvl5pPr>
             <a:lvl6pPr marL="2286000" indent="0">
               <a:buNone/>
-              <a:defRPr sz="2000"/>
+              <a:defRPr sz="1000"/>
             </a:lvl6pPr>
             <a:lvl7pPr marL="2743200" indent="0">
               <a:buNone/>
-              <a:defRPr sz="2000"/>
+              <a:defRPr sz="1000"/>
             </a:lvl7pPr>
             <a:lvl8pPr marL="3200400" indent="0">
               <a:buNone/>
-              <a:defRPr sz="2000"/>
+              <a:defRPr sz="1000"/>
             </a:lvl8pPr>
             <a:lvl9pPr marL="3657600" indent="0">
               <a:buNone/>
-              <a:defRPr sz="2000"/>
+              <a:defRPr sz="1000"/>
             </a:lvl9pPr>
           </a:lstStyle>
           <a:p>
-            <a:endParaRPr lang="en-US"/>
-          </a:p>
-        </p:txBody>
-      </p:sp>
-      <p:sp>
-        <p:nvSpPr>
-          <p:cNvPr id="4" name="Text Placeholder 3"/>
-          <p:cNvSpPr>
-            <a:spLocks noGrp="1"/>
-          </p:cNvSpPr>
-          <p:nvPr>
-            <p:ph type="body" sz="half" idx="2"/>
-          </p:nvPr>
-        </p:nvSpPr>
-        <p:spPr>
-          <a:xfrm>
-            <a:off x="1792288" y="5367338"/>
-            <a:ext cx="5486400" cy="804862"/>
-          </a:xfrm>
-        </p:spPr>
+            <a:pPr lvl="0"/>
+            <a:r>
+              <a:rPr lang="en-US"/>
+              <a:t>Click to edit Master text styles</a:t>
+            </a:r>
+          </a:p>
+        </p:txBody>
+      </p:sp>
+      <p:sp>
+        <p:nvSpPr>
+          <p:cNvPr id="5" name="Date Placeholder 4"/>
+          <p:cNvSpPr>
+            <a:spLocks noGrp="1"/>
+          </p:cNvSpPr>
+          <p:nvPr>
+            <p:ph type="dt" sz="half" idx="10"/>
+          </p:nvPr>
+        </p:nvSpPr>
+        <p:spPr/>
         <p:txBody>
           <a:bodyPr/>
-          <a:lstStyle>
-            <a:lvl1pPr marL="0" indent="0">
-              <a:buNone/>
-              <a:defRPr sz="1400"/>
-            </a:lvl1pPr>
-            <a:lvl2pPr marL="457200" indent="0">
-              <a:buNone/>
-              <a:defRPr sz="1200"/>
-            </a:lvl2pPr>
-            <a:lvl3pPr marL="914400" indent="0">
-              <a:buNone/>
-              <a:defRPr sz="1000"/>
-            </a:lvl3pPr>
-            <a:lvl4pPr marL="1371600" indent="0">
-              <a:buNone/>
-              <a:defRPr sz="900"/>
-            </a:lvl4pPr>
-            <a:lvl5pPr marL="1828800" indent="0">
-              <a:buNone/>
-              <a:defRPr sz="900"/>
-            </a:lvl5pPr>
-            <a:lvl6pPr marL="2286000" indent="0">
-              <a:buNone/>
-              <a:defRPr sz="900"/>
-            </a:lvl6pPr>
-            <a:lvl7pPr marL="2743200" indent="0">
-              <a:buNone/>
-              <a:defRPr sz="900"/>
-            </a:lvl7pPr>
-            <a:lvl8pPr marL="3200400" indent="0">
-              <a:buNone/>
-              <a:defRPr sz="900"/>
-            </a:lvl8pPr>
-            <a:lvl9pPr marL="3657600" indent="0">
-              <a:buNone/>
-              <a:defRPr sz="900"/>
-            </a:lvl9pPr>
-          </a:lstStyle>
-          <a:p>
-            <a:pPr lvl="0"/>
-            <a:r>
+          <a:lstStyle/>
+          <a:p>
+            <a:fld id="{846CE7D5-CF57-46EF-B807-FDD0502418D4}" type="datetimeFigureOut">
               <a:rPr lang="en-US" smtClean="0"/>
-              <a:t>Click to edit Master text styles</a:t>
-            </a:r>
-          </a:p>
-        </p:txBody>
-      </p:sp>
-      <p:sp>
-        <p:nvSpPr>
-          <p:cNvPr id="5" name="Date Placeholder 4"/>
-          <p:cNvSpPr>
-            <a:spLocks noGrp="1"/>
-          </p:cNvSpPr>
-          <p:nvPr>
-            <p:ph type="dt" sz="half" idx="10"/>
-          </p:nvPr>
-        </p:nvSpPr>
-        <p:spPr/>
-        <p:txBody>
-          <a:bodyPr/>
-          <a:lstStyle/>
-          <a:p>
-            <a:fld id="{FDF26CF8-56C1-47C1-9672-55667C8CB022}" type="datetimeFigureOut">
-              <a:rPr lang="en-US" smtClean="0"/>
-              <a:t>7/3/2020</a:t>
+              <a:t>8/5/2020</a:t>
             </a:fld>
             <a:endParaRPr lang="en-US"/>
           </a:p>
@@ -2549,7 +2390,7 @@
           <a:bodyPr/>
           <a:lstStyle/>
           <a:p>
-            <a:fld id="{5B9A5E2F-EC28-402E-BB1F-16FB211E4BA1}" type="slidenum">
+            <a:fld id="{330EA680-D336-4FF7-8B7A-9848BB0A1C32}" type="slidenum">
               <a:rPr lang="en-US" smtClean="0"/>
               <a:t>‹#›</a:t>
             </a:fld>
@@ -2560,7 +2401,7 @@
     </p:spTree>
     <p:extLst>
       <p:ext uri="{BB962C8B-B14F-4D97-AF65-F5344CB8AC3E}">
-        <p14:creationId xmlns:p14="http://schemas.microsoft.com/office/powerpoint/2010/main" val="2930353484"/>
+        <p14:creationId xmlns:p14="http://schemas.microsoft.com/office/powerpoint/2010/main" val="1718958274"/>
       </p:ext>
     </p:extLst>
   </p:cSld>
@@ -2604,8 +2445,8 @@
         </p:nvSpPr>
         <p:spPr>
           <a:xfrm>
-            <a:off x="457200" y="274638"/>
-            <a:ext cx="8229600" cy="1143000"/>
+            <a:off x="838200" y="365125"/>
+            <a:ext cx="10515600" cy="1325563"/>
           </a:xfrm>
           <a:prstGeom prst="rect">
             <a:avLst/>
@@ -2618,10 +2459,9 @@
           <a:lstStyle/>
           <a:p>
             <a:r>
-              <a:rPr lang="en-US" smtClean="0"/>
+              <a:rPr lang="en-US"/>
               <a:t>Click to edit Master title style</a:t>
             </a:r>
-            <a:endParaRPr lang="en-US"/>
           </a:p>
         </p:txBody>
       </p:sp>
@@ -2637,8 +2477,8 @@
         </p:nvSpPr>
         <p:spPr>
           <a:xfrm>
-            <a:off x="457200" y="1600200"/>
-            <a:ext cx="8229600" cy="4525963"/>
+            <a:off x="838200" y="1825625"/>
+            <a:ext cx="10515600" cy="4351338"/>
           </a:xfrm>
           <a:prstGeom prst="rect">
             <a:avLst/>
@@ -2652,38 +2492,37 @@
           <a:p>
             <a:pPr lvl="0"/>
             <a:r>
-              <a:rPr lang="en-US" smtClean="0"/>
+              <a:rPr lang="en-US"/>
               <a:t>Click to edit Master text styles</a:t>
             </a:r>
           </a:p>
           <a:p>
             <a:pPr lvl="1"/>
             <a:r>
-              <a:rPr lang="en-US" smtClean="0"/>
+              <a:rPr lang="en-US"/>
               <a:t>Second level</a:t>
             </a:r>
           </a:p>
           <a:p>
             <a:pPr lvl="2"/>
             <a:r>
-              <a:rPr lang="en-US" smtClean="0"/>
+              <a:rPr lang="en-US"/>
               <a:t>Third level</a:t>
             </a:r>
           </a:p>
           <a:p>
             <a:pPr lvl="3"/>
             <a:r>
-              <a:rPr lang="en-US" smtClean="0"/>
+              <a:rPr lang="en-US"/>
               <a:t>Fourth level</a:t>
             </a:r>
           </a:p>
           <a:p>
             <a:pPr lvl="4"/>
             <a:r>
-              <a:rPr lang="en-US" smtClean="0"/>
+              <a:rPr lang="en-US"/>
               <a:t>Fifth level</a:t>
             </a:r>
-            <a:endParaRPr lang="en-US"/>
           </a:p>
         </p:txBody>
       </p:sp>
@@ -2699,8 +2538,8 @@
         </p:nvSpPr>
         <p:spPr>
           <a:xfrm>
-            <a:off x="457200" y="6356350"/>
-            <a:ext cx="2133600" cy="365125"/>
+            <a:off x="838200" y="6356350"/>
+            <a:ext cx="2743200" cy="365125"/>
           </a:xfrm>
           <a:prstGeom prst="rect">
             <a:avLst/>
@@ -2720,9 +2559,9 @@
             </a:lvl1pPr>
           </a:lstStyle>
           <a:p>
-            <a:fld id="{FDF26CF8-56C1-47C1-9672-55667C8CB022}" type="datetimeFigureOut">
+            <a:fld id="{846CE7D5-CF57-46EF-B807-FDD0502418D4}" type="datetimeFigureOut">
               <a:rPr lang="en-US" smtClean="0"/>
-              <a:t>7/3/2020</a:t>
+              <a:t>8/5/2020</a:t>
             </a:fld>
             <a:endParaRPr lang="en-US"/>
           </a:p>
@@ -2740,8 +2579,8 @@
         </p:nvSpPr>
         <p:spPr>
           <a:xfrm>
-            <a:off x="3124200" y="6356350"/>
-            <a:ext cx="2895600" cy="365125"/>
+            <a:off x="4038600" y="6356350"/>
+            <a:ext cx="4114800" cy="365125"/>
           </a:xfrm>
           <a:prstGeom prst="rect">
             <a:avLst/>
@@ -2777,8 +2616,8 @@
         </p:nvSpPr>
         <p:spPr>
           <a:xfrm>
-            <a:off x="6553200" y="6356350"/>
-            <a:ext cx="2133600" cy="365125"/>
+            <a:off x="8610600" y="6356350"/>
+            <a:ext cx="2743200" cy="365125"/>
           </a:xfrm>
           <a:prstGeom prst="rect">
             <a:avLst/>
@@ -2798,7 +2637,7 @@
             </a:lvl1pPr>
           </a:lstStyle>
           <a:p>
-            <a:fld id="{5B9A5E2F-EC28-402E-BB1F-16FB211E4BA1}" type="slidenum">
+            <a:fld id="{330EA680-D336-4FF7-8B7A-9848BB0A1C32}" type="slidenum">
               <a:rPr lang="en-US" smtClean="0"/>
               <a:t>‹#›</a:t>
             </a:fld>
@@ -2809,27 +2648,30 @@
     </p:spTree>
     <p:extLst>
       <p:ext uri="{BB962C8B-B14F-4D97-AF65-F5344CB8AC3E}">
-        <p14:creationId xmlns:p14="http://schemas.microsoft.com/office/powerpoint/2010/main" val="1235957026"/>
+        <p14:creationId xmlns:p14="http://schemas.microsoft.com/office/powerpoint/2010/main" val="2460954070"/>
       </p:ext>
     </p:extLst>
   </p:cSld>
   <p:clrMap bg1="lt1" tx1="dk1" bg2="lt2" tx2="dk2" accent1="accent1" accent2="accent2" accent3="accent3" accent4="accent4" accent5="accent5" accent6="accent6" hlink="hlink" folHlink="folHlink"/>
   <p:sldLayoutIdLst>
-    <p:sldLayoutId id="2147483649" r:id="rId1"/>
-    <p:sldLayoutId id="2147483650" r:id="rId2"/>
-    <p:sldLayoutId id="2147483651" r:id="rId3"/>
-    <p:sldLayoutId id="2147483652" r:id="rId4"/>
-    <p:sldLayoutId id="2147483653" r:id="rId5"/>
-    <p:sldLayoutId id="2147483654" r:id="rId6"/>
-    <p:sldLayoutId id="2147483655" r:id="rId7"/>
-    <p:sldLayoutId id="2147483656" r:id="rId8"/>
-    <p:sldLayoutId id="2147483657" r:id="rId9"/>
-    <p:sldLayoutId id="2147483658" r:id="rId10"/>
-    <p:sldLayoutId id="2147483659" r:id="rId11"/>
+    <p:sldLayoutId id="2147483661" r:id="rId1"/>
+    <p:sldLayoutId id="2147483662" r:id="rId2"/>
+    <p:sldLayoutId id="2147483663" r:id="rId3"/>
+    <p:sldLayoutId id="2147483664" r:id="rId4"/>
+    <p:sldLayoutId id="2147483665" r:id="rId5"/>
+    <p:sldLayoutId id="2147483666" r:id="rId6"/>
+    <p:sldLayoutId id="2147483667" r:id="rId7"/>
+    <p:sldLayoutId id="2147483668" r:id="rId8"/>
+    <p:sldLayoutId id="2147483669" r:id="rId9"/>
+    <p:sldLayoutId id="2147483670" r:id="rId10"/>
+    <p:sldLayoutId id="2147483671" r:id="rId11"/>
   </p:sldLayoutIdLst>
   <p:txStyles>
     <p:titleStyle>
-      <a:lvl1pPr algn="ctr" defTabSz="914400" rtl="0" eaLnBrk="1" latinLnBrk="0" hangingPunct="1">
+      <a:lvl1pPr algn="l" defTabSz="914400" rtl="0" eaLnBrk="1" latinLnBrk="0" hangingPunct="1">
+        <a:lnSpc>
+          <a:spcPct val="90000"/>
+        </a:lnSpc>
         <a:spcBef>
           <a:spcPct val="0"/>
         </a:spcBef>
@@ -2845,13 +2687,16 @@
       </a:lvl1pPr>
     </p:titleStyle>
     <p:bodyStyle>
-      <a:lvl1pPr marL="342900" indent="-342900" algn="l" defTabSz="914400" rtl="0" eaLnBrk="1" latinLnBrk="0" hangingPunct="1">
+      <a:lvl1pPr marL="228600" indent="-228600" algn="l" defTabSz="914400" rtl="0" eaLnBrk="1" latinLnBrk="0" hangingPunct="1">
+        <a:lnSpc>
+          <a:spcPct val="90000"/>
+        </a:lnSpc>
         <a:spcBef>
-          <a:spcPct val="20000"/>
+          <a:spcPts val="1000"/>
         </a:spcBef>
         <a:buFont typeface="Arial" panose="020B0604020202020204" pitchFamily="34" charset="0"/>
         <a:buChar char="•"/>
-        <a:defRPr sz="3200" kern="1200">
+        <a:defRPr sz="2800" kern="1200">
           <a:solidFill>
             <a:schemeClr val="tx1"/>
           </a:solidFill>
@@ -2860,24 +2705,12 @@
           <a:cs typeface="+mn-cs"/>
         </a:defRPr>
       </a:lvl1pPr>
-      <a:lvl2pPr marL="742950" indent="-285750" algn="l" defTabSz="914400" rtl="0" eaLnBrk="1" latinLnBrk="0" hangingPunct="1">
+      <a:lvl2pPr marL="685800" indent="-228600" algn="l" defTabSz="914400" rtl="0" eaLnBrk="1" latinLnBrk="0" hangingPunct="1">
+        <a:lnSpc>
+          <a:spcPct val="90000"/>
+        </a:lnSpc>
         <a:spcBef>
-          <a:spcPct val="20000"/>
-        </a:spcBef>
-        <a:buFont typeface="Arial" panose="020B0604020202020204" pitchFamily="34" charset="0"/>
-        <a:buChar char="–"/>
-        <a:defRPr sz="2800" kern="1200">
-          <a:solidFill>
-            <a:schemeClr val="tx1"/>
-          </a:solidFill>
-          <a:latin typeface="+mn-lt"/>
-          <a:ea typeface="+mn-ea"/>
-          <a:cs typeface="+mn-cs"/>
-        </a:defRPr>
-      </a:lvl2pPr>
-      <a:lvl3pPr marL="1143000" indent="-228600" algn="l" defTabSz="914400" rtl="0" eaLnBrk="1" latinLnBrk="0" hangingPunct="1">
-        <a:spcBef>
-          <a:spcPct val="20000"/>
+          <a:spcPts val="500"/>
         </a:spcBef>
         <a:buFont typeface="Arial" panose="020B0604020202020204" pitchFamily="34" charset="0"/>
         <a:buChar char="•"/>
@@ -2889,40 +2722,13 @@
           <a:ea typeface="+mn-ea"/>
           <a:cs typeface="+mn-cs"/>
         </a:defRPr>
-      </a:lvl3pPr>
-      <a:lvl4pPr marL="1600200" indent="-228600" algn="l" defTabSz="914400" rtl="0" eaLnBrk="1" latinLnBrk="0" hangingPunct="1">
+      </a:lvl2pPr>
+      <a:lvl3pPr marL="1143000" indent="-228600" algn="l" defTabSz="914400" rtl="0" eaLnBrk="1" latinLnBrk="0" hangingPunct="1">
+        <a:lnSpc>
+          <a:spcPct val="90000"/>
+        </a:lnSpc>
         <a:spcBef>
-          <a:spcPct val="20000"/>
-        </a:spcBef>
-        <a:buFont typeface="Arial" panose="020B0604020202020204" pitchFamily="34" charset="0"/>
-        <a:buChar char="–"/>
-        <a:defRPr sz="2000" kern="1200">
-          <a:solidFill>
-            <a:schemeClr val="tx1"/>
-          </a:solidFill>
-          <a:latin typeface="+mn-lt"/>
-          <a:ea typeface="+mn-ea"/>
-          <a:cs typeface="+mn-cs"/>
-        </a:defRPr>
-      </a:lvl4pPr>
-      <a:lvl5pPr marL="2057400" indent="-228600" algn="l" defTabSz="914400" rtl="0" eaLnBrk="1" latinLnBrk="0" hangingPunct="1">
-        <a:spcBef>
-          <a:spcPct val="20000"/>
-        </a:spcBef>
-        <a:buFont typeface="Arial" panose="020B0604020202020204" pitchFamily="34" charset="0"/>
-        <a:buChar char="»"/>
-        <a:defRPr sz="2000" kern="1200">
-          <a:solidFill>
-            <a:schemeClr val="tx1"/>
-          </a:solidFill>
-          <a:latin typeface="+mn-lt"/>
-          <a:ea typeface="+mn-ea"/>
-          <a:cs typeface="+mn-cs"/>
-        </a:defRPr>
-      </a:lvl5pPr>
-      <a:lvl6pPr marL="2514600" indent="-228600" algn="l" defTabSz="914400" rtl="0" eaLnBrk="1" latinLnBrk="0" hangingPunct="1">
-        <a:spcBef>
-          <a:spcPct val="20000"/>
+          <a:spcPts val="500"/>
         </a:spcBef>
         <a:buFont typeface="Arial" panose="020B0604020202020204" pitchFamily="34" charset="0"/>
         <a:buChar char="•"/>
@@ -2934,14 +2740,71 @@
           <a:ea typeface="+mn-ea"/>
           <a:cs typeface="+mn-cs"/>
         </a:defRPr>
-      </a:lvl6pPr>
-      <a:lvl7pPr marL="2971800" indent="-228600" algn="l" defTabSz="914400" rtl="0" eaLnBrk="1" latinLnBrk="0" hangingPunct="1">
+      </a:lvl3pPr>
+      <a:lvl4pPr marL="1600200" indent="-228600" algn="l" defTabSz="914400" rtl="0" eaLnBrk="1" latinLnBrk="0" hangingPunct="1">
+        <a:lnSpc>
+          <a:spcPct val="90000"/>
+        </a:lnSpc>
         <a:spcBef>
-          <a:spcPct val="20000"/>
+          <a:spcPts val="500"/>
         </a:spcBef>
         <a:buFont typeface="Arial" panose="020B0604020202020204" pitchFamily="34" charset="0"/>
         <a:buChar char="•"/>
-        <a:defRPr sz="2000" kern="1200">
+        <a:defRPr sz="1800" kern="1200">
+          <a:solidFill>
+            <a:schemeClr val="tx1"/>
+          </a:solidFill>
+          <a:latin typeface="+mn-lt"/>
+          <a:ea typeface="+mn-ea"/>
+          <a:cs typeface="+mn-cs"/>
+        </a:defRPr>
+      </a:lvl4pPr>
+      <a:lvl5pPr marL="2057400" indent="-228600" algn="l" defTabSz="914400" rtl="0" eaLnBrk="1" latinLnBrk="0" hangingPunct="1">
+        <a:lnSpc>
+          <a:spcPct val="90000"/>
+        </a:lnSpc>
+        <a:spcBef>
+          <a:spcPts val="500"/>
+        </a:spcBef>
+        <a:buFont typeface="Arial" panose="020B0604020202020204" pitchFamily="34" charset="0"/>
+        <a:buChar char="•"/>
+        <a:defRPr sz="1800" kern="1200">
+          <a:solidFill>
+            <a:schemeClr val="tx1"/>
+          </a:solidFill>
+          <a:latin typeface="+mn-lt"/>
+          <a:ea typeface="+mn-ea"/>
+          <a:cs typeface="+mn-cs"/>
+        </a:defRPr>
+      </a:lvl5pPr>
+      <a:lvl6pPr marL="2514600" indent="-228600" algn="l" defTabSz="914400" rtl="0" eaLnBrk="1" latinLnBrk="0" hangingPunct="1">
+        <a:lnSpc>
+          <a:spcPct val="90000"/>
+        </a:lnSpc>
+        <a:spcBef>
+          <a:spcPts val="500"/>
+        </a:spcBef>
+        <a:buFont typeface="Arial" panose="020B0604020202020204" pitchFamily="34" charset="0"/>
+        <a:buChar char="•"/>
+        <a:defRPr sz="1800" kern="1200">
+          <a:solidFill>
+            <a:schemeClr val="tx1"/>
+          </a:solidFill>
+          <a:latin typeface="+mn-lt"/>
+          <a:ea typeface="+mn-ea"/>
+          <a:cs typeface="+mn-cs"/>
+        </a:defRPr>
+      </a:lvl6pPr>
+      <a:lvl7pPr marL="2971800" indent="-228600" algn="l" defTabSz="914400" rtl="0" eaLnBrk="1" latinLnBrk="0" hangingPunct="1">
+        <a:lnSpc>
+          <a:spcPct val="90000"/>
+        </a:lnSpc>
+        <a:spcBef>
+          <a:spcPts val="500"/>
+        </a:spcBef>
+        <a:buFont typeface="Arial" panose="020B0604020202020204" pitchFamily="34" charset="0"/>
+        <a:buChar char="•"/>
+        <a:defRPr sz="1800" kern="1200">
           <a:solidFill>
             <a:schemeClr val="tx1"/>
           </a:solidFill>
@@ -2951,12 +2814,15 @@
         </a:defRPr>
       </a:lvl7pPr>
       <a:lvl8pPr marL="3429000" indent="-228600" algn="l" defTabSz="914400" rtl="0" eaLnBrk="1" latinLnBrk="0" hangingPunct="1">
+        <a:lnSpc>
+          <a:spcPct val="90000"/>
+        </a:lnSpc>
         <a:spcBef>
-          <a:spcPct val="20000"/>
+          <a:spcPts val="500"/>
         </a:spcBef>
         <a:buFont typeface="Arial" panose="020B0604020202020204" pitchFamily="34" charset="0"/>
         <a:buChar char="•"/>
-        <a:defRPr sz="2000" kern="1200">
+        <a:defRPr sz="1800" kern="1200">
           <a:solidFill>
             <a:schemeClr val="tx1"/>
           </a:solidFill>
@@ -2966,12 +2832,15 @@
         </a:defRPr>
       </a:lvl8pPr>
       <a:lvl9pPr marL="3886200" indent="-228600" algn="l" defTabSz="914400" rtl="0" eaLnBrk="1" latinLnBrk="0" hangingPunct="1">
+        <a:lnSpc>
+          <a:spcPct val="90000"/>
+        </a:lnSpc>
         <a:spcBef>
-          <a:spcPct val="20000"/>
+          <a:spcPts val="500"/>
         </a:spcBef>
         <a:buFont typeface="Arial" panose="020B0604020202020204" pitchFamily="34" charset="0"/>
         <a:buChar char="•"/>
-        <a:defRPr sz="2000" kern="1200">
+        <a:defRPr sz="1800" kern="1200">
           <a:solidFill>
             <a:schemeClr val="tx1"/>
           </a:solidFill>
@@ -3083,6 +2952,14 @@
 <file path=ppt/slides/slide1.xml><?xml version="1.0" encoding="utf-8"?>
 <p:sld xmlns:a="http://schemas.openxmlformats.org/drawingml/2006/main" xmlns:r="http://schemas.openxmlformats.org/officeDocument/2006/relationships" xmlns:p="http://schemas.openxmlformats.org/presentationml/2006/main">
   <p:cSld>
+    <p:bg>
+      <p:bgPr>
+        <a:solidFill>
+          <a:schemeClr val="bg1"/>
+        </a:solidFill>
+        <a:effectLst/>
+      </p:bgPr>
+    </p:bg>
     <p:spTree>
       <p:nvGrpSpPr>
         <p:cNvPr id="1" name=""/>
@@ -3097,58 +2974,469 @@
           <a:chExt cx="0" cy="0"/>
         </a:xfrm>
       </p:grpSpPr>
+      <p:sp>
+        <p:nvSpPr>
+          <p:cNvPr id="32" name="Rectangle 30">
+            <a:extLst>
+              <a:ext uri="{FF2B5EF4-FFF2-40B4-BE49-F238E27FC236}">
+                <a16:creationId xmlns:a16="http://schemas.microsoft.com/office/drawing/2014/main" xmlns="" id="{0DE6A193-4755-479A-BC6F-A7EBCA73BE1A}"/>
+              </a:ext>
+              <a:ext uri="{C183D7F6-B498-43B3-948B-1728B52AA6E4}">
+                <adec:decorative xmlns:adec="http://schemas.microsoft.com/office/drawing/2017/decorative" xmlns="" val="1"/>
+              </a:ext>
+            </a:extLst>
+          </p:cNvPr>
+          <p:cNvSpPr>
+            <a:spLocks noGrp="1" noRot="1" noChangeAspect="1" noMove="1" noResize="1" noEditPoints="1" noAdjustHandles="1" noChangeArrowheads="1" noChangeShapeType="1" noTextEdit="1"/>
+          </p:cNvSpPr>
+          <p:nvPr>
+            <p:extLst>
+              <p:ext uri="{386F3935-93C4-4BCD-93E2-E3B085C9AB24}">
+                <p16:designElem xmlns:p16="http://schemas.microsoft.com/office/powerpoint/2015/main" xmlns="" val="1"/>
+              </p:ext>
+            </p:extLst>
+          </p:nvPr>
+        </p:nvSpPr>
+        <p:spPr>
+          <a:xfrm>
+            <a:off x="0" y="0"/>
+            <a:ext cx="12192001" cy="6858000"/>
+          </a:xfrm>
+          <a:prstGeom prst="rect">
+            <a:avLst/>
+          </a:prstGeom>
+          <a:solidFill>
+            <a:schemeClr val="tx1"/>
+          </a:solidFill>
+          <a:ln>
+            <a:noFill/>
+          </a:ln>
+        </p:spPr>
+        <p:style>
+          <a:lnRef idx="2">
+            <a:schemeClr val="accent1">
+              <a:shade val="50000"/>
+            </a:schemeClr>
+          </a:lnRef>
+          <a:fillRef idx="1">
+            <a:schemeClr val="accent1"/>
+          </a:fillRef>
+          <a:effectRef idx="0">
+            <a:schemeClr val="accent1"/>
+          </a:effectRef>
+          <a:fontRef idx="minor">
+            <a:schemeClr val="lt1"/>
+          </a:fontRef>
+        </p:style>
+        <p:txBody>
+          <a:bodyPr rtlCol="0" anchor="ctr"/>
+          <a:lstStyle/>
+          <a:p>
+            <a:pPr algn="ctr"/>
+            <a:endParaRPr lang="en-US"/>
+          </a:p>
+        </p:txBody>
+      </p:sp>
       <p:pic>
         <p:nvPicPr>
-          <p:cNvPr id="18" name="Picture 2"/>
+          <p:cNvPr id="26" name="Graphic 5" descr="Statistics">
+            <a:extLst>
+              <a:ext uri="{FF2B5EF4-FFF2-40B4-BE49-F238E27FC236}">
+                <a16:creationId xmlns:a16="http://schemas.microsoft.com/office/drawing/2014/main" xmlns="" id="{E3F6790E-35E1-468A-B3C9-B7D387DEB714}"/>
+              </a:ext>
+            </a:extLst>
+          </p:cNvPr>
           <p:cNvPicPr>
-            <a:picLocks noChangeAspect="1" noChangeArrowheads="1"/>
+            <a:picLocks noChangeAspect="1"/>
           </p:cNvPicPr>
           <p:nvPr/>
         </p:nvPicPr>
-        <p:blipFill rotWithShape="1">
-          <a:blip r:embed="rId2" cstate="print">
+        <p:blipFill>
+          <a:blip r:embed="rId2">
             <a:extLst>
               <a:ext uri="{28A0092B-C50C-407E-A947-70E740481C1C}">
                 <a14:useLocalDpi xmlns:a14="http://schemas.microsoft.com/office/drawing/2010/main" val="0"/>
               </a:ext>
+              <a:ext uri="{96DAC541-7B7A-43D3-8B79-37D633B846F1}">
+                <asvg:svgBlip xmlns:asvg="http://schemas.microsoft.com/office/drawing/2016/SVG/main" xmlns="" r:embed="rId3"/>
+              </a:ext>
             </a:extLst>
           </a:blip>
-          <a:srcRect l="37756" t="26884" r="16021" b="13778"/>
-          <a:stretch/>
+          <a:stretch>
+            <a:fillRect/>
+          </a:stretch>
         </p:blipFill>
-        <p:spPr bwMode="auto">
+        <p:spPr>
           <a:xfrm>
-            <a:off x="228600" y="4594350"/>
-            <a:ext cx="2800061" cy="2021949"/>
+            <a:off x="7949045" y="1472476"/>
+            <a:ext cx="3789988" cy="3789988"/>
           </a:xfrm>
           <a:prstGeom prst="rect">
             <a:avLst/>
           </a:prstGeom>
-          <a:noFill/>
+        </p:spPr>
+      </p:pic>
+      <p:sp>
+        <p:nvSpPr>
+          <p:cNvPr id="34" name="Freeform: Shape 32">
+            <a:extLst>
+              <a:ext uri="{FF2B5EF4-FFF2-40B4-BE49-F238E27FC236}">
+                <a16:creationId xmlns:a16="http://schemas.microsoft.com/office/drawing/2014/main" xmlns="" id="{AB8B8498-A488-40AF-99EB-F622ED9AD6B8}"/>
+              </a:ext>
+              <a:ext uri="{C183D7F6-B498-43B3-948B-1728B52AA6E4}">
+                <adec:decorative xmlns:adec="http://schemas.microsoft.com/office/drawing/2017/decorative" xmlns="" val="1"/>
+              </a:ext>
+            </a:extLst>
+          </p:cNvPr>
+          <p:cNvSpPr>
+            <a:spLocks noGrp="1" noRot="1" noChangeAspect="1" noMove="1" noResize="1" noEditPoints="1" noAdjustHandles="1" noChangeArrowheads="1" noChangeShapeType="1" noTextEdit="1"/>
+          </p:cNvSpPr>
+          <p:nvPr>
+            <p:extLst>
+              <p:ext uri="{386F3935-93C4-4BCD-93E2-E3B085C9AB24}">
+                <p16:designElem xmlns:p16="http://schemas.microsoft.com/office/powerpoint/2015/main" xmlns="" val="1"/>
+              </p:ext>
+            </p:extLst>
+          </p:nvPr>
+        </p:nvSpPr>
+        <p:spPr>
+          <a:xfrm flipV="1">
+            <a:off x="0" y="-478"/>
+            <a:ext cx="8896786" cy="6858478"/>
+          </a:xfrm>
+          <a:custGeom>
+            <a:avLst/>
+            <a:gdLst>
+              <a:gd name="connsiteX0" fmla="*/ 1472231 w 8896786"/>
+              <a:gd name="connsiteY0" fmla="*/ 6858478 h 6858478"/>
+              <a:gd name="connsiteX1" fmla="*/ 8896786 w 8896786"/>
+              <a:gd name="connsiteY1" fmla="*/ 6858478 h 6858478"/>
+              <a:gd name="connsiteX2" fmla="*/ 5720411 w 8896786"/>
+              <a:gd name="connsiteY2" fmla="*/ 0 h 6858478"/>
+              <a:gd name="connsiteX3" fmla="*/ 5714834 w 8896786"/>
+              <a:gd name="connsiteY3" fmla="*/ 0 h 6858478"/>
+              <a:gd name="connsiteX4" fmla="*/ 4648606 w 8896786"/>
+              <a:gd name="connsiteY4" fmla="*/ 0 h 6858478"/>
+              <a:gd name="connsiteX5" fmla="*/ 0 w 8896786"/>
+              <a:gd name="connsiteY5" fmla="*/ 0 h 6858478"/>
+              <a:gd name="connsiteX6" fmla="*/ 0 w 8896786"/>
+              <a:gd name="connsiteY6" fmla="*/ 6857915 h 6858478"/>
+              <a:gd name="connsiteX7" fmla="*/ 1472491 w 8896786"/>
+              <a:gd name="connsiteY7" fmla="*/ 6857915 h 6858478"/>
+            </a:gdLst>
+            <a:ahLst/>
+            <a:cxnLst>
+              <a:cxn ang="0">
+                <a:pos x="connsiteX0" y="connsiteY0"/>
+              </a:cxn>
+              <a:cxn ang="0">
+                <a:pos x="connsiteX1" y="connsiteY1"/>
+              </a:cxn>
+              <a:cxn ang="0">
+                <a:pos x="connsiteX2" y="connsiteY2"/>
+              </a:cxn>
+              <a:cxn ang="0">
+                <a:pos x="connsiteX3" y="connsiteY3"/>
+              </a:cxn>
+              <a:cxn ang="0">
+                <a:pos x="connsiteX4" y="connsiteY4"/>
+              </a:cxn>
+              <a:cxn ang="0">
+                <a:pos x="connsiteX5" y="connsiteY5"/>
+              </a:cxn>
+              <a:cxn ang="0">
+                <a:pos x="connsiteX6" y="connsiteY6"/>
+              </a:cxn>
+              <a:cxn ang="0">
+                <a:pos x="connsiteX7" y="connsiteY7"/>
+              </a:cxn>
+            </a:cxnLst>
+            <a:rect l="l" t="t" r="r" b="b"/>
+            <a:pathLst>
+              <a:path w="8896786" h="6858478">
+                <a:moveTo>
+                  <a:pt x="1472231" y="6858478"/>
+                </a:moveTo>
+                <a:lnTo>
+                  <a:pt x="8896786" y="6858478"/>
+                </a:lnTo>
+                <a:lnTo>
+                  <a:pt x="5720411" y="0"/>
+                </a:lnTo>
+                <a:lnTo>
+                  <a:pt x="5714834" y="0"/>
+                </a:lnTo>
+                <a:lnTo>
+                  <a:pt x="4648606" y="0"/>
+                </a:lnTo>
+                <a:lnTo>
+                  <a:pt x="0" y="0"/>
+                </a:lnTo>
+                <a:lnTo>
+                  <a:pt x="0" y="6857915"/>
+                </a:lnTo>
+                <a:lnTo>
+                  <a:pt x="1472491" y="6857915"/>
+                </a:lnTo>
+                <a:close/>
+              </a:path>
+            </a:pathLst>
+          </a:custGeom>
+          <a:solidFill>
+            <a:schemeClr val="bg1">
+              <a:lumMod val="85000"/>
+              <a:lumOff val="15000"/>
+              <a:alpha val="70000"/>
+            </a:schemeClr>
+          </a:solidFill>
           <a:ln>
             <a:noFill/>
           </a:ln>
-          <a:extLst>
-            <a:ext uri="{909E8E84-426E-40DD-AFC4-6F175D3DCCD1}">
-              <a14:hiddenFill xmlns:a14="http://schemas.microsoft.com/office/drawing/2010/main">
-                <a:solidFill>
-                  <a:schemeClr val="accent1"/>
-                </a:solidFill>
-              </a14:hiddenFill>
-            </a:ext>
-            <a:ext uri="{91240B29-F687-4F45-9708-019B960494DF}">
-              <a14:hiddenLine xmlns:a14="http://schemas.microsoft.com/office/drawing/2010/main" w="9525">
-                <a:solidFill>
-                  <a:schemeClr val="tx1"/>
-                </a:solidFill>
-                <a:miter lim="800000"/>
-                <a:headEnd/>
-                <a:tailEnd/>
-              </a14:hiddenLine>
-            </a:ext>
-          </a:extLst>
         </p:spPr>
-      </p:pic>
+        <p:style>
+          <a:lnRef idx="2">
+            <a:schemeClr val="accent1">
+              <a:shade val="50000"/>
+            </a:schemeClr>
+          </a:lnRef>
+          <a:fillRef idx="1">
+            <a:schemeClr val="accent1"/>
+          </a:fillRef>
+          <a:effectRef idx="0">
+            <a:schemeClr val="accent1"/>
+          </a:effectRef>
+          <a:fontRef idx="minor">
+            <a:schemeClr val="lt1"/>
+          </a:fontRef>
+        </p:style>
+        <p:txBody>
+          <a:bodyPr wrap="square" rtlCol="0" anchor="ctr">
+            <a:noAutofit/>
+          </a:bodyPr>
+          <a:lstStyle/>
+          <a:p>
+            <a:pPr marL="0" marR="0" lvl="0" indent="0" algn="ctr" defTabSz="914400" rtl="0" eaLnBrk="1" fontAlgn="auto" latinLnBrk="0" hangingPunct="1">
+              <a:lnSpc>
+                <a:spcPct val="100000"/>
+              </a:lnSpc>
+              <a:spcBef>
+                <a:spcPts val="0"/>
+              </a:spcBef>
+              <a:spcAft>
+                <a:spcPts val="0"/>
+              </a:spcAft>
+              <a:buClrTx/>
+              <a:buSzTx/>
+              <a:buFontTx/>
+              <a:buNone/>
+              <a:tabLst/>
+              <a:defRPr/>
+            </a:pPr>
+            <a:endParaRPr kumimoji="0" lang="en-US" sz="1800" b="0" i="0" u="none" strike="noStrike" kern="1200" cap="none" spc="0" normalizeH="0" baseline="0" noProof="0">
+              <a:ln>
+                <a:noFill/>
+              </a:ln>
+              <a:solidFill>
+                <a:prstClr val="white"/>
+              </a:solidFill>
+              <a:effectLst/>
+              <a:uLnTx/>
+              <a:uFillTx/>
+              <a:latin typeface="Calibri" panose="020F0502020204030204"/>
+              <a:ea typeface="+mn-ea"/>
+              <a:cs typeface="+mn-cs"/>
+            </a:endParaRPr>
+          </a:p>
+        </p:txBody>
+      </p:sp>
+      <p:sp>
+        <p:nvSpPr>
+          <p:cNvPr id="36" name="Freeform: Shape 34">
+            <a:extLst>
+              <a:ext uri="{FF2B5EF4-FFF2-40B4-BE49-F238E27FC236}">
+                <a16:creationId xmlns:a16="http://schemas.microsoft.com/office/drawing/2014/main" xmlns="" id="{2F033D07-FE42-4E5C-A00A-FFE1D42C0FFD}"/>
+              </a:ext>
+              <a:ext uri="{C183D7F6-B498-43B3-948B-1728B52AA6E4}">
+                <adec:decorative xmlns:adec="http://schemas.microsoft.com/office/drawing/2017/decorative" xmlns="" val="1"/>
+              </a:ext>
+            </a:extLst>
+          </p:cNvPr>
+          <p:cNvSpPr>
+            <a:spLocks noGrp="1" noRot="1" noChangeAspect="1" noMove="1" noResize="1" noEditPoints="1" noAdjustHandles="1" noChangeArrowheads="1" noChangeShapeType="1" noTextEdit="1"/>
+          </p:cNvSpPr>
+          <p:nvPr>
+            <p:extLst>
+              <p:ext uri="{386F3935-93C4-4BCD-93E2-E3B085C9AB24}">
+                <p16:designElem xmlns:p16="http://schemas.microsoft.com/office/powerpoint/2015/main" xmlns="" val="1"/>
+              </p:ext>
+            </p:extLst>
+          </p:nvPr>
+        </p:nvSpPr>
+        <p:spPr>
+          <a:xfrm flipV="1">
+            <a:off x="0" y="-479"/>
+            <a:ext cx="8096249" cy="6858479"/>
+          </a:xfrm>
+          <a:custGeom>
+            <a:avLst/>
+            <a:gdLst>
+              <a:gd name="connsiteX0" fmla="*/ 0 w 8096249"/>
+              <a:gd name="connsiteY0" fmla="*/ 6858479 h 6858479"/>
+              <a:gd name="connsiteX1" fmla="*/ 2130297 w 8096249"/>
+              <a:gd name="connsiteY1" fmla="*/ 6858479 h 6858479"/>
+              <a:gd name="connsiteX2" fmla="*/ 2130297 w 8096249"/>
+              <a:gd name="connsiteY2" fmla="*/ 6858478 h 6858479"/>
+              <a:gd name="connsiteX3" fmla="*/ 8096249 w 8096249"/>
+              <a:gd name="connsiteY3" fmla="*/ 6858478 h 6858479"/>
+              <a:gd name="connsiteX4" fmla="*/ 4919874 w 8096249"/>
+              <a:gd name="connsiteY4" fmla="*/ 0 h 6858479"/>
+              <a:gd name="connsiteX5" fmla="*/ 4914297 w 8096249"/>
+              <a:gd name="connsiteY5" fmla="*/ 0 h 6858479"/>
+              <a:gd name="connsiteX6" fmla="*/ 3848069 w 8096249"/>
+              <a:gd name="connsiteY6" fmla="*/ 0 h 6858479"/>
+              <a:gd name="connsiteX7" fmla="*/ 18197 w 8096249"/>
+              <a:gd name="connsiteY7" fmla="*/ 0 h 6858479"/>
+              <a:gd name="connsiteX8" fmla="*/ 18197 w 8096249"/>
+              <a:gd name="connsiteY8" fmla="*/ 479 h 6858479"/>
+              <a:gd name="connsiteX9" fmla="*/ 0 w 8096249"/>
+              <a:gd name="connsiteY9" fmla="*/ 479 h 6858479"/>
+            </a:gdLst>
+            <a:ahLst/>
+            <a:cxnLst>
+              <a:cxn ang="0">
+                <a:pos x="connsiteX0" y="connsiteY0"/>
+              </a:cxn>
+              <a:cxn ang="0">
+                <a:pos x="connsiteX1" y="connsiteY1"/>
+              </a:cxn>
+              <a:cxn ang="0">
+                <a:pos x="connsiteX2" y="connsiteY2"/>
+              </a:cxn>
+              <a:cxn ang="0">
+                <a:pos x="connsiteX3" y="connsiteY3"/>
+              </a:cxn>
+              <a:cxn ang="0">
+                <a:pos x="connsiteX4" y="connsiteY4"/>
+              </a:cxn>
+              <a:cxn ang="0">
+                <a:pos x="connsiteX5" y="connsiteY5"/>
+              </a:cxn>
+              <a:cxn ang="0">
+                <a:pos x="connsiteX6" y="connsiteY6"/>
+              </a:cxn>
+              <a:cxn ang="0">
+                <a:pos x="connsiteX7" y="connsiteY7"/>
+              </a:cxn>
+              <a:cxn ang="0">
+                <a:pos x="connsiteX8" y="connsiteY8"/>
+              </a:cxn>
+              <a:cxn ang="0">
+                <a:pos x="connsiteX9" y="connsiteY9"/>
+              </a:cxn>
+            </a:cxnLst>
+            <a:rect l="l" t="t" r="r" b="b"/>
+            <a:pathLst>
+              <a:path w="8096249" h="6858479">
+                <a:moveTo>
+                  <a:pt x="0" y="6858479"/>
+                </a:moveTo>
+                <a:lnTo>
+                  <a:pt x="2130297" y="6858479"/>
+                </a:lnTo>
+                <a:lnTo>
+                  <a:pt x="2130297" y="6858478"/>
+                </a:lnTo>
+                <a:lnTo>
+                  <a:pt x="8096249" y="6858478"/>
+                </a:lnTo>
+                <a:lnTo>
+                  <a:pt x="4919874" y="0"/>
+                </a:lnTo>
+                <a:lnTo>
+                  <a:pt x="4914297" y="0"/>
+                </a:lnTo>
+                <a:lnTo>
+                  <a:pt x="3848069" y="0"/>
+                </a:lnTo>
+                <a:lnTo>
+                  <a:pt x="18197" y="0"/>
+                </a:lnTo>
+                <a:lnTo>
+                  <a:pt x="18197" y="479"/>
+                </a:lnTo>
+                <a:lnTo>
+                  <a:pt x="0" y="479"/>
+                </a:lnTo>
+                <a:close/>
+              </a:path>
+            </a:pathLst>
+          </a:custGeom>
+          <a:solidFill>
+            <a:schemeClr val="bg1">
+              <a:lumMod val="85000"/>
+              <a:lumOff val="15000"/>
+            </a:schemeClr>
+          </a:solidFill>
+          <a:ln>
+            <a:noFill/>
+          </a:ln>
+        </p:spPr>
+        <p:style>
+          <a:lnRef idx="2">
+            <a:schemeClr val="accent1">
+              <a:shade val="50000"/>
+            </a:schemeClr>
+          </a:lnRef>
+          <a:fillRef idx="1">
+            <a:schemeClr val="accent1"/>
+          </a:fillRef>
+          <a:effectRef idx="0">
+            <a:schemeClr val="accent1"/>
+          </a:effectRef>
+          <a:fontRef idx="minor">
+            <a:schemeClr val="lt1"/>
+          </a:fontRef>
+        </p:style>
+        <p:txBody>
+          <a:bodyPr wrap="square" rtlCol="0" anchor="ctr">
+            <a:noAutofit/>
+          </a:bodyPr>
+          <a:lstStyle/>
+          <a:p>
+            <a:pPr marL="0" marR="0" lvl="0" indent="0" algn="ctr" defTabSz="914400" rtl="0" eaLnBrk="1" fontAlgn="auto" latinLnBrk="0" hangingPunct="1">
+              <a:lnSpc>
+                <a:spcPct val="100000"/>
+              </a:lnSpc>
+              <a:spcBef>
+                <a:spcPts val="0"/>
+              </a:spcBef>
+              <a:spcAft>
+                <a:spcPts val="0"/>
+              </a:spcAft>
+              <a:buClrTx/>
+              <a:buSzTx/>
+              <a:buFontTx/>
+              <a:buNone/>
+              <a:tabLst/>
+              <a:defRPr/>
+            </a:pPr>
+            <a:endParaRPr kumimoji="0" lang="en-US" sz="1800" b="0" i="0" u="none" strike="noStrike" kern="1200" cap="none" spc="0" normalizeH="0" baseline="0" noProof="0">
+              <a:ln>
+                <a:noFill/>
+              </a:ln>
+              <a:solidFill>
+                <a:prstClr val="white"/>
+              </a:solidFill>
+              <a:effectLst/>
+              <a:uLnTx/>
+              <a:uFillTx/>
+              <a:latin typeface="Calibri" panose="020F0502020204030204"/>
+              <a:ea typeface="+mn-ea"/>
+              <a:cs typeface="+mn-cs"/>
+            </a:endParaRPr>
+          </a:p>
+        </p:txBody>
+      </p:sp>
       <p:sp>
         <p:nvSpPr>
           <p:cNvPr id="2" name="Title 1"/>
@@ -3161,306 +3449,31 @@
         </p:nvSpPr>
         <p:spPr>
           <a:xfrm>
-            <a:off x="0" y="152400"/>
-            <a:ext cx="8610600" cy="914400"/>
+            <a:off x="804672" y="877824"/>
+            <a:ext cx="5294376" cy="3072384"/>
           </a:xfrm>
         </p:spPr>
         <p:txBody>
-          <a:bodyPr>
-            <a:normAutofit fontScale="90000"/>
+          <a:bodyPr anchor="b">
+            <a:normAutofit/>
           </a:bodyPr>
           <a:lstStyle/>
           <a:p>
-            <a:r>
-              <a:rPr lang="en-US" dirty="0" smtClean="0"/>
-              <a:t>Why Data </a:t>
-            </a:r>
-            <a:r>
-              <a:rPr lang="en-US" dirty="0"/>
-              <a:t>V</a:t>
-            </a:r>
-            <a:r>
-              <a:rPr lang="en-US" dirty="0" smtClean="0"/>
-              <a:t>isualization is critical to Your Organization</a:t>
-            </a:r>
-            <a:endParaRPr lang="en-US" dirty="0"/>
-          </a:p>
-        </p:txBody>
-      </p:sp>
-      <p:sp>
-        <p:nvSpPr>
-          <p:cNvPr id="6" name="TextBox 5"/>
-          <p:cNvSpPr txBox="1"/>
-          <p:nvPr/>
-        </p:nvSpPr>
-        <p:spPr>
-          <a:xfrm>
-            <a:off x="0" y="2438400"/>
-            <a:ext cx="5812971" cy="1200329"/>
-          </a:xfrm>
-          <a:prstGeom prst="rect">
-            <a:avLst/>
-          </a:prstGeom>
-          <a:noFill/>
-        </p:spPr>
-        <p:txBody>
-          <a:bodyPr wrap="square" rtlCol="0">
-            <a:spAutoFit/>
-          </a:bodyPr>
-          <a:lstStyle/>
-          <a:p>
-            <a:r>
-              <a:rPr lang="en-US" dirty="0" smtClean="0"/>
-              <a:t>When it comes to Turing your data into tangible action  for your organization for first step is </a:t>
-            </a:r>
-            <a:r>
-              <a:rPr lang="en-US" b="1" dirty="0" smtClean="0"/>
-              <a:t>data visualization</a:t>
-            </a:r>
-            <a:r>
-              <a:rPr lang="en-US" dirty="0" smtClean="0"/>
-              <a:t> Because if you want to take a step forward, you have to be able to see big picture behind your data.</a:t>
-            </a:r>
-            <a:endParaRPr lang="en-US" dirty="0"/>
-          </a:p>
-        </p:txBody>
-      </p:sp>
-      <p:sp>
-        <p:nvSpPr>
-          <p:cNvPr id="7" name="TextBox 6"/>
-          <p:cNvSpPr txBox="1"/>
-          <p:nvPr/>
-        </p:nvSpPr>
-        <p:spPr>
-          <a:xfrm>
-            <a:off x="0" y="1243708"/>
-            <a:ext cx="5562600" cy="1200329"/>
-          </a:xfrm>
-          <a:prstGeom prst="rect">
-            <a:avLst/>
-          </a:prstGeom>
-          <a:noFill/>
-        </p:spPr>
-        <p:txBody>
-          <a:bodyPr wrap="square" rtlCol="0">
-            <a:spAutoFit/>
-          </a:bodyPr>
-          <a:lstStyle/>
-          <a:p>
-            <a:r>
-              <a:rPr lang="en-US" b="1" dirty="0" smtClean="0"/>
-              <a:t>Data Visualization </a:t>
-            </a:r>
-            <a:r>
-              <a:rPr lang="en-US" dirty="0" smtClean="0"/>
-              <a:t>is a graphical representation of the information collected through data analysis. The data can give you the clear insight when it is been shown in visual context through Map/Graphs.</a:t>
-            </a:r>
-            <a:endParaRPr lang="en-US" dirty="0"/>
-          </a:p>
-        </p:txBody>
-      </p:sp>
-      <p:grpSp>
-        <p:nvGrpSpPr>
-          <p:cNvPr id="8" name="Group 7"/>
-          <p:cNvGrpSpPr/>
-          <p:nvPr/>
-        </p:nvGrpSpPr>
-        <p:grpSpPr>
-          <a:xfrm>
-            <a:off x="6240576" y="889598"/>
-            <a:ext cx="2442142" cy="2938462"/>
-            <a:chOff x="6291943" y="1600200"/>
-            <a:chExt cx="2442142" cy="2938462"/>
-          </a:xfrm>
-        </p:grpSpPr>
-        <p:sp>
-          <p:nvSpPr>
-            <p:cNvPr id="9" name="TextBox 8"/>
-            <p:cNvSpPr txBox="1"/>
-            <p:nvPr/>
-          </p:nvSpPr>
-          <p:spPr>
-            <a:xfrm>
-              <a:off x="6291943" y="1600200"/>
-              <a:ext cx="2442142" cy="1200329"/>
-            </a:xfrm>
-            <a:prstGeom prst="rect">
-              <a:avLst/>
-            </a:prstGeom>
-            <a:noFill/>
-            <a:ln>
-              <a:solidFill>
-                <a:schemeClr val="tx1"/>
-              </a:solidFill>
-            </a:ln>
-          </p:spPr>
-          <p:txBody>
-            <a:bodyPr wrap="square" rtlCol="0">
-              <a:spAutoFit/>
-            </a:bodyPr>
-            <a:lstStyle/>
-            <a:p>
-              <a:pPr algn="ctr"/>
-              <a:r>
-                <a:rPr lang="en-US" dirty="0" smtClean="0"/>
-                <a:t>The Human Brain Processes Visual INFORMATION 60,000X Faster than Text</a:t>
-              </a:r>
-              <a:endParaRPr lang="en-US" dirty="0"/>
-            </a:p>
-          </p:txBody>
-        </p:sp>
-        <p:pic>
-          <p:nvPicPr>
-            <p:cNvPr id="1027" name="Picture 3" descr="C:\Users\Nagesh M\Desktop\download.jpg"/>
-            <p:cNvPicPr>
-              <a:picLocks noChangeAspect="1" noChangeArrowheads="1"/>
-            </p:cNvPicPr>
-            <p:nvPr/>
-          </p:nvPicPr>
-          <p:blipFill>
-            <a:blip r:embed="rId3">
-              <a:clrChange>
-                <a:clrFrom>
-                  <a:srgbClr val="FFFFFF"/>
-                </a:clrFrom>
-                <a:clrTo>
-                  <a:srgbClr val="FFFFFF">
-                    <a:alpha val="0"/>
-                  </a:srgbClr>
-                </a:clrTo>
-              </a:clrChange>
-              <a:extLst>
-                <a:ext uri="{28A0092B-C50C-407E-A947-70E740481C1C}">
-                  <a14:useLocalDpi xmlns:a14="http://schemas.microsoft.com/office/drawing/2010/main" val="0"/>
-                </a:ext>
-              </a:extLst>
-            </a:blip>
-            <a:srcRect/>
-            <a:stretch>
-              <a:fillRect/>
-            </a:stretch>
-          </p:blipFill>
-          <p:spPr bwMode="auto">
-            <a:xfrm>
-              <a:off x="6291943" y="2624137"/>
-              <a:ext cx="2390775" cy="1914525"/>
-            </a:xfrm>
-            <a:prstGeom prst="rect">
-              <a:avLst/>
-            </a:prstGeom>
-            <a:noFill/>
-            <a:extLst>
-              <a:ext uri="{909E8E84-426E-40DD-AFC4-6F175D3DCCD1}">
-                <a14:hiddenFill xmlns:a14="http://schemas.microsoft.com/office/drawing/2010/main">
-                  <a:solidFill>
-                    <a:srgbClr val="FFFFFF"/>
-                  </a:solidFill>
-                </a14:hiddenFill>
-              </a:ext>
-            </a:extLst>
-          </p:spPr>
-        </p:pic>
-      </p:grpSp>
-      <p:sp>
-        <p:nvSpPr>
-          <p:cNvPr id="12" name="TextBox 11"/>
-          <p:cNvSpPr txBox="1"/>
-          <p:nvPr/>
-        </p:nvSpPr>
-        <p:spPr>
-          <a:xfrm>
-            <a:off x="-21771" y="3902926"/>
-            <a:ext cx="6966857" cy="369332"/>
-          </a:xfrm>
-          <a:prstGeom prst="rect">
-            <a:avLst/>
-          </a:prstGeom>
-          <a:noFill/>
-        </p:spPr>
-        <p:txBody>
-          <a:bodyPr wrap="square" rtlCol="0">
-            <a:spAutoFit/>
-          </a:bodyPr>
-          <a:lstStyle/>
-          <a:p>
-            <a:r>
-              <a:rPr lang="en-US" dirty="0" smtClean="0"/>
-              <a:t>Below are the list of reason why it is critical to your Organization</a:t>
-            </a:r>
-            <a:endParaRPr lang="en-US" dirty="0"/>
-          </a:p>
-        </p:txBody>
-      </p:sp>
-      <p:sp>
-        <p:nvSpPr>
-          <p:cNvPr id="10" name="TextBox 9"/>
-          <p:cNvSpPr txBox="1"/>
-          <p:nvPr/>
-        </p:nvSpPr>
-        <p:spPr>
-          <a:xfrm>
-            <a:off x="21771" y="4407932"/>
-            <a:ext cx="4495800" cy="369332"/>
-          </a:xfrm>
-          <a:prstGeom prst="rect">
-            <a:avLst/>
-          </a:prstGeom>
-          <a:noFill/>
-        </p:spPr>
-        <p:txBody>
-          <a:bodyPr wrap="square" rtlCol="0">
-            <a:spAutoFit/>
-          </a:bodyPr>
-          <a:lstStyle/>
-          <a:p>
-            <a:r>
-              <a:rPr lang="en-US" dirty="0"/>
-              <a:t>#1) </a:t>
-            </a:r>
-            <a:r>
-              <a:rPr lang="en-US" b="1" dirty="0" smtClean="0"/>
-              <a:t>Data visualization</a:t>
-            </a:r>
-            <a:r>
-              <a:rPr lang="en-US" dirty="0" smtClean="0"/>
-              <a:t> conveys your Message</a:t>
-            </a:r>
-            <a:endParaRPr lang="en-US" dirty="0"/>
-          </a:p>
-        </p:txBody>
-      </p:sp>
-      <p:sp>
-        <p:nvSpPr>
-          <p:cNvPr id="16" name="TextBox 15"/>
-          <p:cNvSpPr txBox="1"/>
-          <p:nvPr/>
-        </p:nvSpPr>
-        <p:spPr>
-          <a:xfrm>
-            <a:off x="3211286" y="4871714"/>
-            <a:ext cx="5812971" cy="646331"/>
-          </a:xfrm>
-          <a:prstGeom prst="rect">
-            <a:avLst/>
-          </a:prstGeom>
-          <a:noFill/>
-        </p:spPr>
-        <p:txBody>
-          <a:bodyPr wrap="square" rtlCol="0">
-            <a:spAutoFit/>
-          </a:bodyPr>
-          <a:lstStyle/>
-          <a:p>
-            <a:r>
-              <a:rPr lang="en-US" dirty="0"/>
-              <a:t>Turning data analysis into visual representations such as charts, graphs, and histograms to more easily consume data.</a:t>
-            </a:r>
-          </a:p>
-        </p:txBody>
-      </p:sp>
-      <p:sp>
-        <p:nvSpPr>
-          <p:cNvPr id="14" name="Footer Placeholder 13"/>
+            <a:pPr algn="l"/>
+            <a:r>
+              <a:rPr lang="en-US" sz="5400">
+                <a:ea typeface="+mj-lt"/>
+                <a:cs typeface="+mj-lt"/>
+              </a:rPr>
+              <a:t>Why Data Visualization is critical to Your Organization</a:t>
+            </a:r>
+            <a:endParaRPr lang="en-US" sz="5400"/>
+          </a:p>
+        </p:txBody>
+      </p:sp>
+      <p:sp>
+        <p:nvSpPr>
+          <p:cNvPr id="3" name="Footer Placeholder 2"/>
           <p:cNvSpPr>
             <a:spLocks noGrp="1"/>
           </p:cNvSpPr>
@@ -3484,12 +3497,12 @@
     </p:spTree>
     <p:extLst>
       <p:ext uri="{BB962C8B-B14F-4D97-AF65-F5344CB8AC3E}">
-        <p14:creationId xmlns:p14="http://schemas.microsoft.com/office/powerpoint/2010/main" val="4019246764"/>
+        <p14:creationId xmlns:p14="http://schemas.microsoft.com/office/powerpoint/2010/main" val="109857222"/>
       </p:ext>
     </p:extLst>
   </p:cSld>
   <p:clrMapOvr>
-    <a:masterClrMapping/>
+    <a:overrideClrMapping bg1="dk1" tx1="lt1" bg2="dk2" tx2="lt2" accent1="accent1" accent2="accent2" accent3="accent3" accent4="accent4" accent5="accent5" accent6="accent6" hlink="hlink" folHlink="folHlink"/>
   </p:clrMapOvr>
 </p:sld>
 </file>
@@ -3513,45 +3526,145 @@
       </p:grpSpPr>
       <p:pic>
         <p:nvPicPr>
-          <p:cNvPr id="2050" name="Picture 2" descr="C:\Users\Nagesh M\Desktop\20090211_thousand_words-01_cropped.jpg"/>
+          <p:cNvPr id="5" name="Picture 5" descr="A picture containing fruit, photo&#10;&#10;Description automatically generated">
+            <a:extLst>
+              <a:ext uri="{FF2B5EF4-FFF2-40B4-BE49-F238E27FC236}">
+                <a16:creationId xmlns:a16="http://schemas.microsoft.com/office/drawing/2014/main" xmlns="" id="{DB9BBE15-191B-440C-807B-86173442A085}"/>
+              </a:ext>
+            </a:extLst>
+          </p:cNvPr>
           <p:cNvPicPr>
-            <a:picLocks noChangeAspect="1" noChangeArrowheads="1"/>
+            <a:picLocks noGrp="1" noChangeAspect="1"/>
           </p:cNvPicPr>
-          <p:nvPr/>
+          <p:nvPr>
+            <p:ph idx="1"/>
+          </p:nvPr>
         </p:nvPicPr>
         <p:blipFill>
-          <a:blip r:embed="rId2">
-            <a:extLst>
-              <a:ext uri="{28A0092B-C50C-407E-A947-70E740481C1C}">
-                <a14:useLocalDpi xmlns:a14="http://schemas.microsoft.com/office/drawing/2010/main" val="0"/>
-              </a:ext>
-            </a:extLst>
-          </a:blip>
-          <a:srcRect/>
+          <a:blip r:embed="rId2"/>
           <a:stretch>
             <a:fillRect/>
           </a:stretch>
         </p:blipFill>
-        <p:spPr bwMode="auto">
+        <p:spPr>
           <a:xfrm>
-            <a:off x="29254" y="1752600"/>
-            <a:ext cx="3475945" cy="3157768"/>
+            <a:off x="8234875" y="1076940"/>
+            <a:ext cx="3866535" cy="4694595"/>
           </a:xfrm>
-          <a:prstGeom prst="rect">
-            <a:avLst/>
-          </a:prstGeom>
-          <a:noFill/>
-          <a:extLst>
-            <a:ext uri="{909E8E84-426E-40DD-AFC4-6F175D3DCCD1}">
-              <a14:hiddenFill xmlns:a14="http://schemas.microsoft.com/office/drawing/2010/main">
-                <a:solidFill>
-                  <a:srgbClr val="FFFFFF"/>
-                </a:solidFill>
-              </a14:hiddenFill>
-            </a:ext>
-          </a:extLst>
         </p:spPr>
       </p:pic>
+      <p:sp>
+        <p:nvSpPr>
+          <p:cNvPr id="4" name="Text Placeholder 3">
+            <a:extLst>
+              <a:ext uri="{FF2B5EF4-FFF2-40B4-BE49-F238E27FC236}">
+                <a16:creationId xmlns:a16="http://schemas.microsoft.com/office/drawing/2014/main" xmlns="" id="{3ACBE445-F17F-4E8D-9299-2410572BC8AA}"/>
+              </a:ext>
+            </a:extLst>
+          </p:cNvPr>
+          <p:cNvSpPr>
+            <a:spLocks noGrp="1"/>
+          </p:cNvSpPr>
+          <p:nvPr>
+            <p:ph type="body" sz="half" idx="2"/>
+          </p:nvPr>
+        </p:nvSpPr>
+        <p:spPr>
+          <a:xfrm>
+            <a:off x="839788" y="988142"/>
+            <a:ext cx="7053978" cy="5593685"/>
+          </a:xfrm>
+        </p:spPr>
+        <p:txBody>
+          <a:bodyPr vert="horz" lIns="91440" tIns="45720" rIns="91440" bIns="45720" rtlCol="0" anchor="t">
+            <a:normAutofit fontScale="77500" lnSpcReduction="20000"/>
+          </a:bodyPr>
+          <a:lstStyle/>
+          <a:p>
+            <a:r>
+              <a:rPr lang="en-US" sz="4400" b="1" dirty="0">
+                <a:ea typeface="+mn-lt"/>
+                <a:cs typeface="+mn-lt"/>
+              </a:rPr>
+              <a:t>Data Visualization</a:t>
+            </a:r>
+            <a:r>
+              <a:rPr lang="en-US" sz="3600" b="1" dirty="0">
+                <a:ea typeface="+mn-lt"/>
+                <a:cs typeface="+mn-lt"/>
+              </a:rPr>
+              <a:t> </a:t>
+            </a:r>
+            <a:r>
+              <a:rPr lang="en-US" sz="3600" dirty="0">
+                <a:ea typeface="+mn-lt"/>
+                <a:cs typeface="+mn-lt"/>
+              </a:rPr>
+              <a:t>is a graphical representation of the information collected through data analysis. The data can give you the clear insight when it is been shown in visual context through Map/Graphs</a:t>
+            </a:r>
+          </a:p>
+          <a:p>
+            <a:endParaRPr lang="en-US" sz="3600">
+              <a:cs typeface="Calibri"/>
+            </a:endParaRPr>
+          </a:p>
+          <a:p>
+            <a:r>
+              <a:rPr lang="en-US" sz="3600" dirty="0">
+                <a:ea typeface="+mn-lt"/>
+                <a:cs typeface="+mn-lt"/>
+              </a:rPr>
+              <a:t>When it comes to Turing your data into tangible action  for your organization for first step is </a:t>
+            </a:r>
+            <a:r>
+              <a:rPr lang="en-US" sz="3600" b="1" dirty="0">
+                <a:ea typeface="+mn-lt"/>
+                <a:cs typeface="+mn-lt"/>
+              </a:rPr>
+              <a:t>data visualization.</a:t>
+            </a:r>
+            <a:r>
+              <a:rPr lang="en-US" sz="3600" dirty="0">
+                <a:ea typeface="+mn-lt"/>
+                <a:cs typeface="+mn-lt"/>
+              </a:rPr>
+              <a:t> Because if you want to take a step forward, you must be able to see big picture behind your data.</a:t>
+            </a:r>
+            <a:endParaRPr lang="en-US" dirty="0">
+              <a:ea typeface="+mn-lt"/>
+              <a:cs typeface="+mn-lt"/>
+            </a:endParaRPr>
+          </a:p>
+          <a:p>
+            <a:endParaRPr lang="en-US" sz="3600">
+              <a:cs typeface="Calibri"/>
+            </a:endParaRPr>
+          </a:p>
+          <a:p>
+            <a:r>
+              <a:rPr lang="en-US" sz="3600" dirty="0">
+                <a:ea typeface="+mn-lt"/>
+                <a:cs typeface="+mn-lt"/>
+              </a:rPr>
+              <a:t>Below are the list of reason why it is critical to your Organization</a:t>
+            </a:r>
+            <a:endParaRPr lang="en-US" dirty="0">
+              <a:ea typeface="+mn-lt"/>
+              <a:cs typeface="+mn-lt"/>
+            </a:endParaRPr>
+          </a:p>
+          <a:p>
+            <a:endParaRPr lang="en-US" sz="3600">
+              <a:cs typeface="Calibri"/>
+            </a:endParaRPr>
+          </a:p>
+          <a:p>
+            <a:endParaRPr lang="en-US" sz="3600">
+              <a:cs typeface="Calibri"/>
+            </a:endParaRPr>
+          </a:p>
+        </p:txBody>
+      </p:sp>
       <p:sp>
         <p:nvSpPr>
           <p:cNvPr id="2" name="Footer Placeholder 1"/>
@@ -3578,7 +3691,7 @@
     </p:spTree>
     <p:extLst>
       <p:ext uri="{BB962C8B-B14F-4D97-AF65-F5344CB8AC3E}">
-        <p14:creationId xmlns:p14="http://schemas.microsoft.com/office/powerpoint/2010/main" val="758442719"/>
+        <p14:creationId xmlns:p14="http://schemas.microsoft.com/office/powerpoint/2010/main" val="3979284142"/>
       </p:ext>
     </p:extLst>
   </p:cSld>
@@ -3591,6 +3704,14 @@
 <file path=ppt/slides/slide3.xml><?xml version="1.0" encoding="utf-8"?>
 <p:sld xmlns:a="http://schemas.openxmlformats.org/drawingml/2006/main" xmlns:r="http://schemas.openxmlformats.org/officeDocument/2006/relationships" xmlns:p="http://schemas.openxmlformats.org/presentationml/2006/main">
   <p:cSld>
+    <p:bg>
+      <p:bgPr>
+        <a:solidFill>
+          <a:schemeClr val="bg1"/>
+        </a:solidFill>
+        <a:effectLst/>
+      </p:bgPr>
+    </p:bg>
     <p:spTree>
       <p:nvGrpSpPr>
         <p:cNvPr id="1" name=""/>
@@ -3607,7 +3728,342 @@
       </p:grpSpPr>
       <p:sp>
         <p:nvSpPr>
-          <p:cNvPr id="2" name="Footer Placeholder 1"/>
+          <p:cNvPr id="2" name="Title 1">
+            <a:extLst>
+              <a:ext uri="{FF2B5EF4-FFF2-40B4-BE49-F238E27FC236}">
+                <a16:creationId xmlns:a16="http://schemas.microsoft.com/office/drawing/2014/main" xmlns="" id="{B21DB2C2-CCAA-41DE-9D96-7655F5E14845}"/>
+              </a:ext>
+            </a:extLst>
+          </p:cNvPr>
+          <p:cNvSpPr>
+            <a:spLocks noGrp="1"/>
+          </p:cNvSpPr>
+          <p:nvPr>
+            <p:ph type="title"/>
+          </p:nvPr>
+        </p:nvSpPr>
+        <p:spPr>
+          <a:xfrm>
+            <a:off x="46704" y="51621"/>
+            <a:ext cx="4525591" cy="1499418"/>
+          </a:xfrm>
+        </p:spPr>
+        <p:txBody>
+          <a:bodyPr vert="horz" lIns="91440" tIns="45720" rIns="91440" bIns="45720" rtlCol="0" anchor="ctr">
+            <a:normAutofit/>
+          </a:bodyPr>
+          <a:lstStyle/>
+          <a:p>
+            <a:r>
+              <a:rPr lang="en-US" sz="3700" b="1"/>
+              <a:t>Data visualization</a:t>
+            </a:r>
+            <a:r>
+              <a:rPr lang="en-US" sz="3700" b="1">
+                <a:cs typeface="Calibri Light"/>
+              </a:rPr>
+              <a:t/>
+            </a:r>
+            <a:br>
+              <a:rPr lang="en-US" sz="3700" b="1">
+                <a:cs typeface="Calibri Light"/>
+              </a:rPr>
+            </a:br>
+            <a:r>
+              <a:rPr lang="en-US" sz="3700" kern="1200">
+                <a:latin typeface="+mj-lt"/>
+                <a:ea typeface="+mj-ea"/>
+                <a:cs typeface="+mj-cs"/>
+              </a:rPr>
+              <a:t>conveys your Message</a:t>
+            </a:r>
+          </a:p>
+        </p:txBody>
+      </p:sp>
+      <p:sp>
+        <p:nvSpPr>
+          <p:cNvPr id="4" name="Text Placeholder 3">
+            <a:extLst>
+              <a:ext uri="{FF2B5EF4-FFF2-40B4-BE49-F238E27FC236}">
+                <a16:creationId xmlns:a16="http://schemas.microsoft.com/office/drawing/2014/main" xmlns="" id="{9BB6C02E-CF15-4E40-994F-A444B7C52210}"/>
+              </a:ext>
+            </a:extLst>
+          </p:cNvPr>
+          <p:cNvSpPr>
+            <a:spLocks noGrp="1"/>
+          </p:cNvSpPr>
+          <p:nvPr>
+            <p:ph type="body" sz="half" idx="2"/>
+          </p:nvPr>
+        </p:nvSpPr>
+        <p:spPr>
+          <a:xfrm>
+            <a:off x="83576" y="1676400"/>
+            <a:ext cx="4488719" cy="4848531"/>
+          </a:xfrm>
+        </p:spPr>
+        <p:txBody>
+          <a:bodyPr vert="horz" lIns="91440" tIns="45720" rIns="91440" bIns="45720" rtlCol="0" anchor="t">
+            <a:normAutofit fontScale="85000" lnSpcReduction="20000"/>
+          </a:bodyPr>
+          <a:lstStyle/>
+          <a:p>
+            <a:r>
+              <a:rPr lang="en-US" sz="2000" dirty="0"/>
+              <a:t>Turning data analysis into visual representations such as charts, graphs, and histograms to more easily consume data.</a:t>
+            </a:r>
+            <a:endParaRPr lang="en-US" sz="2000" dirty="0">
+              <a:cs typeface="Calibri"/>
+            </a:endParaRPr>
+          </a:p>
+          <a:p>
+            <a:endParaRPr lang="en-US" sz="2000" dirty="0">
+              <a:cs typeface="Calibri"/>
+            </a:endParaRPr>
+          </a:p>
+          <a:p>
+            <a:r>
+              <a:rPr lang="en-US" sz="2000" dirty="0">
+                <a:cs typeface="Calibri"/>
+              </a:rPr>
+              <a:t>The image clears says Visual and Picture are more attractive and more powerful to express the story to the audience. This is because visuals are more strongly tied to memory.</a:t>
+            </a:r>
+          </a:p>
+          <a:p>
+            <a:endParaRPr lang="en-US" sz="2000" dirty="0">
+              <a:cs typeface="Calibri"/>
+            </a:endParaRPr>
+          </a:p>
+          <a:p>
+            <a:r>
+              <a:rPr lang="en-US" sz="2000" dirty="0">
+                <a:cs typeface="Calibri"/>
+              </a:rPr>
+              <a:t>It can bring value add when your organization's data</a:t>
+            </a:r>
+            <a:r>
+              <a:rPr lang="en-US" sz="2000" dirty="0">
+                <a:ea typeface="+mn-lt"/>
+                <a:cs typeface="+mn-lt"/>
+              </a:rPr>
+              <a:t> have been shown in visualization and gives the clear picture of the story for decline or gain. </a:t>
+            </a:r>
+          </a:p>
+          <a:p>
+            <a:r>
+              <a:rPr lang="en-US" sz="2000" b="1" dirty="0">
+                <a:ea typeface="+mn-lt"/>
+                <a:cs typeface="+mn-lt"/>
+              </a:rPr>
+              <a:t>Why It’s Critical:</a:t>
+            </a:r>
+            <a:r>
+              <a:rPr lang="en-US" sz="2000" dirty="0">
+                <a:ea typeface="+mn-lt"/>
+                <a:cs typeface="+mn-lt"/>
+              </a:rPr>
+              <a:t> Amplifying your organizational story isn’t accomplished with just </a:t>
+            </a:r>
+            <a:r>
+              <a:rPr lang="en-US" sz="2000" i="1" dirty="0">
+                <a:ea typeface="+mn-lt"/>
+                <a:cs typeface="+mn-lt"/>
+              </a:rPr>
+              <a:t>any form</a:t>
+            </a:r>
+            <a:r>
+              <a:rPr lang="en-US" sz="2000" dirty="0">
+                <a:ea typeface="+mn-lt"/>
+                <a:cs typeface="+mn-lt"/>
+              </a:rPr>
+              <a:t> of data visualization, though. In order to be most effective, you need to utilize the correct chart or display for the situation. Choosing the wrong data visualization might overwhelm or confuse your audience – achieving the opposite of your intended result.</a:t>
+            </a:r>
+            <a:endParaRPr lang="en-US" dirty="0"/>
+          </a:p>
+          <a:p>
+            <a:pPr indent="-228600">
+              <a:buFont typeface="Arial" panose="020B0604020202020204" pitchFamily="34" charset="0"/>
+              <a:buChar char="•"/>
+            </a:pPr>
+            <a:endParaRPr lang="en-US" sz="2000">
+              <a:cs typeface="Calibri"/>
+            </a:endParaRPr>
+          </a:p>
+        </p:txBody>
+      </p:sp>
+      <p:sp>
+        <p:nvSpPr>
+          <p:cNvPr id="13" name="Rectangle 9">
+            <a:extLst>
+              <a:ext uri="{FF2B5EF4-FFF2-40B4-BE49-F238E27FC236}">
+                <a16:creationId xmlns:a16="http://schemas.microsoft.com/office/drawing/2014/main" xmlns="" id="{5E39A796-BE83-48B1-B33F-35C4A32AAB57}"/>
+              </a:ext>
+              <a:ext uri="{C183D7F6-B498-43B3-948B-1728B52AA6E4}">
+                <adec:decorative xmlns:adec="http://schemas.microsoft.com/office/drawing/2017/decorative" xmlns="" val="1"/>
+              </a:ext>
+            </a:extLst>
+          </p:cNvPr>
+          <p:cNvSpPr>
+            <a:spLocks noGrp="1" noRot="1" noChangeAspect="1" noMove="1" noResize="1" noEditPoints="1" noAdjustHandles="1" noChangeArrowheads="1" noChangeShapeType="1" noTextEdit="1"/>
+          </p:cNvSpPr>
+          <p:nvPr>
+            <p:extLst>
+              <p:ext uri="{386F3935-93C4-4BCD-93E2-E3B085C9AB24}">
+                <p16:designElem xmlns:p16="http://schemas.microsoft.com/office/powerpoint/2015/main" xmlns="" val="1"/>
+              </p:ext>
+            </p:extLst>
+          </p:nvPr>
+        </p:nvSpPr>
+        <p:spPr>
+          <a:xfrm>
+            <a:off x="4639056" y="0"/>
+            <a:ext cx="7552944" cy="6858000"/>
+          </a:xfrm>
+          <a:prstGeom prst="rect">
+            <a:avLst/>
+          </a:prstGeom>
+          <a:solidFill>
+            <a:srgbClr val="C8CACA"/>
+          </a:solidFill>
+          <a:ln>
+            <a:noFill/>
+          </a:ln>
+        </p:spPr>
+        <p:style>
+          <a:lnRef idx="2">
+            <a:schemeClr val="accent1">
+              <a:shade val="50000"/>
+            </a:schemeClr>
+          </a:lnRef>
+          <a:fillRef idx="1">
+            <a:schemeClr val="accent1"/>
+          </a:fillRef>
+          <a:effectRef idx="0">
+            <a:schemeClr val="accent1"/>
+          </a:effectRef>
+          <a:fontRef idx="minor">
+            <a:schemeClr val="lt1"/>
+          </a:fontRef>
+        </p:style>
+        <p:txBody>
+          <a:bodyPr rtlCol="0" anchor="ctr"/>
+          <a:lstStyle/>
+          <a:p>
+            <a:pPr algn="ctr"/>
+            <a:endParaRPr lang="en-US"/>
+          </a:p>
+        </p:txBody>
+      </p:sp>
+      <p:sp>
+        <p:nvSpPr>
+          <p:cNvPr id="14" name="Rounded Rectangle 9">
+            <a:extLst>
+              <a:ext uri="{FF2B5EF4-FFF2-40B4-BE49-F238E27FC236}">
+                <a16:creationId xmlns:a16="http://schemas.microsoft.com/office/drawing/2014/main" xmlns="" id="{72F84B47-E267-4194-8194-831DB7B5547F}"/>
+              </a:ext>
+              <a:ext uri="{C183D7F6-B498-43B3-948B-1728B52AA6E4}">
+                <adec:decorative xmlns:adec="http://schemas.microsoft.com/office/drawing/2017/decorative" xmlns="" val="1"/>
+              </a:ext>
+            </a:extLst>
+          </p:cNvPr>
+          <p:cNvSpPr>
+            <a:spLocks noGrp="1" noRot="1" noChangeAspect="1" noMove="1" noResize="1" noEditPoints="1" noAdjustHandles="1" noChangeArrowheads="1" noChangeShapeType="1" noTextEdit="1"/>
+          </p:cNvSpPr>
+          <p:nvPr>
+            <p:extLst>
+              <p:ext uri="{386F3935-93C4-4BCD-93E2-E3B085C9AB24}">
+                <p16:designElem xmlns:p16="http://schemas.microsoft.com/office/powerpoint/2015/main" xmlns="" val="1"/>
+              </p:ext>
+            </p:extLst>
+          </p:nvPr>
+        </p:nvSpPr>
+        <p:spPr>
+          <a:xfrm>
+            <a:off x="5123688" y="557784"/>
+            <a:ext cx="6584098" cy="5739187"/>
+          </a:xfrm>
+          <a:prstGeom prst="roundRect">
+            <a:avLst>
+              <a:gd name="adj" fmla="val 0"/>
+            </a:avLst>
+          </a:prstGeom>
+          <a:solidFill>
+            <a:srgbClr val="FFFFFF"/>
+          </a:solidFill>
+          <a:ln w="9525">
+            <a:solidFill>
+              <a:srgbClr val="C8CACA"/>
+            </a:solidFill>
+          </a:ln>
+          <a:effectLst>
+            <a:outerShdw blurRad="57150" dist="19050" dir="5400000" algn="t" rotWithShape="0">
+              <a:prstClr val="black">
+                <a:alpha val="63000"/>
+              </a:prstClr>
+            </a:outerShdw>
+          </a:effectLst>
+        </p:spPr>
+        <p:style>
+          <a:lnRef idx="2">
+            <a:schemeClr val="accent1">
+              <a:shade val="50000"/>
+            </a:schemeClr>
+          </a:lnRef>
+          <a:fillRef idx="1">
+            <a:schemeClr val="accent1"/>
+          </a:fillRef>
+          <a:effectRef idx="0">
+            <a:schemeClr val="accent1"/>
+          </a:effectRef>
+          <a:fontRef idx="minor">
+            <a:schemeClr val="lt1"/>
+          </a:fontRef>
+        </p:style>
+        <p:txBody>
+          <a:bodyPr rtlCol="0" anchor="ctr"/>
+          <a:lstStyle/>
+          <a:p>
+            <a:pPr algn="ctr"/>
+            <a:endParaRPr lang="en-US"/>
+          </a:p>
+        </p:txBody>
+      </p:sp>
+      <p:pic>
+        <p:nvPicPr>
+          <p:cNvPr id="5" name="Picture 5" descr="A close up of text on a white background&#10;&#10;Description automatically generated">
+            <a:extLst>
+              <a:ext uri="{FF2B5EF4-FFF2-40B4-BE49-F238E27FC236}">
+                <a16:creationId xmlns:a16="http://schemas.microsoft.com/office/drawing/2014/main" xmlns="" id="{78B1BD2B-B14B-44B5-B077-9622726AA798}"/>
+              </a:ext>
+            </a:extLst>
+          </p:cNvPr>
+          <p:cNvPicPr>
+            <a:picLocks noGrp="1" noChangeAspect="1"/>
+          </p:cNvPicPr>
+          <p:nvPr>
+            <p:ph idx="1"/>
+          </p:nvPr>
+        </p:nvPicPr>
+        <p:blipFill>
+          <a:blip r:embed="rId2"/>
+          <a:stretch>
+            <a:fillRect/>
+          </a:stretch>
+        </p:blipFill>
+        <p:spPr>
+          <a:xfrm>
+            <a:off x="5532859" y="807593"/>
+            <a:ext cx="5765337" cy="5239568"/>
+          </a:xfrm>
+          <a:prstGeom prst="rect">
+            <a:avLst/>
+          </a:prstGeom>
+          <a:effectLst/>
+        </p:spPr>
+      </p:pic>
+      <p:sp>
+        <p:nvSpPr>
+          <p:cNvPr id="3" name="Footer Placeholder 2"/>
           <p:cNvSpPr>
             <a:spLocks noGrp="1"/>
           </p:cNvSpPr>
@@ -3631,7 +4087,1275 @@
     </p:spTree>
     <p:extLst>
       <p:ext uri="{BB962C8B-B14F-4D97-AF65-F5344CB8AC3E}">
-        <p14:creationId xmlns:p14="http://schemas.microsoft.com/office/powerpoint/2010/main" val="4173435988"/>
+        <p14:creationId xmlns:p14="http://schemas.microsoft.com/office/powerpoint/2010/main" val="4021553451"/>
+      </p:ext>
+    </p:extLst>
+  </p:cSld>
+  <p:clrMapOvr>
+    <a:masterClrMapping/>
+  </p:clrMapOvr>
+</p:sld>
+</file>
+
+<file path=ppt/slides/slide4.xml><?xml version="1.0" encoding="utf-8"?>
+<p:sld xmlns:a="http://schemas.openxmlformats.org/drawingml/2006/main" xmlns:r="http://schemas.openxmlformats.org/officeDocument/2006/relationships" xmlns:p="http://schemas.openxmlformats.org/presentationml/2006/main">
+  <p:cSld>
+    <p:bg>
+      <p:bgPr>
+        <a:solidFill>
+          <a:schemeClr val="bg1"/>
+        </a:solidFill>
+        <a:effectLst/>
+      </p:bgPr>
+    </p:bg>
+    <p:spTree>
+      <p:nvGrpSpPr>
+        <p:cNvPr id="1" name=""/>
+        <p:cNvGrpSpPr/>
+        <p:nvPr/>
+      </p:nvGrpSpPr>
+      <p:grpSpPr>
+        <a:xfrm>
+          <a:off x="0" y="0"/>
+          <a:ext cx="0" cy="0"/>
+          <a:chOff x="0" y="0"/>
+          <a:chExt cx="0" cy="0"/>
+        </a:xfrm>
+      </p:grpSpPr>
+      <p:sp>
+        <p:nvSpPr>
+          <p:cNvPr id="12" name="Title 1">
+            <a:extLst>
+              <a:ext uri="{FF2B5EF4-FFF2-40B4-BE49-F238E27FC236}">
+                <a16:creationId xmlns:a16="http://schemas.microsoft.com/office/drawing/2014/main" xmlns="" id="{D9929AE9-C477-43D9-9C92-A59B95870B65}"/>
+              </a:ext>
+            </a:extLst>
+          </p:cNvPr>
+          <p:cNvSpPr>
+            <a:spLocks noGrp="1"/>
+          </p:cNvSpPr>
+          <p:nvPr>
+            <p:ph type="title"/>
+          </p:nvPr>
+        </p:nvSpPr>
+        <p:spPr>
+          <a:xfrm>
+            <a:off x="7554139" y="125363"/>
+            <a:ext cx="4576521" cy="1578282"/>
+          </a:xfrm>
+        </p:spPr>
+        <p:txBody>
+          <a:bodyPr vert="horz" lIns="91440" tIns="45720" rIns="91440" bIns="45720" rtlCol="0" anchor="ctr">
+            <a:normAutofit fontScale="90000"/>
+          </a:bodyPr>
+          <a:lstStyle/>
+          <a:p>
+            <a:r>
+              <a:rPr lang="en-US" sz="3700"/>
+              <a:t>Identify areas that need </a:t>
+            </a:r>
+            <a:r>
+              <a:rPr lang="en-US" sz="3700" b="1" dirty="0"/>
+              <a:t>attention or improvement</a:t>
+            </a:r>
+          </a:p>
+        </p:txBody>
+      </p:sp>
+      <p:sp>
+        <p:nvSpPr>
+          <p:cNvPr id="18" name="Rectangle 17">
+            <a:extLst>
+              <a:ext uri="{FF2B5EF4-FFF2-40B4-BE49-F238E27FC236}">
+                <a16:creationId xmlns:a16="http://schemas.microsoft.com/office/drawing/2014/main" xmlns="" id="{577D1452-F0B7-431E-9A24-D3F7103D8510}"/>
+              </a:ext>
+              <a:ext uri="{C183D7F6-B498-43B3-948B-1728B52AA6E4}">
+                <adec:decorative xmlns:adec="http://schemas.microsoft.com/office/drawing/2017/decorative" xmlns="" val="1"/>
+              </a:ext>
+            </a:extLst>
+          </p:cNvPr>
+          <p:cNvSpPr>
+            <a:spLocks noGrp="1" noRot="1" noChangeAspect="1" noMove="1" noResize="1" noEditPoints="1" noAdjustHandles="1" noChangeArrowheads="1" noChangeShapeType="1" noTextEdit="1"/>
+          </p:cNvSpPr>
+          <p:nvPr>
+            <p:extLst>
+              <p:ext uri="{386F3935-93C4-4BCD-93E2-E3B085C9AB24}">
+                <p16:designElem xmlns:p16="http://schemas.microsoft.com/office/powerpoint/2015/main" xmlns="" val="1"/>
+              </p:ext>
+            </p:extLst>
+          </p:nvPr>
+        </p:nvSpPr>
+        <p:spPr>
+          <a:xfrm>
+            <a:off x="0" y="0"/>
+            <a:ext cx="7552944" cy="6858000"/>
+          </a:xfrm>
+          <a:prstGeom prst="rect">
+            <a:avLst/>
+          </a:prstGeom>
+          <a:solidFill>
+            <a:srgbClr val="C8CACA"/>
+          </a:solidFill>
+          <a:ln>
+            <a:noFill/>
+          </a:ln>
+        </p:spPr>
+        <p:style>
+          <a:lnRef idx="2">
+            <a:schemeClr val="accent1">
+              <a:shade val="50000"/>
+            </a:schemeClr>
+          </a:lnRef>
+          <a:fillRef idx="1">
+            <a:schemeClr val="accent1"/>
+          </a:fillRef>
+          <a:effectRef idx="0">
+            <a:schemeClr val="accent1"/>
+          </a:effectRef>
+          <a:fontRef idx="minor">
+            <a:schemeClr val="lt1"/>
+          </a:fontRef>
+        </p:style>
+        <p:txBody>
+          <a:bodyPr rtlCol="0" anchor="ctr"/>
+          <a:lstStyle/>
+          <a:p>
+            <a:pPr algn="ctr"/>
+            <a:endParaRPr lang="en-US"/>
+          </a:p>
+        </p:txBody>
+      </p:sp>
+      <p:sp>
+        <p:nvSpPr>
+          <p:cNvPr id="20" name="Rounded Rectangle 20">
+            <a:extLst>
+              <a:ext uri="{FF2B5EF4-FFF2-40B4-BE49-F238E27FC236}">
+                <a16:creationId xmlns:a16="http://schemas.microsoft.com/office/drawing/2014/main" xmlns="" id="{A660F4F9-5DF5-4F15-BE6A-CD8648BB1148}"/>
+              </a:ext>
+              <a:ext uri="{C183D7F6-B498-43B3-948B-1728B52AA6E4}">
+                <adec:decorative xmlns:adec="http://schemas.microsoft.com/office/drawing/2017/decorative" xmlns="" val="1"/>
+              </a:ext>
+            </a:extLst>
+          </p:cNvPr>
+          <p:cNvSpPr>
+            <a:spLocks noGrp="1" noRot="1" noChangeAspect="1" noMove="1" noResize="1" noEditPoints="1" noAdjustHandles="1" noChangeArrowheads="1" noChangeShapeType="1" noTextEdit="1"/>
+          </p:cNvSpPr>
+          <p:nvPr>
+            <p:extLst>
+              <p:ext uri="{386F3935-93C4-4BCD-93E2-E3B085C9AB24}">
+                <p16:designElem xmlns:p16="http://schemas.microsoft.com/office/powerpoint/2015/main" xmlns="" val="1"/>
+              </p:ext>
+            </p:extLst>
+          </p:nvPr>
+        </p:nvSpPr>
+        <p:spPr>
+          <a:xfrm>
+            <a:off x="479211" y="559407"/>
+            <a:ext cx="6594522" cy="5739187"/>
+          </a:xfrm>
+          <a:prstGeom prst="roundRect">
+            <a:avLst>
+              <a:gd name="adj" fmla="val 0"/>
+            </a:avLst>
+          </a:prstGeom>
+          <a:solidFill>
+            <a:srgbClr val="FFFFFF"/>
+          </a:solidFill>
+          <a:ln w="9525">
+            <a:solidFill>
+              <a:srgbClr val="C8CACA"/>
+            </a:solidFill>
+          </a:ln>
+          <a:effectLst>
+            <a:outerShdw blurRad="57150" dist="19050" dir="5400000" algn="t" rotWithShape="0">
+              <a:prstClr val="black">
+                <a:alpha val="63000"/>
+              </a:prstClr>
+            </a:outerShdw>
+          </a:effectLst>
+        </p:spPr>
+        <p:style>
+          <a:lnRef idx="2">
+            <a:schemeClr val="accent1">
+              <a:shade val="50000"/>
+            </a:schemeClr>
+          </a:lnRef>
+          <a:fillRef idx="1">
+            <a:schemeClr val="accent1"/>
+          </a:fillRef>
+          <a:effectRef idx="0">
+            <a:schemeClr val="accent1"/>
+          </a:effectRef>
+          <a:fontRef idx="minor">
+            <a:schemeClr val="lt1"/>
+          </a:fontRef>
+        </p:style>
+        <p:txBody>
+          <a:bodyPr rtlCol="0" anchor="ctr"/>
+          <a:lstStyle/>
+          <a:p>
+            <a:pPr algn="ctr"/>
+            <a:endParaRPr lang="en-US"/>
+          </a:p>
+        </p:txBody>
+      </p:sp>
+      <p:sp>
+        <p:nvSpPr>
+          <p:cNvPr id="10" name="Text Placeholder 3">
+            <a:extLst>
+              <a:ext uri="{FF2B5EF4-FFF2-40B4-BE49-F238E27FC236}">
+                <a16:creationId xmlns:a16="http://schemas.microsoft.com/office/drawing/2014/main" xmlns="" id="{1444EDDA-CF51-4534-AF5B-F91F4FB790AA}"/>
+              </a:ext>
+            </a:extLst>
+          </p:cNvPr>
+          <p:cNvSpPr>
+            <a:spLocks noGrp="1"/>
+          </p:cNvSpPr>
+          <p:nvPr>
+            <p:ph type="body" sz="half" idx="2"/>
+          </p:nvPr>
+        </p:nvSpPr>
+        <p:spPr>
+          <a:xfrm>
+            <a:off x="7554531" y="1713273"/>
+            <a:ext cx="4636213" cy="4989628"/>
+          </a:xfrm>
+        </p:spPr>
+        <p:txBody>
+          <a:bodyPr vert="horz" lIns="91440" tIns="45720" rIns="91440" bIns="45720" rtlCol="0" anchor="t">
+            <a:normAutofit fontScale="85000" lnSpcReduction="10000"/>
+          </a:bodyPr>
+          <a:lstStyle/>
+          <a:p>
+            <a:r>
+              <a:rPr lang="en-US" sz="2000" dirty="0"/>
+              <a:t>Data visualization will not only help us to  share our organization's story to the  audience, but it will also help us to improve or identify the area that need attention.</a:t>
+            </a:r>
+          </a:p>
+          <a:p>
+            <a:r>
+              <a:rPr lang="en-US" sz="2000" dirty="0"/>
+              <a:t>The picture describes the production related waste by industry in the year 2018,</a:t>
+            </a:r>
+          </a:p>
+          <a:p>
+            <a:r>
+              <a:rPr lang="en-US" sz="2000" dirty="0"/>
+              <a:t>It clearly shows that 48% of the waste are from Street Sweepings which form the major part of total generated waste. This can be efficiently managed by segregating the waste into dry and wet waste so that the dry waste can be recycled, and wet waste can be used as composed.</a:t>
+            </a:r>
+          </a:p>
+          <a:p>
+            <a:r>
+              <a:rPr lang="en-US" sz="2000" dirty="0">
+                <a:ea typeface="+mn-lt"/>
+                <a:cs typeface="+mn-lt"/>
+              </a:rPr>
+              <a:t>Key decision-makers in your organization aren’t always experts in every activity of the enterprise, but with the right data visualization comparisons, these leaders are able to make quicker, more informed decisions. Just as before, beware of improper comparative visualizations – if your organizational data analysis is unclear, confusing or difficult to compare, your visualizations might be doing more harm than good.</a:t>
+            </a:r>
+            <a:endParaRPr lang="en-US" dirty="0"/>
+          </a:p>
+          <a:p>
+            <a:endParaRPr lang="en-US" sz="2000" dirty="0">
+              <a:cs typeface="Calibri" panose="020F0502020204030204"/>
+            </a:endParaRPr>
+          </a:p>
+          <a:p>
+            <a:endParaRPr lang="en-US" sz="2000" dirty="0">
+              <a:cs typeface="Calibri" panose="020F0502020204030204"/>
+            </a:endParaRPr>
+          </a:p>
+          <a:p>
+            <a:endParaRPr lang="en-US" sz="2000" dirty="0">
+              <a:cs typeface="Calibri" panose="020F0502020204030204"/>
+            </a:endParaRPr>
+          </a:p>
+        </p:txBody>
+      </p:sp>
+      <p:pic>
+        <p:nvPicPr>
+          <p:cNvPr id="17" name="Picture 18" descr="A screenshot of a cell phone&#10;&#10;Description automatically generated">
+            <a:extLst>
+              <a:ext uri="{FF2B5EF4-FFF2-40B4-BE49-F238E27FC236}">
+                <a16:creationId xmlns:a16="http://schemas.microsoft.com/office/drawing/2014/main" xmlns="" id="{5A2CAC7D-656C-44BD-8C60-7079E68521B6}"/>
+              </a:ext>
+            </a:extLst>
+          </p:cNvPr>
+          <p:cNvPicPr>
+            <a:picLocks noChangeAspect="1"/>
+          </p:cNvPicPr>
+          <p:nvPr/>
+        </p:nvPicPr>
+        <p:blipFill>
+          <a:blip r:embed="rId2"/>
+          <a:stretch>
+            <a:fillRect/>
+          </a:stretch>
+        </p:blipFill>
+        <p:spPr>
+          <a:xfrm>
+            <a:off x="672300" y="1175082"/>
+            <a:ext cx="6393425" cy="4175022"/>
+          </a:xfrm>
+          <a:prstGeom prst="rect">
+            <a:avLst/>
+          </a:prstGeom>
+        </p:spPr>
+      </p:pic>
+      <p:sp>
+        <p:nvSpPr>
+          <p:cNvPr id="2" name="Footer Placeholder 1"/>
+          <p:cNvSpPr>
+            <a:spLocks noGrp="1"/>
+          </p:cNvSpPr>
+          <p:nvPr>
+            <p:ph type="ftr" sz="quarter" idx="11"/>
+          </p:nvPr>
+        </p:nvSpPr>
+        <p:spPr/>
+        <p:txBody>
+          <a:bodyPr/>
+          <a:lstStyle/>
+          <a:p>
+            <a:r>
+              <a:rPr lang="en-US" smtClean="0"/>
+              <a:t>AXA - BS Internal</a:t>
+            </a:r>
+            <a:endParaRPr lang="en-US"/>
+          </a:p>
+        </p:txBody>
+      </p:sp>
+    </p:spTree>
+    <p:extLst>
+      <p:ext uri="{BB962C8B-B14F-4D97-AF65-F5344CB8AC3E}">
+        <p14:creationId xmlns:p14="http://schemas.microsoft.com/office/powerpoint/2010/main" val="603571212"/>
+      </p:ext>
+    </p:extLst>
+  </p:cSld>
+  <p:clrMapOvr>
+    <a:masterClrMapping/>
+  </p:clrMapOvr>
+</p:sld>
+</file>
+
+<file path=ppt/slides/slide5.xml><?xml version="1.0" encoding="utf-8"?>
+<p:sld xmlns:a="http://schemas.openxmlformats.org/drawingml/2006/main" xmlns:r="http://schemas.openxmlformats.org/officeDocument/2006/relationships" xmlns:p="http://schemas.openxmlformats.org/presentationml/2006/main">
+  <p:cSld>
+    <p:bg>
+      <p:bgPr>
+        <a:solidFill>
+          <a:schemeClr val="bg1"/>
+        </a:solidFill>
+        <a:effectLst/>
+      </p:bgPr>
+    </p:bg>
+    <p:spTree>
+      <p:nvGrpSpPr>
+        <p:cNvPr id="1" name=""/>
+        <p:cNvGrpSpPr/>
+        <p:nvPr/>
+      </p:nvGrpSpPr>
+      <p:grpSpPr>
+        <a:xfrm>
+          <a:off x="0" y="0"/>
+          <a:ext cx="0" cy="0"/>
+          <a:chOff x="0" y="0"/>
+          <a:chExt cx="0" cy="0"/>
+        </a:xfrm>
+      </p:grpSpPr>
+      <p:sp>
+        <p:nvSpPr>
+          <p:cNvPr id="2" name="Title 1">
+            <a:extLst>
+              <a:ext uri="{FF2B5EF4-FFF2-40B4-BE49-F238E27FC236}">
+                <a16:creationId xmlns:a16="http://schemas.microsoft.com/office/drawing/2014/main" xmlns="" id="{B21DB2C2-CCAA-41DE-9D96-7655F5E14845}"/>
+              </a:ext>
+            </a:extLst>
+          </p:cNvPr>
+          <p:cNvSpPr>
+            <a:spLocks noGrp="1"/>
+          </p:cNvSpPr>
+          <p:nvPr>
+            <p:ph type="title"/>
+          </p:nvPr>
+        </p:nvSpPr>
+        <p:spPr>
+          <a:xfrm>
+            <a:off x="46704" y="51621"/>
+            <a:ext cx="4525591" cy="1475228"/>
+          </a:xfrm>
+        </p:spPr>
+        <p:txBody>
+          <a:bodyPr vert="horz" lIns="91440" tIns="45720" rIns="91440" bIns="45720" rtlCol="0" anchor="ctr">
+            <a:normAutofit/>
+          </a:bodyPr>
+          <a:lstStyle/>
+          <a:p>
+            <a:r>
+              <a:rPr lang="en-US" sz="3700" b="1" dirty="0"/>
+              <a:t>Data visualization</a:t>
+            </a:r>
+            <a:r>
+              <a:rPr lang="en-US" sz="3700" b="1" dirty="0">
+                <a:cs typeface="Calibri Light"/>
+              </a:rPr>
+              <a:t/>
+            </a:r>
+            <a:br>
+              <a:rPr lang="en-US" sz="3700" b="1" dirty="0">
+                <a:cs typeface="Calibri Light"/>
+              </a:rPr>
+            </a:br>
+            <a:r>
+              <a:rPr lang="en-US" sz="3700" dirty="0"/>
+              <a:t>helps to predict future </a:t>
+            </a:r>
+            <a:endParaRPr lang="en-US" sz="3700" kern="1200" dirty="0">
+              <a:latin typeface="+mj-lt"/>
+              <a:ea typeface="+mj-ea"/>
+              <a:cs typeface="+mj-cs"/>
+            </a:endParaRPr>
+          </a:p>
+        </p:txBody>
+      </p:sp>
+      <p:sp>
+        <p:nvSpPr>
+          <p:cNvPr id="4" name="Text Placeholder 3">
+            <a:extLst>
+              <a:ext uri="{FF2B5EF4-FFF2-40B4-BE49-F238E27FC236}">
+                <a16:creationId xmlns:a16="http://schemas.microsoft.com/office/drawing/2014/main" xmlns="" id="{9BB6C02E-CF15-4E40-994F-A444B7C52210}"/>
+              </a:ext>
+            </a:extLst>
+          </p:cNvPr>
+          <p:cNvSpPr>
+            <a:spLocks noGrp="1"/>
+          </p:cNvSpPr>
+          <p:nvPr>
+            <p:ph type="body" sz="half" idx="2"/>
+          </p:nvPr>
+        </p:nvSpPr>
+        <p:spPr>
+          <a:xfrm>
+            <a:off x="83576" y="1676400"/>
+            <a:ext cx="4488719" cy="4848531"/>
+          </a:xfrm>
+        </p:spPr>
+        <p:txBody>
+          <a:bodyPr vert="horz" lIns="91440" tIns="45720" rIns="91440" bIns="45720" rtlCol="0" anchor="t">
+            <a:normAutofit/>
+          </a:bodyPr>
+          <a:lstStyle/>
+          <a:p>
+            <a:r>
+              <a:rPr lang="en-US" sz="2000" dirty="0">
+                <a:cs typeface="Calibri"/>
+              </a:rPr>
+              <a:t>We can always see the trend which have data and we can analysis, but if our data can tell us how the future looks like so that we can be prepared or make some improvements.</a:t>
+            </a:r>
+          </a:p>
+          <a:p>
+            <a:r>
+              <a:rPr lang="en-US" sz="2000" dirty="0">
+                <a:ea typeface="+mn-lt"/>
+                <a:cs typeface="+mn-lt"/>
+              </a:rPr>
+              <a:t>predicting the future reliably is complex. Here’s why science shows us that there are always multiple futures.</a:t>
+            </a:r>
+            <a:endParaRPr lang="en-US" dirty="0"/>
+          </a:p>
+          <a:p>
+            <a:r>
+              <a:rPr lang="en-US" sz="2000" dirty="0">
+                <a:ea typeface="+mn-lt"/>
+                <a:cs typeface="+mn-lt"/>
+              </a:rPr>
+              <a:t>For instance, in games that use dice if you role just 1 die that gives you 6 possible outcomes, 6 possible numbers that can come up as 6 possible futures. Role 2 dice and now you have 12 possible futures, 3 dice and you have 18 possible futures.</a:t>
+            </a:r>
+            <a:endParaRPr lang="en-US" dirty="0">
+              <a:ea typeface="+mn-lt"/>
+              <a:cs typeface="+mn-lt"/>
+            </a:endParaRPr>
+          </a:p>
+          <a:p>
+            <a:r>
+              <a:rPr lang="en-US" sz="2000" b="1" dirty="0">
+                <a:ea typeface="+mn-lt"/>
+                <a:cs typeface="+mn-lt"/>
+              </a:rPr>
+              <a:t>Why It’s Critical:</a:t>
+            </a:r>
+            <a:r>
+              <a:rPr lang="en-US" sz="2000" dirty="0">
+                <a:ea typeface="+mn-lt"/>
+                <a:cs typeface="+mn-lt"/>
+              </a:rPr>
+              <a:t> </a:t>
+            </a:r>
+            <a:endParaRPr lang="en-US" sz="2000" dirty="0">
+              <a:cs typeface="Calibri"/>
+            </a:endParaRPr>
+          </a:p>
+        </p:txBody>
+      </p:sp>
+      <p:sp>
+        <p:nvSpPr>
+          <p:cNvPr id="13" name="Rectangle 9">
+            <a:extLst>
+              <a:ext uri="{FF2B5EF4-FFF2-40B4-BE49-F238E27FC236}">
+                <a16:creationId xmlns:a16="http://schemas.microsoft.com/office/drawing/2014/main" xmlns="" id="{5E39A796-BE83-48B1-B33F-35C4A32AAB57}"/>
+              </a:ext>
+              <a:ext uri="{C183D7F6-B498-43B3-948B-1728B52AA6E4}">
+                <adec:decorative xmlns:adec="http://schemas.microsoft.com/office/drawing/2017/decorative" xmlns="" val="1"/>
+              </a:ext>
+            </a:extLst>
+          </p:cNvPr>
+          <p:cNvSpPr>
+            <a:spLocks noGrp="1" noRot="1" noChangeAspect="1" noMove="1" noResize="1" noEditPoints="1" noAdjustHandles="1" noChangeArrowheads="1" noChangeShapeType="1" noTextEdit="1"/>
+          </p:cNvSpPr>
+          <p:nvPr>
+            <p:extLst>
+              <p:ext uri="{386F3935-93C4-4BCD-93E2-E3B085C9AB24}">
+                <p16:designElem xmlns:p16="http://schemas.microsoft.com/office/powerpoint/2015/main" xmlns="" val="1"/>
+              </p:ext>
+            </p:extLst>
+          </p:nvPr>
+        </p:nvSpPr>
+        <p:spPr>
+          <a:xfrm>
+            <a:off x="4639056" y="0"/>
+            <a:ext cx="7552944" cy="6858000"/>
+          </a:xfrm>
+          <a:prstGeom prst="rect">
+            <a:avLst/>
+          </a:prstGeom>
+          <a:solidFill>
+            <a:srgbClr val="C8CACA"/>
+          </a:solidFill>
+          <a:ln>
+            <a:noFill/>
+          </a:ln>
+        </p:spPr>
+        <p:style>
+          <a:lnRef idx="2">
+            <a:schemeClr val="accent1">
+              <a:shade val="50000"/>
+            </a:schemeClr>
+          </a:lnRef>
+          <a:fillRef idx="1">
+            <a:schemeClr val="accent1"/>
+          </a:fillRef>
+          <a:effectRef idx="0">
+            <a:schemeClr val="accent1"/>
+          </a:effectRef>
+          <a:fontRef idx="minor">
+            <a:schemeClr val="lt1"/>
+          </a:fontRef>
+        </p:style>
+        <p:txBody>
+          <a:bodyPr rtlCol="0" anchor="ctr"/>
+          <a:lstStyle/>
+          <a:p>
+            <a:pPr algn="ctr"/>
+            <a:endParaRPr lang="en-US"/>
+          </a:p>
+        </p:txBody>
+      </p:sp>
+      <p:sp>
+        <p:nvSpPr>
+          <p:cNvPr id="14" name="Rounded Rectangle 9">
+            <a:extLst>
+              <a:ext uri="{FF2B5EF4-FFF2-40B4-BE49-F238E27FC236}">
+                <a16:creationId xmlns:a16="http://schemas.microsoft.com/office/drawing/2014/main" xmlns="" id="{72F84B47-E267-4194-8194-831DB7B5547F}"/>
+              </a:ext>
+              <a:ext uri="{C183D7F6-B498-43B3-948B-1728B52AA6E4}">
+                <adec:decorative xmlns:adec="http://schemas.microsoft.com/office/drawing/2017/decorative" xmlns="" val="1"/>
+              </a:ext>
+            </a:extLst>
+          </p:cNvPr>
+          <p:cNvSpPr>
+            <a:spLocks noGrp="1" noRot="1" noChangeAspect="1" noMove="1" noResize="1" noEditPoints="1" noAdjustHandles="1" noChangeArrowheads="1" noChangeShapeType="1" noTextEdit="1"/>
+          </p:cNvSpPr>
+          <p:nvPr>
+            <p:extLst>
+              <p:ext uri="{386F3935-93C4-4BCD-93E2-E3B085C9AB24}">
+                <p16:designElem xmlns:p16="http://schemas.microsoft.com/office/powerpoint/2015/main" xmlns="" val="1"/>
+              </p:ext>
+            </p:extLst>
+          </p:nvPr>
+        </p:nvSpPr>
+        <p:spPr>
+          <a:xfrm>
+            <a:off x="5123688" y="557784"/>
+            <a:ext cx="6584098" cy="5739187"/>
+          </a:xfrm>
+          <a:prstGeom prst="roundRect">
+            <a:avLst>
+              <a:gd name="adj" fmla="val 0"/>
+            </a:avLst>
+          </a:prstGeom>
+          <a:solidFill>
+            <a:srgbClr val="FFFFFF"/>
+          </a:solidFill>
+          <a:ln w="9525">
+            <a:solidFill>
+              <a:srgbClr val="C8CACA"/>
+            </a:solidFill>
+          </a:ln>
+          <a:effectLst>
+            <a:outerShdw blurRad="57150" dist="19050" dir="5400000" algn="t" rotWithShape="0">
+              <a:prstClr val="black">
+                <a:alpha val="63000"/>
+              </a:prstClr>
+            </a:outerShdw>
+          </a:effectLst>
+        </p:spPr>
+        <p:style>
+          <a:lnRef idx="2">
+            <a:schemeClr val="accent1">
+              <a:shade val="50000"/>
+            </a:schemeClr>
+          </a:lnRef>
+          <a:fillRef idx="1">
+            <a:schemeClr val="accent1"/>
+          </a:fillRef>
+          <a:effectRef idx="0">
+            <a:schemeClr val="accent1"/>
+          </a:effectRef>
+          <a:fontRef idx="minor">
+            <a:schemeClr val="lt1"/>
+          </a:fontRef>
+        </p:style>
+        <p:txBody>
+          <a:bodyPr rtlCol="0" anchor="ctr"/>
+          <a:lstStyle/>
+          <a:p>
+            <a:pPr algn="ctr"/>
+            <a:endParaRPr lang="en-US"/>
+          </a:p>
+        </p:txBody>
+      </p:sp>
+      <p:pic>
+        <p:nvPicPr>
+          <p:cNvPr id="10" name="Picture 10" descr="A picture containing photo, looking, sitting, table&#10;&#10;Description automatically generated">
+            <a:extLst>
+              <a:ext uri="{FF2B5EF4-FFF2-40B4-BE49-F238E27FC236}">
+                <a16:creationId xmlns:a16="http://schemas.microsoft.com/office/drawing/2014/main" xmlns="" id="{9C51BC40-43CD-4FC2-9EF3-E3778CDB741F}"/>
+              </a:ext>
+            </a:extLst>
+          </p:cNvPr>
+          <p:cNvPicPr>
+            <a:picLocks noGrp="1" noChangeAspect="1"/>
+          </p:cNvPicPr>
+          <p:nvPr>
+            <p:ph idx="1"/>
+          </p:nvPr>
+        </p:nvPicPr>
+        <p:blipFill>
+          <a:blip r:embed="rId2"/>
+          <a:stretch>
+            <a:fillRect/>
+          </a:stretch>
+        </p:blipFill>
+        <p:spPr>
+          <a:xfrm>
+            <a:off x="5425093" y="665401"/>
+            <a:ext cx="6172200" cy="2391444"/>
+          </a:xfrm>
+        </p:spPr>
+      </p:pic>
+      <p:pic>
+        <p:nvPicPr>
+          <p:cNvPr id="11" name="Picture 11" descr="A close up of a map&#10;&#10;Description automatically generated">
+            <a:extLst>
+              <a:ext uri="{FF2B5EF4-FFF2-40B4-BE49-F238E27FC236}">
+                <a16:creationId xmlns:a16="http://schemas.microsoft.com/office/drawing/2014/main" xmlns="" id="{4DF51E60-398C-481B-81A5-F0CB56A0DCF4}"/>
+              </a:ext>
+            </a:extLst>
+          </p:cNvPr>
+          <p:cNvPicPr>
+            <a:picLocks noChangeAspect="1"/>
+          </p:cNvPicPr>
+          <p:nvPr/>
+        </p:nvPicPr>
+        <p:blipFill>
+          <a:blip r:embed="rId3"/>
+          <a:stretch>
+            <a:fillRect/>
+          </a:stretch>
+        </p:blipFill>
+        <p:spPr>
+          <a:xfrm>
+            <a:off x="5474111" y="3464820"/>
+            <a:ext cx="6221360" cy="2730551"/>
+          </a:xfrm>
+          <a:prstGeom prst="rect">
+            <a:avLst/>
+          </a:prstGeom>
+        </p:spPr>
+      </p:pic>
+      <p:sp>
+        <p:nvSpPr>
+          <p:cNvPr id="3" name="Footer Placeholder 2"/>
+          <p:cNvSpPr>
+            <a:spLocks noGrp="1"/>
+          </p:cNvSpPr>
+          <p:nvPr>
+            <p:ph type="ftr" sz="quarter" idx="11"/>
+          </p:nvPr>
+        </p:nvSpPr>
+        <p:spPr/>
+        <p:txBody>
+          <a:bodyPr/>
+          <a:lstStyle/>
+          <a:p>
+            <a:r>
+              <a:rPr lang="en-US" smtClean="0"/>
+              <a:t>AXA - BS Internal</a:t>
+            </a:r>
+            <a:endParaRPr lang="en-US"/>
+          </a:p>
+        </p:txBody>
+      </p:sp>
+    </p:spTree>
+    <p:extLst>
+      <p:ext uri="{BB962C8B-B14F-4D97-AF65-F5344CB8AC3E}">
+        <p14:creationId xmlns:p14="http://schemas.microsoft.com/office/powerpoint/2010/main" val="1034410585"/>
+      </p:ext>
+    </p:extLst>
+  </p:cSld>
+  <p:clrMapOvr>
+    <a:masterClrMapping/>
+  </p:clrMapOvr>
+</p:sld>
+</file>
+
+<file path=ppt/slides/slide6.xml><?xml version="1.0" encoding="utf-8"?>
+<p:sld xmlns:a="http://schemas.openxmlformats.org/drawingml/2006/main" xmlns:r="http://schemas.openxmlformats.org/officeDocument/2006/relationships" xmlns:p="http://schemas.openxmlformats.org/presentationml/2006/main">
+  <p:cSld>
+    <p:bg>
+      <p:bgPr>
+        <a:solidFill>
+          <a:schemeClr val="bg1"/>
+        </a:solidFill>
+        <a:effectLst/>
+      </p:bgPr>
+    </p:bg>
+    <p:spTree>
+      <p:nvGrpSpPr>
+        <p:cNvPr id="1" name=""/>
+        <p:cNvGrpSpPr/>
+        <p:nvPr/>
+      </p:nvGrpSpPr>
+      <p:grpSpPr>
+        <a:xfrm>
+          <a:off x="0" y="0"/>
+          <a:ext cx="0" cy="0"/>
+          <a:chOff x="0" y="0"/>
+          <a:chExt cx="0" cy="0"/>
+        </a:xfrm>
+      </p:grpSpPr>
+      <p:sp useBgFill="1">
+        <p:nvSpPr>
+          <p:cNvPr id="12" name="Rectangle 11">
+            <a:extLst>
+              <a:ext uri="{FF2B5EF4-FFF2-40B4-BE49-F238E27FC236}">
+                <a16:creationId xmlns:a16="http://schemas.microsoft.com/office/drawing/2014/main" xmlns="" id="{0B3B9DBC-97CC-4A18-B4A6-66E240292269}"/>
+              </a:ext>
+              <a:ext uri="{C183D7F6-B498-43B3-948B-1728B52AA6E4}">
+                <adec:decorative xmlns:adec="http://schemas.microsoft.com/office/drawing/2017/decorative" xmlns="" val="1"/>
+              </a:ext>
+            </a:extLst>
+          </p:cNvPr>
+          <p:cNvSpPr>
+            <a:spLocks noGrp="1" noRot="1" noChangeAspect="1" noMove="1" noResize="1" noEditPoints="1" noAdjustHandles="1" noChangeArrowheads="1" noChangeShapeType="1" noTextEdit="1"/>
+          </p:cNvSpPr>
+          <p:nvPr>
+            <p:extLst>
+              <p:ext uri="{386F3935-93C4-4BCD-93E2-E3B085C9AB24}">
+                <p16:designElem xmlns:p16="http://schemas.microsoft.com/office/powerpoint/2015/main" xmlns="" val="1"/>
+              </p:ext>
+            </p:extLst>
+          </p:nvPr>
+        </p:nvSpPr>
+        <p:spPr>
+          <a:xfrm>
+            <a:off x="0" y="0"/>
+            <a:ext cx="12188952" cy="6858000"/>
+          </a:xfrm>
+          <a:prstGeom prst="rect">
+            <a:avLst/>
+          </a:prstGeom>
+          <a:ln>
+            <a:noFill/>
+          </a:ln>
+        </p:spPr>
+        <p:style>
+          <a:lnRef idx="2">
+            <a:schemeClr val="accent1">
+              <a:shade val="50000"/>
+            </a:schemeClr>
+          </a:lnRef>
+          <a:fillRef idx="1">
+            <a:schemeClr val="accent1"/>
+          </a:fillRef>
+          <a:effectRef idx="0">
+            <a:schemeClr val="accent1"/>
+          </a:effectRef>
+          <a:fontRef idx="minor">
+            <a:schemeClr val="lt1"/>
+          </a:fontRef>
+        </p:style>
+        <p:txBody>
+          <a:bodyPr rtlCol="0" anchor="ctr"/>
+          <a:lstStyle/>
+          <a:p>
+            <a:pPr algn="ctr"/>
+            <a:endParaRPr lang="en-US"/>
+          </a:p>
+        </p:txBody>
+      </p:sp>
+      <p:sp>
+        <p:nvSpPr>
+          <p:cNvPr id="14" name="Rectangle 13">
+            <a:extLst>
+              <a:ext uri="{FF2B5EF4-FFF2-40B4-BE49-F238E27FC236}">
+                <a16:creationId xmlns:a16="http://schemas.microsoft.com/office/drawing/2014/main" xmlns="" id="{F4492644-1D84-449E-94E4-5FC5C873D32E}"/>
+              </a:ext>
+              <a:ext uri="{C183D7F6-B498-43B3-948B-1728B52AA6E4}">
+                <adec:decorative xmlns:adec="http://schemas.microsoft.com/office/drawing/2017/decorative" xmlns="" val="1"/>
+              </a:ext>
+            </a:extLst>
+          </p:cNvPr>
+          <p:cNvSpPr>
+            <a:spLocks noGrp="1" noRot="1" noChangeAspect="1" noMove="1" noResize="1" noEditPoints="1" noAdjustHandles="1" noChangeArrowheads="1" noChangeShapeType="1" noTextEdit="1"/>
+          </p:cNvSpPr>
+          <p:nvPr>
+            <p:extLst>
+              <p:ext uri="{386F3935-93C4-4BCD-93E2-E3B085C9AB24}">
+                <p16:designElem xmlns:p16="http://schemas.microsoft.com/office/powerpoint/2015/main" xmlns="" val="1"/>
+              </p:ext>
+            </p:extLst>
+          </p:nvPr>
+        </p:nvSpPr>
+        <p:spPr>
+          <a:xfrm>
+            <a:off x="-3048" y="227"/>
+            <a:ext cx="12188952" cy="4551895"/>
+          </a:xfrm>
+          <a:prstGeom prst="rect">
+            <a:avLst/>
+          </a:prstGeom>
+          <a:solidFill>
+            <a:schemeClr val="accent1">
+              <a:lumMod val="50000"/>
+            </a:schemeClr>
+          </a:solidFill>
+          <a:ln>
+            <a:noFill/>
+          </a:ln>
+        </p:spPr>
+        <p:style>
+          <a:lnRef idx="2">
+            <a:schemeClr val="accent1">
+              <a:shade val="50000"/>
+            </a:schemeClr>
+          </a:lnRef>
+          <a:fillRef idx="1">
+            <a:schemeClr val="accent1"/>
+          </a:fillRef>
+          <a:effectRef idx="0">
+            <a:schemeClr val="accent1"/>
+          </a:effectRef>
+          <a:fontRef idx="minor">
+            <a:schemeClr val="lt1"/>
+          </a:fontRef>
+        </p:style>
+        <p:txBody>
+          <a:bodyPr rtlCol="0" anchor="ctr"/>
+          <a:lstStyle/>
+          <a:p>
+            <a:pPr algn="ctr"/>
+            <a:endParaRPr lang="en-US"/>
+          </a:p>
+        </p:txBody>
+      </p:sp>
+      <p:sp>
+        <p:nvSpPr>
+          <p:cNvPr id="7" name="Title 6">
+            <a:extLst>
+              <a:ext uri="{FF2B5EF4-FFF2-40B4-BE49-F238E27FC236}">
+                <a16:creationId xmlns:a16="http://schemas.microsoft.com/office/drawing/2014/main" xmlns="" id="{98507B7F-85E7-4ECF-832B-2A38E335AF8A}"/>
+              </a:ext>
+            </a:extLst>
+          </p:cNvPr>
+          <p:cNvSpPr>
+            <a:spLocks noGrp="1"/>
+          </p:cNvSpPr>
+          <p:nvPr>
+            <p:ph type="ctrTitle"/>
+          </p:nvPr>
+        </p:nvSpPr>
+        <p:spPr>
+          <a:xfrm>
+            <a:off x="795342" y="637953"/>
+            <a:ext cx="8272458" cy="3189507"/>
+          </a:xfrm>
+        </p:spPr>
+        <p:txBody>
+          <a:bodyPr>
+            <a:normAutofit/>
+          </a:bodyPr>
+          <a:lstStyle/>
+          <a:p>
+            <a:pPr algn="l"/>
+            <a:r>
+              <a:rPr lang="en-US" sz="8000">
+                <a:solidFill>
+                  <a:srgbClr val="FFFFFF"/>
+                </a:solidFill>
+                <a:cs typeface="Calibri Light"/>
+              </a:rPr>
+              <a:t>Thank you</a:t>
+            </a:r>
+            <a:endParaRPr lang="en-US" sz="8000">
+              <a:solidFill>
+                <a:srgbClr val="FFFFFF"/>
+              </a:solidFill>
+            </a:endParaRPr>
+          </a:p>
+        </p:txBody>
+      </p:sp>
+      <p:sp>
+        <p:nvSpPr>
+          <p:cNvPr id="16" name="Freeform 6">
+            <a:extLst>
+              <a:ext uri="{FF2B5EF4-FFF2-40B4-BE49-F238E27FC236}">
+                <a16:creationId xmlns:a16="http://schemas.microsoft.com/office/drawing/2014/main" xmlns="" id="{94EE1A74-DEBF-434E-8B5E-7AB296ECBE08}"/>
+              </a:ext>
+              <a:ext uri="{C183D7F6-B498-43B3-948B-1728B52AA6E4}">
+                <adec:decorative xmlns:adec="http://schemas.microsoft.com/office/drawing/2017/decorative" xmlns="" val="1"/>
+              </a:ext>
+            </a:extLst>
+          </p:cNvPr>
+          <p:cNvSpPr>
+            <a:spLocks noGrp="1" noRot="1" noChangeAspect="1" noMove="1" noResize="1" noEditPoints="1" noAdjustHandles="1" noChangeArrowheads="1" noChangeShapeType="1" noTextEdit="1"/>
+          </p:cNvSpPr>
+          <p:nvPr>
+            <p:extLst>
+              <p:ext uri="{386F3935-93C4-4BCD-93E2-E3B085C9AB24}">
+                <p16:designElem xmlns:p16="http://schemas.microsoft.com/office/powerpoint/2015/main" xmlns="" val="1"/>
+              </p:ext>
+            </p:extLst>
+          </p:nvPr>
+        </p:nvSpPr>
+        <p:spPr bwMode="auto">
+          <a:xfrm>
+            <a:off x="8727747" y="4208147"/>
+            <a:ext cx="339126" cy="1938528"/>
+          </a:xfrm>
+          <a:custGeom>
+            <a:avLst/>
+            <a:gdLst>
+              <a:gd name="T0" fmla="*/ 414 w 414"/>
+              <a:gd name="T1" fmla="*/ 2447 h 2447"/>
+              <a:gd name="T2" fmla="*/ 0 w 414"/>
+              <a:gd name="T3" fmla="*/ 2247 h 2447"/>
+              <a:gd name="T4" fmla="*/ 0 w 414"/>
+              <a:gd name="T5" fmla="*/ 0 h 2447"/>
+              <a:gd name="T6" fmla="*/ 414 w 414"/>
+              <a:gd name="T7" fmla="*/ 200 h 2447"/>
+              <a:gd name="T8" fmla="*/ 414 w 414"/>
+              <a:gd name="T9" fmla="*/ 2447 h 2447"/>
+            </a:gdLst>
+            <a:ahLst/>
+            <a:cxnLst>
+              <a:cxn ang="0">
+                <a:pos x="T0" y="T1"/>
+              </a:cxn>
+              <a:cxn ang="0">
+                <a:pos x="T2" y="T3"/>
+              </a:cxn>
+              <a:cxn ang="0">
+                <a:pos x="T4" y="T5"/>
+              </a:cxn>
+              <a:cxn ang="0">
+                <a:pos x="T6" y="T7"/>
+              </a:cxn>
+              <a:cxn ang="0">
+                <a:pos x="T8" y="T9"/>
+              </a:cxn>
+            </a:cxnLst>
+            <a:rect l="0" t="0" r="r" b="b"/>
+            <a:pathLst>
+              <a:path w="414" h="2447">
+                <a:moveTo>
+                  <a:pt x="414" y="2447"/>
+                </a:moveTo>
+                <a:lnTo>
+                  <a:pt x="0" y="2247"/>
+                </a:lnTo>
+                <a:lnTo>
+                  <a:pt x="0" y="0"/>
+                </a:lnTo>
+                <a:lnTo>
+                  <a:pt x="414" y="200"/>
+                </a:lnTo>
+                <a:lnTo>
+                  <a:pt x="414" y="2447"/>
+                </a:lnTo>
+                <a:close/>
+              </a:path>
+            </a:pathLst>
+          </a:custGeom>
+          <a:solidFill>
+            <a:schemeClr val="accent1">
+              <a:lumMod val="75000"/>
+            </a:schemeClr>
+          </a:solidFill>
+          <a:ln>
+            <a:noFill/>
+          </a:ln>
+        </p:spPr>
+        <p:txBody>
+          <a:bodyPr vert="horz" wrap="square" lIns="91440" tIns="45720" rIns="91440" bIns="45720" numCol="1" anchor="t" anchorCtr="0" compatLnSpc="1">
+            <a:prstTxWarp prst="textNoShape">
+              <a:avLst/>
+            </a:prstTxWarp>
+          </a:bodyPr>
+          <a:lstStyle/>
+          <a:p>
+            <a:endParaRPr lang="en-US"/>
+          </a:p>
+        </p:txBody>
+      </p:sp>
+      <p:sp>
+        <p:nvSpPr>
+          <p:cNvPr id="18" name="Freeform 7">
+            <a:extLst>
+              <a:ext uri="{FF2B5EF4-FFF2-40B4-BE49-F238E27FC236}">
+                <a16:creationId xmlns:a16="http://schemas.microsoft.com/office/drawing/2014/main" xmlns="" id="{8C7C4D4B-92D9-4FA4-A294-749E8574FF51}"/>
+              </a:ext>
+              <a:ext uri="{C183D7F6-B498-43B3-948B-1728B52AA6E4}">
+                <adec:decorative xmlns:adec="http://schemas.microsoft.com/office/drawing/2017/decorative" xmlns="" val="1"/>
+              </a:ext>
+            </a:extLst>
+          </p:cNvPr>
+          <p:cNvSpPr>
+            <a:spLocks noGrp="1" noRot="1" noChangeAspect="1" noMove="1" noResize="1" noEditPoints="1" noAdjustHandles="1" noChangeArrowheads="1" noChangeShapeType="1" noTextEdit="1"/>
+          </p:cNvSpPr>
+          <p:nvPr>
+            <p:extLst>
+              <p:ext uri="{386F3935-93C4-4BCD-93E2-E3B085C9AB24}">
+                <p16:designElem xmlns:p16="http://schemas.microsoft.com/office/powerpoint/2015/main" xmlns="" val="1"/>
+              </p:ext>
+            </p:extLst>
+          </p:nvPr>
+        </p:nvSpPr>
+        <p:spPr bwMode="auto">
+          <a:xfrm>
+            <a:off x="8728739" y="4098333"/>
+            <a:ext cx="201857" cy="1874520"/>
+          </a:xfrm>
+          <a:custGeom>
+            <a:avLst/>
+            <a:gdLst>
+              <a:gd name="T0" fmla="*/ 209 w 209"/>
+              <a:gd name="T1" fmla="*/ 2246 h 2358"/>
+              <a:gd name="T2" fmla="*/ 0 w 209"/>
+              <a:gd name="T3" fmla="*/ 2358 h 2358"/>
+              <a:gd name="T4" fmla="*/ 0 w 209"/>
+              <a:gd name="T5" fmla="*/ 111 h 2358"/>
+              <a:gd name="T6" fmla="*/ 209 w 209"/>
+              <a:gd name="T7" fmla="*/ 0 h 2358"/>
+              <a:gd name="T8" fmla="*/ 209 w 209"/>
+              <a:gd name="T9" fmla="*/ 2246 h 2358"/>
+            </a:gdLst>
+            <a:ahLst/>
+            <a:cxnLst>
+              <a:cxn ang="0">
+                <a:pos x="T0" y="T1"/>
+              </a:cxn>
+              <a:cxn ang="0">
+                <a:pos x="T2" y="T3"/>
+              </a:cxn>
+              <a:cxn ang="0">
+                <a:pos x="T4" y="T5"/>
+              </a:cxn>
+              <a:cxn ang="0">
+                <a:pos x="T6" y="T7"/>
+              </a:cxn>
+              <a:cxn ang="0">
+                <a:pos x="T8" y="T9"/>
+              </a:cxn>
+            </a:cxnLst>
+            <a:rect l="0" t="0" r="r" b="b"/>
+            <a:pathLst>
+              <a:path w="209" h="2358">
+                <a:moveTo>
+                  <a:pt x="209" y="2246"/>
+                </a:moveTo>
+                <a:lnTo>
+                  <a:pt x="0" y="2358"/>
+                </a:lnTo>
+                <a:lnTo>
+                  <a:pt x="0" y="111"/>
+                </a:lnTo>
+                <a:lnTo>
+                  <a:pt x="209" y="0"/>
+                </a:lnTo>
+                <a:lnTo>
+                  <a:pt x="209" y="2246"/>
+                </a:lnTo>
+                <a:close/>
+              </a:path>
+            </a:pathLst>
+          </a:custGeom>
+          <a:solidFill>
+            <a:schemeClr val="accent1">
+              <a:lumMod val="50000"/>
+            </a:schemeClr>
+          </a:solidFill>
+          <a:ln>
+            <a:noFill/>
+          </a:ln>
+        </p:spPr>
+        <p:txBody>
+          <a:bodyPr vert="horz" wrap="square" lIns="91440" tIns="45720" rIns="91440" bIns="45720" numCol="1" anchor="t" anchorCtr="0" compatLnSpc="1">
+            <a:prstTxWarp prst="textNoShape">
+              <a:avLst/>
+            </a:prstTxWarp>
+          </a:bodyPr>
+          <a:lstStyle/>
+          <a:p>
+            <a:endParaRPr lang="en-US"/>
+          </a:p>
+        </p:txBody>
+      </p:sp>
+      <p:sp>
+        <p:nvSpPr>
+          <p:cNvPr id="20" name="Rectangle 8">
+            <a:extLst>
+              <a:ext uri="{FF2B5EF4-FFF2-40B4-BE49-F238E27FC236}">
+                <a16:creationId xmlns:a16="http://schemas.microsoft.com/office/drawing/2014/main" xmlns="" id="{BADA3358-2A3F-41B0-A458-6FD1DB3AF9BB}"/>
+              </a:ext>
+              <a:ext uri="{C183D7F6-B498-43B3-948B-1728B52AA6E4}">
+                <adec:decorative xmlns:adec="http://schemas.microsoft.com/office/drawing/2017/decorative" xmlns="" val="1"/>
+              </a:ext>
+            </a:extLst>
+          </p:cNvPr>
+          <p:cNvSpPr>
+            <a:spLocks noGrp="1" noRot="1" noChangeAspect="1" noMove="1" noResize="1" noEditPoints="1" noAdjustHandles="1" noChangeArrowheads="1" noChangeShapeType="1" noTextEdit="1"/>
+          </p:cNvSpPr>
+          <p:nvPr>
+            <p:extLst>
+              <p:ext uri="{386F3935-93C4-4BCD-93E2-E3B085C9AB24}">
+                <p16:designElem xmlns:p16="http://schemas.microsoft.com/office/powerpoint/2015/main" xmlns="" val="1"/>
+              </p:ext>
+            </p:extLst>
+          </p:nvPr>
+        </p:nvSpPr>
+        <p:spPr bwMode="auto">
+          <a:xfrm>
+            <a:off x="-3048" y="4098334"/>
+            <a:ext cx="8933019" cy="1773936"/>
+          </a:xfrm>
+          <a:prstGeom prst="rect">
+            <a:avLst/>
+          </a:prstGeom>
+          <a:solidFill>
+            <a:schemeClr val="accent1"/>
+          </a:solidFill>
+          <a:ln>
+            <a:noFill/>
+          </a:ln>
+        </p:spPr>
+        <p:txBody>
+          <a:bodyPr vert="horz" wrap="square" lIns="91440" tIns="45720" rIns="91440" bIns="45720" numCol="1" anchor="t" anchorCtr="0" compatLnSpc="1">
+            <a:prstTxWarp prst="textNoShape">
+              <a:avLst/>
+            </a:prstTxWarp>
+          </a:bodyPr>
+          <a:lstStyle/>
+          <a:p>
+            <a:endParaRPr lang="en-US"/>
+          </a:p>
+        </p:txBody>
+      </p:sp>
+      <p:sp>
+        <p:nvSpPr>
+          <p:cNvPr id="22" name="Rectangle 8">
+            <a:extLst>
+              <a:ext uri="{FF2B5EF4-FFF2-40B4-BE49-F238E27FC236}">
+                <a16:creationId xmlns:a16="http://schemas.microsoft.com/office/drawing/2014/main" xmlns="" id="{E4737216-37B2-43AD-AB08-05BFCCEFC99E}"/>
+              </a:ext>
+              <a:ext uri="{C183D7F6-B498-43B3-948B-1728B52AA6E4}">
+                <adec:decorative xmlns:adec="http://schemas.microsoft.com/office/drawing/2017/decorative" xmlns="" val="1"/>
+              </a:ext>
+            </a:extLst>
+          </p:cNvPr>
+          <p:cNvSpPr>
+            <a:spLocks noGrp="1" noRot="1" noChangeAspect="1" noMove="1" noResize="1" noEditPoints="1" noAdjustHandles="1" noChangeArrowheads="1" noChangeShapeType="1" noTextEdit="1"/>
+          </p:cNvSpPr>
+          <p:nvPr>
+            <p:extLst>
+              <p:ext uri="{386F3935-93C4-4BCD-93E2-E3B085C9AB24}">
+                <p16:designElem xmlns:p16="http://schemas.microsoft.com/office/powerpoint/2015/main" xmlns="" val="1"/>
+              </p:ext>
+            </p:extLst>
+          </p:nvPr>
+        </p:nvSpPr>
+        <p:spPr bwMode="auto">
+          <a:xfrm>
+            <a:off x="9066873" y="4377267"/>
+            <a:ext cx="3122079" cy="1773936"/>
+          </a:xfrm>
+          <a:prstGeom prst="rect">
+            <a:avLst/>
+          </a:prstGeom>
+          <a:solidFill>
+            <a:schemeClr val="accent1"/>
+          </a:solidFill>
+          <a:ln>
+            <a:noFill/>
+          </a:ln>
+        </p:spPr>
+        <p:txBody>
+          <a:bodyPr vert="horz" wrap="square" lIns="91440" tIns="45720" rIns="91440" bIns="45720" numCol="1" anchor="t" anchorCtr="0" compatLnSpc="1">
+            <a:prstTxWarp prst="textNoShape">
+              <a:avLst/>
+            </a:prstTxWarp>
+          </a:bodyPr>
+          <a:lstStyle/>
+          <a:p>
+            <a:endParaRPr lang="en-US"/>
+          </a:p>
+        </p:txBody>
+      </p:sp>
+      <p:sp>
+        <p:nvSpPr>
+          <p:cNvPr id="2" name="Footer Placeholder 1"/>
+          <p:cNvSpPr>
+            <a:spLocks noGrp="1"/>
+          </p:cNvSpPr>
+          <p:nvPr>
+            <p:ph type="ftr" sz="quarter" idx="11"/>
+          </p:nvPr>
+        </p:nvSpPr>
+        <p:spPr/>
+        <p:txBody>
+          <a:bodyPr/>
+          <a:lstStyle/>
+          <a:p>
+            <a:r>
+              <a:rPr lang="en-US" smtClean="0"/>
+              <a:t>AXA - BS Internal</a:t>
+            </a:r>
+            <a:endParaRPr lang="en-US"/>
+          </a:p>
+        </p:txBody>
+      </p:sp>
+    </p:spTree>
+    <p:extLst>
+      <p:ext uri="{BB962C8B-B14F-4D97-AF65-F5344CB8AC3E}">
+        <p14:creationId xmlns:p14="http://schemas.microsoft.com/office/powerpoint/2010/main" val="155132255"/>
       </p:ext>
     </p:extLst>
   </p:cSld>
@@ -3642,9 +5366,9 @@
 </file>
 
 <file path=ppt/theme/theme1.xml><?xml version="1.0" encoding="utf-8"?>
-<a:theme xmlns:a="http://schemas.openxmlformats.org/drawingml/2006/main" name="Office Theme">
+<a:theme xmlns:a="http://schemas.openxmlformats.org/drawingml/2006/main" name="office theme">
   <a:themeElements>
-    <a:clrScheme name="Office">
+    <a:clrScheme name="Office Theme">
       <a:dk1>
         <a:sysClr val="windowText" lastClr="000000"/>
       </a:dk1>
@@ -3652,39 +5376,39 @@
         <a:sysClr val="window" lastClr="FFFFFF"/>
       </a:lt1>
       <a:dk2>
-        <a:srgbClr val="1F497D"/>
+        <a:srgbClr val="44546A"/>
       </a:dk2>
       <a:lt2>
-        <a:srgbClr val="EEECE1"/>
+        <a:srgbClr val="E7E6E6"/>
       </a:lt2>
       <a:accent1>
-        <a:srgbClr val="4F81BD"/>
+        <a:srgbClr val="4472C4"/>
       </a:accent1>
       <a:accent2>
-        <a:srgbClr val="C0504D"/>
+        <a:srgbClr val="ED7D31"/>
       </a:accent2>
       <a:accent3>
-        <a:srgbClr val="9BBB59"/>
+        <a:srgbClr val="A5A5A5"/>
       </a:accent3>
       <a:accent4>
-        <a:srgbClr val="8064A2"/>
+        <a:srgbClr val="FFC000"/>
       </a:accent4>
       <a:accent5>
-        <a:srgbClr val="4BACC6"/>
+        <a:srgbClr val="5B9BD5"/>
       </a:accent5>
       <a:accent6>
-        <a:srgbClr val="F79646"/>
+        <a:srgbClr val="70AD47"/>
       </a:accent6>
       <a:hlink>
-        <a:srgbClr val="0000FF"/>
+        <a:srgbClr val="0563C1"/>
       </a:hlink>
       <a:folHlink>
-        <a:srgbClr val="800080"/>
+        <a:srgbClr val="954F72"/>
       </a:folHlink>
     </a:clrScheme>
-    <a:fontScheme name="Office">
+    <a:fontScheme name="Office Theme">
       <a:majorFont>
-        <a:latin typeface="Calibri"/>
+        <a:latin typeface="Calibri Light" panose="020F0302020204030204"/>
         <a:ea typeface=""/>
         <a:cs typeface=""/>
         <a:font script="Jpan" typeface="ＭＳ Ｐゴシック"/>
@@ -3719,7 +5443,7 @@
         <a:font script="Geor" typeface="Sylfaen"/>
       </a:majorFont>
       <a:minorFont>
-        <a:latin typeface="Calibri"/>
+        <a:latin typeface="Calibri" panose="020F0502020204030204"/>
         <a:ea typeface=""/>
         <a:cs typeface=""/>
         <a:font script="Jpan" typeface="ＭＳ Ｐゴシック"/>
@@ -3754,7 +5478,7 @@
         <a:font script="Geor" typeface="Sylfaen"/>
       </a:minorFont>
     </a:fontScheme>
-    <a:fmtScheme name="Office">
+    <a:fmtScheme name="Office Theme">
       <a:fillStyleLst>
         <a:solidFill>
           <a:schemeClr val="phClr"/>
@@ -3763,165 +5487,141 @@
           <a:gsLst>
             <a:gs pos="0">
               <a:schemeClr val="phClr">
-                <a:tint val="50000"/>
-                <a:satMod val="300000"/>
+                <a:lumMod val="110000"/>
+                <a:satMod val="105000"/>
+                <a:tint val="67000"/>
               </a:schemeClr>
             </a:gs>
-            <a:gs pos="35000">
+            <a:gs pos="50000">
               <a:schemeClr val="phClr">
-                <a:tint val="37000"/>
-                <a:satMod val="300000"/>
+                <a:lumMod val="105000"/>
+                <a:satMod val="103000"/>
+                <a:tint val="73000"/>
               </a:schemeClr>
             </a:gs>
             <a:gs pos="100000">
               <a:schemeClr val="phClr">
-                <a:tint val="15000"/>
-                <a:satMod val="350000"/>
+                <a:lumMod val="105000"/>
+                <a:satMod val="109000"/>
+                <a:tint val="81000"/>
               </a:schemeClr>
             </a:gs>
           </a:gsLst>
-          <a:lin ang="16200000" scaled="1"/>
+          <a:lin ang="5400000" scaled="0"/>
         </a:gradFill>
         <a:gradFill rotWithShape="1">
           <a:gsLst>
             <a:gs pos="0">
               <a:schemeClr val="phClr">
-                <a:shade val="51000"/>
-                <a:satMod val="130000"/>
+                <a:satMod val="103000"/>
+                <a:lumMod val="102000"/>
+                <a:tint val="94000"/>
               </a:schemeClr>
             </a:gs>
-            <a:gs pos="80000">
+            <a:gs pos="50000">
               <a:schemeClr val="phClr">
-                <a:shade val="93000"/>
-                <a:satMod val="130000"/>
+                <a:satMod val="110000"/>
+                <a:lumMod val="100000"/>
+                <a:shade val="100000"/>
               </a:schemeClr>
             </a:gs>
             <a:gs pos="100000">
               <a:schemeClr val="phClr">
-                <a:shade val="94000"/>
-                <a:satMod val="135000"/>
+                <a:lumMod val="99000"/>
+                <a:satMod val="120000"/>
+                <a:shade val="78000"/>
               </a:schemeClr>
             </a:gs>
           </a:gsLst>
-          <a:lin ang="16200000" scaled="0"/>
+          <a:lin ang="5400000" scaled="0"/>
         </a:gradFill>
       </a:fillStyleLst>
       <a:lnStyleLst>
-        <a:ln w="9525" cap="flat" cmpd="sng" algn="ctr">
-          <a:solidFill>
-            <a:schemeClr val="phClr">
-              <a:shade val="95000"/>
-              <a:satMod val="105000"/>
-            </a:schemeClr>
-          </a:solidFill>
-          <a:prstDash val="solid"/>
-        </a:ln>
-        <a:ln w="25400" cap="flat" cmpd="sng" algn="ctr">
+        <a:ln w="6350" cap="flat" cmpd="sng" algn="ctr">
           <a:solidFill>
             <a:schemeClr val="phClr"/>
           </a:solidFill>
           <a:prstDash val="solid"/>
+          <a:miter lim="800000"/>
         </a:ln>
-        <a:ln w="38100" cap="flat" cmpd="sng" algn="ctr">
+        <a:ln w="12700" cap="flat" cmpd="sng" algn="ctr">
           <a:solidFill>
             <a:schemeClr val="phClr"/>
           </a:solidFill>
           <a:prstDash val="solid"/>
+          <a:miter lim="800000"/>
+        </a:ln>
+        <a:ln w="19050" cap="flat" cmpd="sng" algn="ctr">
+          <a:solidFill>
+            <a:schemeClr val="phClr"/>
+          </a:solidFill>
+          <a:prstDash val="solid"/>
+          <a:miter lim="800000"/>
         </a:ln>
       </a:lnStyleLst>
       <a:effectStyleLst>
         <a:effectStyle>
+          <a:effectLst/>
+        </a:effectStyle>
+        <a:effectStyle>
+          <a:effectLst/>
+        </a:effectStyle>
+        <a:effectStyle>
           <a:effectLst>
-            <a:outerShdw blurRad="40000" dist="20000" dir="5400000" rotWithShape="0">
+            <a:outerShdw blurRad="57150" dist="19050" dir="5400000" algn="ctr" rotWithShape="0">
               <a:srgbClr val="000000">
-                <a:alpha val="38000"/>
+                <a:alpha val="63000"/>
               </a:srgbClr>
             </a:outerShdw>
           </a:effectLst>
-        </a:effectStyle>
-        <a:effectStyle>
-          <a:effectLst>
-            <a:outerShdw blurRad="40000" dist="23000" dir="5400000" rotWithShape="0">
-              <a:srgbClr val="000000">
-                <a:alpha val="35000"/>
-              </a:srgbClr>
-            </a:outerShdw>
-          </a:effectLst>
-        </a:effectStyle>
-        <a:effectStyle>
-          <a:effectLst>
-            <a:outerShdw blurRad="40000" dist="23000" dir="5400000" rotWithShape="0">
-              <a:srgbClr val="000000">
-                <a:alpha val="35000"/>
-              </a:srgbClr>
-            </a:outerShdw>
-          </a:effectLst>
-          <a:scene3d>
-            <a:camera prst="orthographicFront">
-              <a:rot lat="0" lon="0" rev="0"/>
-            </a:camera>
-            <a:lightRig rig="threePt" dir="t">
-              <a:rot lat="0" lon="0" rev="1200000"/>
-            </a:lightRig>
-          </a:scene3d>
-          <a:sp3d>
-            <a:bevelT w="63500" h="25400"/>
-          </a:sp3d>
         </a:effectStyle>
       </a:effectStyleLst>
       <a:bgFillStyleLst>
         <a:solidFill>
           <a:schemeClr val="phClr"/>
         </a:solidFill>
+        <a:solidFill>
+          <a:schemeClr val="phClr">
+            <a:tint val="95000"/>
+            <a:satMod val="170000"/>
+          </a:schemeClr>
+        </a:solidFill>
         <a:gradFill rotWithShape="1">
           <a:gsLst>
             <a:gs pos="0">
               <a:schemeClr val="phClr">
-                <a:tint val="40000"/>
-                <a:satMod val="350000"/>
+                <a:tint val="93000"/>
+                <a:satMod val="150000"/>
+                <a:shade val="98000"/>
+                <a:lumMod val="102000"/>
               </a:schemeClr>
             </a:gs>
-            <a:gs pos="40000">
+            <a:gs pos="50000">
               <a:schemeClr val="phClr">
-                <a:tint val="45000"/>
-                <a:shade val="99000"/>
-                <a:satMod val="350000"/>
+                <a:tint val="98000"/>
+                <a:satMod val="130000"/>
+                <a:shade val="90000"/>
+                <a:lumMod val="103000"/>
               </a:schemeClr>
             </a:gs>
             <a:gs pos="100000">
               <a:schemeClr val="phClr">
-                <a:shade val="20000"/>
-                <a:satMod val="255000"/>
+                <a:shade val="63000"/>
+                <a:satMod val="120000"/>
               </a:schemeClr>
             </a:gs>
           </a:gsLst>
-          <a:path path="circle">
-            <a:fillToRect l="50000" t="-80000" r="50000" b="180000"/>
-          </a:path>
-        </a:gradFill>
-        <a:gradFill rotWithShape="1">
-          <a:gsLst>
-            <a:gs pos="0">
-              <a:schemeClr val="phClr">
-                <a:tint val="80000"/>
-                <a:satMod val="300000"/>
-              </a:schemeClr>
-            </a:gs>
-            <a:gs pos="100000">
-              <a:schemeClr val="phClr">
-                <a:shade val="30000"/>
-                <a:satMod val="200000"/>
-              </a:schemeClr>
-            </a:gs>
-          </a:gsLst>
-          <a:path path="circle">
-            <a:fillToRect l="50000" t="50000" r="50000" b="50000"/>
-          </a:path>
+          <a:lin ang="5400000" scaled="0"/>
         </a:gradFill>
       </a:bgFillStyleLst>
     </a:fmtScheme>
   </a:themeElements>
   <a:objectDefaults/>
   <a:extraClrSchemeLst/>
+  <a:extLst>
+    <a:ext uri="{05A4C25C-085E-4340-85A3-A5531E510DB2}">
+      <thm15:themeFamily xmlns:thm15="http://schemas.microsoft.com/office/thememl/2012/main" xmlns="" name="Office Theme" id="{62F939B6-93AF-4DB8-9C6B-D6C7DFDC589F}" vid="{4A3C46E8-61CC-4603-A589-7422A47A8E4A}"/>
+    </a:ext>
+  </a:extLst>
 </a:theme>
 </file>